--- a/Manuscript/Figures/02_BACKGROUND_Ecuador_Orography_RegionsENS_PopulationDensity.pptx
+++ b/Manuscript/Figures/02_BACKGROUND_Ecuador_Orography_RegionsENS_PopulationDensity.pptx
@@ -126,13 +126,1541 @@
 <file path=ppt/revisionInfo.xml><?xml version="1.0" encoding="utf-8"?>
 <p1510:revInfo xmlns:a="http://schemas.openxmlformats.org/drawingml/2006/main" xmlns:r="http://schemas.openxmlformats.org/officeDocument/2006/relationships" xmlns:p1510="http://schemas.microsoft.com/office/powerpoint/2015/10/main">
   <p1510:revLst>
-    <p1510:client id="{CC555D62-35BC-4337-A7A4-3DA3EB8506F3}" v="4" dt="2023-06-13T14:11:10.721"/>
+    <p1510:client id="{AA98DFCE-B573-4601-AB1B-5C205E64C24A}" v="2" dt="2023-10-09T21:44:02.763"/>
   </p1510:revLst>
 </p1510:revInfo>
 </file>
 
 <file path=ppt/changesInfos/changesInfo1.xml><?xml version="1.0" encoding="utf-8"?>
 <pc:chgInfo xmlns:a="http://schemas.openxmlformats.org/drawingml/2006/main" xmlns:r="http://schemas.openxmlformats.org/officeDocument/2006/relationships" xmlns:ac="http://schemas.microsoft.com/office/drawing/2013/main/command" xmlns:pc="http://schemas.microsoft.com/office/powerpoint/2013/main/command">
+  <pc:docChgLst>
+    <pc:chgData name="Fatima Pillosu" userId="a6295d4dc9e22643" providerId="LiveId" clId="{CC555D62-35BC-4337-A7A4-3DA3EB8506F3}"/>
+    <pc:docChg chg="undo custSel modSld">
+      <pc:chgData name="Fatima Pillosu" userId="a6295d4dc9e22643" providerId="LiveId" clId="{CC555D62-35BC-4337-A7A4-3DA3EB8506F3}" dt="2023-06-13T14:11:39.861" v="226" actId="1036"/>
+      <pc:docMkLst>
+        <pc:docMk/>
+      </pc:docMkLst>
+      <pc:sldChg chg="addSp delSp modSp mod">
+        <pc:chgData name="Fatima Pillosu" userId="a6295d4dc9e22643" providerId="LiveId" clId="{CC555D62-35BC-4337-A7A4-3DA3EB8506F3}" dt="2023-06-13T14:11:39.861" v="226" actId="1036"/>
+        <pc:sldMkLst>
+          <pc:docMk/>
+          <pc:sldMk cId="3799277682" sldId="257"/>
+        </pc:sldMkLst>
+        <pc:spChg chg="del mod topLvl">
+          <ac:chgData name="Fatima Pillosu" userId="a6295d4dc9e22643" providerId="LiveId" clId="{CC555D62-35BC-4337-A7A4-3DA3EB8506F3}" dt="2023-06-13T14:11:18.504" v="194" actId="478"/>
+          <ac:spMkLst>
+            <pc:docMk/>
+            <pc:sldMk cId="3799277682" sldId="257"/>
+            <ac:spMk id="3" creationId="{41DBCB08-588F-472D-8BB3-FCE73ABF80F0}"/>
+          </ac:spMkLst>
+        </pc:spChg>
+        <pc:spChg chg="add mod">
+          <ac:chgData name="Fatima Pillosu" userId="a6295d4dc9e22643" providerId="LiveId" clId="{CC555D62-35BC-4337-A7A4-3DA3EB8506F3}" dt="2023-06-13T14:09:05.832" v="60" actId="1037"/>
+          <ac:spMkLst>
+            <pc:docMk/>
+            <pc:sldMk cId="3799277682" sldId="257"/>
+            <ac:spMk id="6" creationId="{FC701F35-0E07-5054-A482-FEB5F939FF49}"/>
+          </ac:spMkLst>
+        </pc:spChg>
+        <pc:spChg chg="add mod">
+          <ac:chgData name="Fatima Pillosu" userId="a6295d4dc9e22643" providerId="LiveId" clId="{CC555D62-35BC-4337-A7A4-3DA3EB8506F3}" dt="2023-06-13T14:08:59.939" v="50" actId="1035"/>
+          <ac:spMkLst>
+            <pc:docMk/>
+            <pc:sldMk cId="3799277682" sldId="257"/>
+            <ac:spMk id="7" creationId="{833C63C8-8765-EE7C-09F6-E7C73FCB2F17}"/>
+          </ac:spMkLst>
+        </pc:spChg>
+        <pc:spChg chg="add mod">
+          <ac:chgData name="Fatima Pillosu" userId="a6295d4dc9e22643" providerId="LiveId" clId="{CC555D62-35BC-4337-A7A4-3DA3EB8506F3}" dt="2023-06-13T14:10:39.181" v="161" actId="1038"/>
+          <ac:spMkLst>
+            <pc:docMk/>
+            <pc:sldMk cId="3799277682" sldId="257"/>
+            <ac:spMk id="8" creationId="{05643786-32EF-BC6F-53BE-957BA25DB8DD}"/>
+          </ac:spMkLst>
+        </pc:spChg>
+        <pc:spChg chg="add mod">
+          <ac:chgData name="Fatima Pillosu" userId="a6295d4dc9e22643" providerId="LiveId" clId="{CC555D62-35BC-4337-A7A4-3DA3EB8506F3}" dt="2023-06-13T14:10:46.773" v="188" actId="1036"/>
+          <ac:spMkLst>
+            <pc:docMk/>
+            <pc:sldMk cId="3799277682" sldId="257"/>
+            <ac:spMk id="9" creationId="{11B83625-B90D-11E3-0131-C0D8F80A1063}"/>
+          </ac:spMkLst>
+        </pc:spChg>
+        <pc:spChg chg="add del mod topLvl">
+          <ac:chgData name="Fatima Pillosu" userId="a6295d4dc9e22643" providerId="LiveId" clId="{CC555D62-35BC-4337-A7A4-3DA3EB8506F3}" dt="2023-06-13T14:11:39.861" v="226" actId="1036"/>
+          <ac:spMkLst>
+            <pc:docMk/>
+            <pc:sldMk cId="3799277682" sldId="257"/>
+            <ac:spMk id="153" creationId="{76C07E27-ECDB-4919-963C-51E9C4DB17D5}"/>
+          </ac:spMkLst>
+        </pc:spChg>
+        <pc:spChg chg="mod">
+          <ac:chgData name="Fatima Pillosu" userId="a6295d4dc9e22643" providerId="LiveId" clId="{CC555D62-35BC-4337-A7A4-3DA3EB8506F3}" dt="2023-06-13T14:09:51.928" v="96" actId="1076"/>
+          <ac:spMkLst>
+            <pc:docMk/>
+            <pc:sldMk cId="3799277682" sldId="257"/>
+            <ac:spMk id="200" creationId="{F889760E-5B5A-4525-8C2F-6846026E1D19}"/>
+          </ac:spMkLst>
+        </pc:spChg>
+        <pc:spChg chg="mod">
+          <ac:chgData name="Fatima Pillosu" userId="a6295d4dc9e22643" providerId="LiveId" clId="{CC555D62-35BC-4337-A7A4-3DA3EB8506F3}" dt="2023-06-13T14:09:12.734" v="75" actId="1038"/>
+          <ac:spMkLst>
+            <pc:docMk/>
+            <pc:sldMk cId="3799277682" sldId="257"/>
+            <ac:spMk id="202" creationId="{11B187C6-3A57-4F86-ABB6-ADF882708D3A}"/>
+          </ac:spMkLst>
+        </pc:spChg>
+        <pc:spChg chg="del">
+          <ac:chgData name="Fatima Pillosu" userId="a6295d4dc9e22643" providerId="LiveId" clId="{CC555D62-35BC-4337-A7A4-3DA3EB8506F3}" dt="2023-06-13T14:05:54.223" v="0" actId="478"/>
+          <ac:spMkLst>
+            <pc:docMk/>
+            <pc:sldMk cId="3799277682" sldId="257"/>
+            <ac:spMk id="264" creationId="{2AA2DE8F-4B17-4C50-AD57-3C1A3825150C}"/>
+          </ac:spMkLst>
+        </pc:spChg>
+        <pc:grpChg chg="add del">
+          <ac:chgData name="Fatima Pillosu" userId="a6295d4dc9e22643" providerId="LiveId" clId="{CC555D62-35BC-4337-A7A4-3DA3EB8506F3}" dt="2023-06-13T14:11:10.720" v="191" actId="165"/>
+          <ac:grpSpMkLst>
+            <pc:docMk/>
+            <pc:sldMk cId="3799277682" sldId="257"/>
+            <ac:grpSpMk id="4" creationId="{DBAB601F-6CE3-4786-9629-9A746D512972}"/>
+          </ac:grpSpMkLst>
+        </pc:grpChg>
+      </pc:sldChg>
+    </pc:docChg>
+  </pc:docChgLst>
+  <pc:docChgLst>
+    <pc:chgData name="Fatima Pillosu" userId="a6295d4dc9e22643" providerId="LiveId" clId="{4D741DE7-9BEB-4B85-A3B3-25E7C1189B63}"/>
+    <pc:docChg chg="modSld">
+      <pc:chgData name="Fatima Pillosu" userId="a6295d4dc9e22643" providerId="LiveId" clId="{4D741DE7-9BEB-4B85-A3B3-25E7C1189B63}" dt="2022-06-07T10:47:28.268" v="4" actId="255"/>
+      <pc:docMkLst>
+        <pc:docMk/>
+      </pc:docMkLst>
+      <pc:sldChg chg="delSp modSp mod">
+        <pc:chgData name="Fatima Pillosu" userId="a6295d4dc9e22643" providerId="LiveId" clId="{4D741DE7-9BEB-4B85-A3B3-25E7C1189B63}" dt="2022-06-07T10:47:28.268" v="4" actId="255"/>
+        <pc:sldMkLst>
+          <pc:docMk/>
+          <pc:sldMk cId="3799277682" sldId="257"/>
+        </pc:sldMkLst>
+        <pc:spChg chg="mod">
+          <ac:chgData name="Fatima Pillosu" userId="a6295d4dc9e22643" providerId="LiveId" clId="{4D741DE7-9BEB-4B85-A3B3-25E7C1189B63}" dt="2022-06-07T10:47:28.268" v="4" actId="255"/>
+          <ac:spMkLst>
+            <pc:docMk/>
+            <pc:sldMk cId="3799277682" sldId="257"/>
+            <ac:spMk id="175" creationId="{F60A8F43-4B5B-45C6-A56A-0633999D074B}"/>
+          </ac:spMkLst>
+        </pc:spChg>
+        <pc:spChg chg="mod topLvl">
+          <ac:chgData name="Fatima Pillosu" userId="a6295d4dc9e22643" providerId="LiveId" clId="{4D741DE7-9BEB-4B85-A3B3-25E7C1189B63}" dt="2022-06-07T10:46:53.874" v="0" actId="165"/>
+          <ac:spMkLst>
+            <pc:docMk/>
+            <pc:sldMk cId="3799277682" sldId="257"/>
+            <ac:spMk id="197" creationId="{A122E27E-B89D-4646-A9C8-604EA8A20BBC}"/>
+          </ac:spMkLst>
+        </pc:spChg>
+        <pc:spChg chg="mod topLvl">
+          <ac:chgData name="Fatima Pillosu" userId="a6295d4dc9e22643" providerId="LiveId" clId="{4D741DE7-9BEB-4B85-A3B3-25E7C1189B63}" dt="2022-06-07T10:46:53.874" v="0" actId="165"/>
+          <ac:spMkLst>
+            <pc:docMk/>
+            <pc:sldMk cId="3799277682" sldId="257"/>
+            <ac:spMk id="198" creationId="{379409AB-DFC5-4F74-8EFF-327F74CCD4E6}"/>
+          </ac:spMkLst>
+        </pc:spChg>
+        <pc:spChg chg="mod topLvl">
+          <ac:chgData name="Fatima Pillosu" userId="a6295d4dc9e22643" providerId="LiveId" clId="{4D741DE7-9BEB-4B85-A3B3-25E7C1189B63}" dt="2022-06-07T10:46:53.874" v="0" actId="165"/>
+          <ac:spMkLst>
+            <pc:docMk/>
+            <pc:sldMk cId="3799277682" sldId="257"/>
+            <ac:spMk id="199" creationId="{C4C3754B-DDFD-4ADE-A96A-E912CB88EBE3}"/>
+          </ac:spMkLst>
+        </pc:spChg>
+        <pc:spChg chg="mod topLvl">
+          <ac:chgData name="Fatima Pillosu" userId="a6295d4dc9e22643" providerId="LiveId" clId="{4D741DE7-9BEB-4B85-A3B3-25E7C1189B63}" dt="2022-06-07T10:46:53.874" v="0" actId="165"/>
+          <ac:spMkLst>
+            <pc:docMk/>
+            <pc:sldMk cId="3799277682" sldId="257"/>
+            <ac:spMk id="200" creationId="{F889760E-5B5A-4525-8C2F-6846026E1D19}"/>
+          </ac:spMkLst>
+        </pc:spChg>
+        <pc:spChg chg="mod topLvl">
+          <ac:chgData name="Fatima Pillosu" userId="a6295d4dc9e22643" providerId="LiveId" clId="{4D741DE7-9BEB-4B85-A3B3-25E7C1189B63}" dt="2022-06-07T10:46:53.874" v="0" actId="165"/>
+          <ac:spMkLst>
+            <pc:docMk/>
+            <pc:sldMk cId="3799277682" sldId="257"/>
+            <ac:spMk id="201" creationId="{AE5AB460-0903-4B8B-87FA-7CE6510E3056}"/>
+          </ac:spMkLst>
+        </pc:spChg>
+        <pc:spChg chg="mod topLvl">
+          <ac:chgData name="Fatima Pillosu" userId="a6295d4dc9e22643" providerId="LiveId" clId="{4D741DE7-9BEB-4B85-A3B3-25E7C1189B63}" dt="2022-06-07T10:46:53.874" v="0" actId="165"/>
+          <ac:spMkLst>
+            <pc:docMk/>
+            <pc:sldMk cId="3799277682" sldId="257"/>
+            <ac:spMk id="202" creationId="{11B187C6-3A57-4F86-ABB6-ADF882708D3A}"/>
+          </ac:spMkLst>
+        </pc:spChg>
+        <pc:spChg chg="mod topLvl">
+          <ac:chgData name="Fatima Pillosu" userId="a6295d4dc9e22643" providerId="LiveId" clId="{4D741DE7-9BEB-4B85-A3B3-25E7C1189B63}" dt="2022-06-07T10:46:53.874" v="0" actId="165"/>
+          <ac:spMkLst>
+            <pc:docMk/>
+            <pc:sldMk cId="3799277682" sldId="257"/>
+            <ac:spMk id="203" creationId="{3BBEAE37-D32B-49AC-87EC-DDA126F8A175}"/>
+          </ac:spMkLst>
+        </pc:spChg>
+        <pc:spChg chg="mod topLvl">
+          <ac:chgData name="Fatima Pillosu" userId="a6295d4dc9e22643" providerId="LiveId" clId="{4D741DE7-9BEB-4B85-A3B3-25E7C1189B63}" dt="2022-06-07T10:46:53.874" v="0" actId="165"/>
+          <ac:spMkLst>
+            <pc:docMk/>
+            <pc:sldMk cId="3799277682" sldId="257"/>
+            <ac:spMk id="204" creationId="{CDA2E1F3-6E5C-466F-8830-EB44DDC8CEBD}"/>
+          </ac:spMkLst>
+        </pc:spChg>
+        <pc:spChg chg="mod topLvl">
+          <ac:chgData name="Fatima Pillosu" userId="a6295d4dc9e22643" providerId="LiveId" clId="{4D741DE7-9BEB-4B85-A3B3-25E7C1189B63}" dt="2022-06-07T10:46:53.874" v="0" actId="165"/>
+          <ac:spMkLst>
+            <pc:docMk/>
+            <pc:sldMk cId="3799277682" sldId="257"/>
+            <ac:spMk id="205" creationId="{B91C911D-78B0-4CB8-BC0E-9582F95A773B}"/>
+          </ac:spMkLst>
+        </pc:spChg>
+        <pc:spChg chg="mod topLvl">
+          <ac:chgData name="Fatima Pillosu" userId="a6295d4dc9e22643" providerId="LiveId" clId="{4D741DE7-9BEB-4B85-A3B3-25E7C1189B63}" dt="2022-06-07T10:46:53.874" v="0" actId="165"/>
+          <ac:spMkLst>
+            <pc:docMk/>
+            <pc:sldMk cId="3799277682" sldId="257"/>
+            <ac:spMk id="206" creationId="{06B5B641-3648-4EE6-B60D-1641E16BA69E}"/>
+          </ac:spMkLst>
+        </pc:spChg>
+        <pc:spChg chg="mod topLvl">
+          <ac:chgData name="Fatima Pillosu" userId="a6295d4dc9e22643" providerId="LiveId" clId="{4D741DE7-9BEB-4B85-A3B3-25E7C1189B63}" dt="2022-06-07T10:46:53.874" v="0" actId="165"/>
+          <ac:spMkLst>
+            <pc:docMk/>
+            <pc:sldMk cId="3799277682" sldId="257"/>
+            <ac:spMk id="207" creationId="{0C7EE2B8-6492-4229-8AF1-2C8A637C4736}"/>
+          </ac:spMkLst>
+        </pc:spChg>
+        <pc:spChg chg="mod topLvl">
+          <ac:chgData name="Fatima Pillosu" userId="a6295d4dc9e22643" providerId="LiveId" clId="{4D741DE7-9BEB-4B85-A3B3-25E7C1189B63}" dt="2022-06-07T10:46:53.874" v="0" actId="165"/>
+          <ac:spMkLst>
+            <pc:docMk/>
+            <pc:sldMk cId="3799277682" sldId="257"/>
+            <ac:spMk id="208" creationId="{69E9C4FF-1BD0-4A18-8A99-B9BDBEF379FE}"/>
+          </ac:spMkLst>
+        </pc:spChg>
+        <pc:spChg chg="mod topLvl">
+          <ac:chgData name="Fatima Pillosu" userId="a6295d4dc9e22643" providerId="LiveId" clId="{4D741DE7-9BEB-4B85-A3B3-25E7C1189B63}" dt="2022-06-07T10:46:53.874" v="0" actId="165"/>
+          <ac:spMkLst>
+            <pc:docMk/>
+            <pc:sldMk cId="3799277682" sldId="257"/>
+            <ac:spMk id="209" creationId="{8019F4E5-D25D-4A18-B72A-CC23EBF8391A}"/>
+          </ac:spMkLst>
+        </pc:spChg>
+        <pc:spChg chg="mod topLvl">
+          <ac:chgData name="Fatima Pillosu" userId="a6295d4dc9e22643" providerId="LiveId" clId="{4D741DE7-9BEB-4B85-A3B3-25E7C1189B63}" dt="2022-06-07T10:46:53.874" v="0" actId="165"/>
+          <ac:spMkLst>
+            <pc:docMk/>
+            <pc:sldMk cId="3799277682" sldId="257"/>
+            <ac:spMk id="210" creationId="{9D258644-3F29-4A69-B938-4B094E3A0E4C}"/>
+          </ac:spMkLst>
+        </pc:spChg>
+        <pc:spChg chg="mod topLvl">
+          <ac:chgData name="Fatima Pillosu" userId="a6295d4dc9e22643" providerId="LiveId" clId="{4D741DE7-9BEB-4B85-A3B3-25E7C1189B63}" dt="2022-06-07T10:46:53.874" v="0" actId="165"/>
+          <ac:spMkLst>
+            <pc:docMk/>
+            <pc:sldMk cId="3799277682" sldId="257"/>
+            <ac:spMk id="211" creationId="{304FCF33-E449-4E41-BE44-C341DC61F5AC}"/>
+          </ac:spMkLst>
+        </pc:spChg>
+        <pc:spChg chg="mod topLvl">
+          <ac:chgData name="Fatima Pillosu" userId="a6295d4dc9e22643" providerId="LiveId" clId="{4D741DE7-9BEB-4B85-A3B3-25E7C1189B63}" dt="2022-06-07T10:46:53.874" v="0" actId="165"/>
+          <ac:spMkLst>
+            <pc:docMk/>
+            <pc:sldMk cId="3799277682" sldId="257"/>
+            <ac:spMk id="212" creationId="{8A828F02-C7F0-40C9-A558-5B22C5580A78}"/>
+          </ac:spMkLst>
+        </pc:spChg>
+        <pc:spChg chg="mod topLvl">
+          <ac:chgData name="Fatima Pillosu" userId="a6295d4dc9e22643" providerId="LiveId" clId="{4D741DE7-9BEB-4B85-A3B3-25E7C1189B63}" dt="2022-06-07T10:46:53.874" v="0" actId="165"/>
+          <ac:spMkLst>
+            <pc:docMk/>
+            <pc:sldMk cId="3799277682" sldId="257"/>
+            <ac:spMk id="213" creationId="{1657D5C5-96C7-4413-8DC8-25116FCCF52C}"/>
+          </ac:spMkLst>
+        </pc:spChg>
+        <pc:spChg chg="mod topLvl">
+          <ac:chgData name="Fatima Pillosu" userId="a6295d4dc9e22643" providerId="LiveId" clId="{4D741DE7-9BEB-4B85-A3B3-25E7C1189B63}" dt="2022-06-07T10:46:53.874" v="0" actId="165"/>
+          <ac:spMkLst>
+            <pc:docMk/>
+            <pc:sldMk cId="3799277682" sldId="257"/>
+            <ac:spMk id="214" creationId="{4FDCB11B-5181-4C4A-AD3B-BABC6C0DBB04}"/>
+          </ac:spMkLst>
+        </pc:spChg>
+        <pc:spChg chg="mod topLvl">
+          <ac:chgData name="Fatima Pillosu" userId="a6295d4dc9e22643" providerId="LiveId" clId="{4D741DE7-9BEB-4B85-A3B3-25E7C1189B63}" dt="2022-06-07T10:46:53.874" v="0" actId="165"/>
+          <ac:spMkLst>
+            <pc:docMk/>
+            <pc:sldMk cId="3799277682" sldId="257"/>
+            <ac:spMk id="215" creationId="{43CCB5C4-5A20-495D-96F0-B57215A7AA21}"/>
+          </ac:spMkLst>
+        </pc:spChg>
+        <pc:spChg chg="mod topLvl">
+          <ac:chgData name="Fatima Pillosu" userId="a6295d4dc9e22643" providerId="LiveId" clId="{4D741DE7-9BEB-4B85-A3B3-25E7C1189B63}" dt="2022-06-07T10:46:53.874" v="0" actId="165"/>
+          <ac:spMkLst>
+            <pc:docMk/>
+            <pc:sldMk cId="3799277682" sldId="257"/>
+            <ac:spMk id="216" creationId="{626F3178-8FE6-4D24-B3DF-8CD2FDE1FA43}"/>
+          </ac:spMkLst>
+        </pc:spChg>
+        <pc:spChg chg="mod topLvl">
+          <ac:chgData name="Fatima Pillosu" userId="a6295d4dc9e22643" providerId="LiveId" clId="{4D741DE7-9BEB-4B85-A3B3-25E7C1189B63}" dt="2022-06-07T10:46:53.874" v="0" actId="165"/>
+          <ac:spMkLst>
+            <pc:docMk/>
+            <pc:sldMk cId="3799277682" sldId="257"/>
+            <ac:spMk id="217" creationId="{E7A7B55A-342A-49E5-BC78-851EEDEDD0BC}"/>
+          </ac:spMkLst>
+        </pc:spChg>
+        <pc:spChg chg="mod topLvl">
+          <ac:chgData name="Fatima Pillosu" userId="a6295d4dc9e22643" providerId="LiveId" clId="{4D741DE7-9BEB-4B85-A3B3-25E7C1189B63}" dt="2022-06-07T10:46:53.874" v="0" actId="165"/>
+          <ac:spMkLst>
+            <pc:docMk/>
+            <pc:sldMk cId="3799277682" sldId="257"/>
+            <ac:spMk id="218" creationId="{EB701E82-7422-442B-AB98-CB1DC6B3014E}"/>
+          </ac:spMkLst>
+        </pc:spChg>
+        <pc:spChg chg="mod topLvl">
+          <ac:chgData name="Fatima Pillosu" userId="a6295d4dc9e22643" providerId="LiveId" clId="{4D741DE7-9BEB-4B85-A3B3-25E7C1189B63}" dt="2022-06-07T10:47:28.268" v="4" actId="255"/>
+          <ac:spMkLst>
+            <pc:docMk/>
+            <pc:sldMk cId="3799277682" sldId="257"/>
+            <ac:spMk id="219" creationId="{1BDE16C1-EA00-4492-8274-0E8E1431C785}"/>
+          </ac:spMkLst>
+        </pc:spChg>
+        <pc:spChg chg="mod topLvl">
+          <ac:chgData name="Fatima Pillosu" userId="a6295d4dc9e22643" providerId="LiveId" clId="{4D741DE7-9BEB-4B85-A3B3-25E7C1189B63}" dt="2022-06-07T10:46:53.874" v="0" actId="165"/>
+          <ac:spMkLst>
+            <pc:docMk/>
+            <pc:sldMk cId="3799277682" sldId="257"/>
+            <ac:spMk id="220" creationId="{20316B05-E1B0-45E8-9CED-EBA7E50D97C5}"/>
+          </ac:spMkLst>
+        </pc:spChg>
+        <pc:spChg chg="mod">
+          <ac:chgData name="Fatima Pillosu" userId="a6295d4dc9e22643" providerId="LiveId" clId="{4D741DE7-9BEB-4B85-A3B3-25E7C1189B63}" dt="2022-06-07T10:46:53.874" v="0" actId="165"/>
+          <ac:spMkLst>
+            <pc:docMk/>
+            <pc:sldMk cId="3799277682" sldId="257"/>
+            <ac:spMk id="222" creationId="{FA5D4ADE-19D1-415A-BFF4-7F32E0A30F76}"/>
+          </ac:spMkLst>
+        </pc:spChg>
+        <pc:spChg chg="mod">
+          <ac:chgData name="Fatima Pillosu" userId="a6295d4dc9e22643" providerId="LiveId" clId="{4D741DE7-9BEB-4B85-A3B3-25E7C1189B63}" dt="2022-06-07T10:46:53.874" v="0" actId="165"/>
+          <ac:spMkLst>
+            <pc:docMk/>
+            <pc:sldMk cId="3799277682" sldId="257"/>
+            <ac:spMk id="223" creationId="{D3F44C70-0A1D-4151-B5A4-F93331386FEF}"/>
+          </ac:spMkLst>
+        </pc:spChg>
+        <pc:spChg chg="mod">
+          <ac:chgData name="Fatima Pillosu" userId="a6295d4dc9e22643" providerId="LiveId" clId="{4D741DE7-9BEB-4B85-A3B3-25E7C1189B63}" dt="2022-06-07T10:46:53.874" v="0" actId="165"/>
+          <ac:spMkLst>
+            <pc:docMk/>
+            <pc:sldMk cId="3799277682" sldId="257"/>
+            <ac:spMk id="224" creationId="{57302CF9-2020-43E9-BFA8-0AFC9FA1BA15}"/>
+          </ac:spMkLst>
+        </pc:spChg>
+        <pc:spChg chg="mod">
+          <ac:chgData name="Fatima Pillosu" userId="a6295d4dc9e22643" providerId="LiveId" clId="{4D741DE7-9BEB-4B85-A3B3-25E7C1189B63}" dt="2022-06-07T10:46:53.874" v="0" actId="165"/>
+          <ac:spMkLst>
+            <pc:docMk/>
+            <pc:sldMk cId="3799277682" sldId="257"/>
+            <ac:spMk id="225" creationId="{6887CF0C-BB5F-4719-B5AE-8A5F753733CD}"/>
+          </ac:spMkLst>
+        </pc:spChg>
+        <pc:spChg chg="mod">
+          <ac:chgData name="Fatima Pillosu" userId="a6295d4dc9e22643" providerId="LiveId" clId="{4D741DE7-9BEB-4B85-A3B3-25E7C1189B63}" dt="2022-06-07T10:46:53.874" v="0" actId="165"/>
+          <ac:spMkLst>
+            <pc:docMk/>
+            <pc:sldMk cId="3799277682" sldId="257"/>
+            <ac:spMk id="226" creationId="{CFFC4630-967F-4104-89A9-F630FDB76B6E}"/>
+          </ac:spMkLst>
+        </pc:spChg>
+        <pc:spChg chg="mod">
+          <ac:chgData name="Fatima Pillosu" userId="a6295d4dc9e22643" providerId="LiveId" clId="{4D741DE7-9BEB-4B85-A3B3-25E7C1189B63}" dt="2022-06-07T10:46:53.874" v="0" actId="165"/>
+          <ac:spMkLst>
+            <pc:docMk/>
+            <pc:sldMk cId="3799277682" sldId="257"/>
+            <ac:spMk id="227" creationId="{0295C434-527B-4353-8CDB-6D8CE6363E97}"/>
+          </ac:spMkLst>
+        </pc:spChg>
+        <pc:spChg chg="mod">
+          <ac:chgData name="Fatima Pillosu" userId="a6295d4dc9e22643" providerId="LiveId" clId="{4D741DE7-9BEB-4B85-A3B3-25E7C1189B63}" dt="2022-06-07T10:46:53.874" v="0" actId="165"/>
+          <ac:spMkLst>
+            <pc:docMk/>
+            <pc:sldMk cId="3799277682" sldId="257"/>
+            <ac:spMk id="228" creationId="{5349082E-00FB-48AF-A445-2B81D51E7764}"/>
+          </ac:spMkLst>
+        </pc:spChg>
+        <pc:spChg chg="mod">
+          <ac:chgData name="Fatima Pillosu" userId="a6295d4dc9e22643" providerId="LiveId" clId="{4D741DE7-9BEB-4B85-A3B3-25E7C1189B63}" dt="2022-06-07T10:46:53.874" v="0" actId="165"/>
+          <ac:spMkLst>
+            <pc:docMk/>
+            <pc:sldMk cId="3799277682" sldId="257"/>
+            <ac:spMk id="229" creationId="{296C9E54-D41F-4866-B943-6C27979931F3}"/>
+          </ac:spMkLst>
+        </pc:spChg>
+        <pc:spChg chg="mod">
+          <ac:chgData name="Fatima Pillosu" userId="a6295d4dc9e22643" providerId="LiveId" clId="{4D741DE7-9BEB-4B85-A3B3-25E7C1189B63}" dt="2022-06-07T10:46:53.874" v="0" actId="165"/>
+          <ac:spMkLst>
+            <pc:docMk/>
+            <pc:sldMk cId="3799277682" sldId="257"/>
+            <ac:spMk id="230" creationId="{5C5F7E5C-40D0-4404-AF79-EA2FE5BF9D29}"/>
+          </ac:spMkLst>
+        </pc:spChg>
+        <pc:spChg chg="mod">
+          <ac:chgData name="Fatima Pillosu" userId="a6295d4dc9e22643" providerId="LiveId" clId="{4D741DE7-9BEB-4B85-A3B3-25E7C1189B63}" dt="2022-06-07T10:46:53.874" v="0" actId="165"/>
+          <ac:spMkLst>
+            <pc:docMk/>
+            <pc:sldMk cId="3799277682" sldId="257"/>
+            <ac:spMk id="231" creationId="{63EC534E-F923-4622-9FF7-0E86BB901474}"/>
+          </ac:spMkLst>
+        </pc:spChg>
+        <pc:spChg chg="mod">
+          <ac:chgData name="Fatima Pillosu" userId="a6295d4dc9e22643" providerId="LiveId" clId="{4D741DE7-9BEB-4B85-A3B3-25E7C1189B63}" dt="2022-06-07T10:46:53.874" v="0" actId="165"/>
+          <ac:spMkLst>
+            <pc:docMk/>
+            <pc:sldMk cId="3799277682" sldId="257"/>
+            <ac:spMk id="232" creationId="{9E313F42-5E49-469A-A948-7A0F0CF048E0}"/>
+          </ac:spMkLst>
+        </pc:spChg>
+        <pc:spChg chg="mod">
+          <ac:chgData name="Fatima Pillosu" userId="a6295d4dc9e22643" providerId="LiveId" clId="{4D741DE7-9BEB-4B85-A3B3-25E7C1189B63}" dt="2022-06-07T10:46:53.874" v="0" actId="165"/>
+          <ac:spMkLst>
+            <pc:docMk/>
+            <pc:sldMk cId="3799277682" sldId="257"/>
+            <ac:spMk id="233" creationId="{74AD475F-7786-49F6-9E62-AE6CE8B5626E}"/>
+          </ac:spMkLst>
+        </pc:spChg>
+        <pc:spChg chg="mod">
+          <ac:chgData name="Fatima Pillosu" userId="a6295d4dc9e22643" providerId="LiveId" clId="{4D741DE7-9BEB-4B85-A3B3-25E7C1189B63}" dt="2022-06-07T10:46:53.874" v="0" actId="165"/>
+          <ac:spMkLst>
+            <pc:docMk/>
+            <pc:sldMk cId="3799277682" sldId="257"/>
+            <ac:spMk id="234" creationId="{1627617A-600F-4F7A-BAB6-B7CDB86FF983}"/>
+          </ac:spMkLst>
+        </pc:spChg>
+        <pc:spChg chg="mod">
+          <ac:chgData name="Fatima Pillosu" userId="a6295d4dc9e22643" providerId="LiveId" clId="{4D741DE7-9BEB-4B85-A3B3-25E7C1189B63}" dt="2022-06-07T10:46:53.874" v="0" actId="165"/>
+          <ac:spMkLst>
+            <pc:docMk/>
+            <pc:sldMk cId="3799277682" sldId="257"/>
+            <ac:spMk id="235" creationId="{C5A772C7-BD7B-4F33-A8C5-7AFD50CFBEED}"/>
+          </ac:spMkLst>
+        </pc:spChg>
+        <pc:spChg chg="mod">
+          <ac:chgData name="Fatima Pillosu" userId="a6295d4dc9e22643" providerId="LiveId" clId="{4D741DE7-9BEB-4B85-A3B3-25E7C1189B63}" dt="2022-06-07T10:46:53.874" v="0" actId="165"/>
+          <ac:spMkLst>
+            <pc:docMk/>
+            <pc:sldMk cId="3799277682" sldId="257"/>
+            <ac:spMk id="236" creationId="{2753D96C-C548-4F6B-9FEF-E3671AD7DF4D}"/>
+          </ac:spMkLst>
+        </pc:spChg>
+        <pc:spChg chg="mod">
+          <ac:chgData name="Fatima Pillosu" userId="a6295d4dc9e22643" providerId="LiveId" clId="{4D741DE7-9BEB-4B85-A3B3-25E7C1189B63}" dt="2022-06-07T10:46:53.874" v="0" actId="165"/>
+          <ac:spMkLst>
+            <pc:docMk/>
+            <pc:sldMk cId="3799277682" sldId="257"/>
+            <ac:spMk id="237" creationId="{351D3152-4B07-403F-AB18-15453C394568}"/>
+          </ac:spMkLst>
+        </pc:spChg>
+        <pc:spChg chg="mod">
+          <ac:chgData name="Fatima Pillosu" userId="a6295d4dc9e22643" providerId="LiveId" clId="{4D741DE7-9BEB-4B85-A3B3-25E7C1189B63}" dt="2022-06-07T10:46:53.874" v="0" actId="165"/>
+          <ac:spMkLst>
+            <pc:docMk/>
+            <pc:sldMk cId="3799277682" sldId="257"/>
+            <ac:spMk id="238" creationId="{E513ECF2-B1B0-4717-88AD-F47013290A09}"/>
+          </ac:spMkLst>
+        </pc:spChg>
+        <pc:spChg chg="mod">
+          <ac:chgData name="Fatima Pillosu" userId="a6295d4dc9e22643" providerId="LiveId" clId="{4D741DE7-9BEB-4B85-A3B3-25E7C1189B63}" dt="2022-06-07T10:46:53.874" v="0" actId="165"/>
+          <ac:spMkLst>
+            <pc:docMk/>
+            <pc:sldMk cId="3799277682" sldId="257"/>
+            <ac:spMk id="239" creationId="{3F1FE446-17CF-46EE-8429-1A5638B6F722}"/>
+          </ac:spMkLst>
+        </pc:spChg>
+        <pc:spChg chg="mod">
+          <ac:chgData name="Fatima Pillosu" userId="a6295d4dc9e22643" providerId="LiveId" clId="{4D741DE7-9BEB-4B85-A3B3-25E7C1189B63}" dt="2022-06-07T10:46:53.874" v="0" actId="165"/>
+          <ac:spMkLst>
+            <pc:docMk/>
+            <pc:sldMk cId="3799277682" sldId="257"/>
+            <ac:spMk id="240" creationId="{566D3A46-294E-4EE1-B817-42801BD3AF22}"/>
+          </ac:spMkLst>
+        </pc:spChg>
+        <pc:spChg chg="mod">
+          <ac:chgData name="Fatima Pillosu" userId="a6295d4dc9e22643" providerId="LiveId" clId="{4D741DE7-9BEB-4B85-A3B3-25E7C1189B63}" dt="2022-06-07T10:46:53.874" v="0" actId="165"/>
+          <ac:spMkLst>
+            <pc:docMk/>
+            <pc:sldMk cId="3799277682" sldId="257"/>
+            <ac:spMk id="241" creationId="{8F63F9D6-66A3-4A36-9C6F-7971C5E18357}"/>
+          </ac:spMkLst>
+        </pc:spChg>
+        <pc:spChg chg="mod">
+          <ac:chgData name="Fatima Pillosu" userId="a6295d4dc9e22643" providerId="LiveId" clId="{4D741DE7-9BEB-4B85-A3B3-25E7C1189B63}" dt="2022-06-07T10:46:53.874" v="0" actId="165"/>
+          <ac:spMkLst>
+            <pc:docMk/>
+            <pc:sldMk cId="3799277682" sldId="257"/>
+            <ac:spMk id="242" creationId="{201251B4-7C06-42E4-A62E-253B03FE3984}"/>
+          </ac:spMkLst>
+        </pc:spChg>
+        <pc:spChg chg="mod">
+          <ac:chgData name="Fatima Pillosu" userId="a6295d4dc9e22643" providerId="LiveId" clId="{4D741DE7-9BEB-4B85-A3B3-25E7C1189B63}" dt="2022-06-07T10:46:53.874" v="0" actId="165"/>
+          <ac:spMkLst>
+            <pc:docMk/>
+            <pc:sldMk cId="3799277682" sldId="257"/>
+            <ac:spMk id="243" creationId="{E802D561-41B4-471D-85A5-933FE50FC47E}"/>
+          </ac:spMkLst>
+        </pc:spChg>
+        <pc:spChg chg="mod">
+          <ac:chgData name="Fatima Pillosu" userId="a6295d4dc9e22643" providerId="LiveId" clId="{4D741DE7-9BEB-4B85-A3B3-25E7C1189B63}" dt="2022-06-07T10:46:53.874" v="0" actId="165"/>
+          <ac:spMkLst>
+            <pc:docMk/>
+            <pc:sldMk cId="3799277682" sldId="257"/>
+            <ac:spMk id="244" creationId="{07C784B3-AB3E-473A-9FB9-E21961807D25}"/>
+          </ac:spMkLst>
+        </pc:spChg>
+        <pc:spChg chg="mod">
+          <ac:chgData name="Fatima Pillosu" userId="a6295d4dc9e22643" providerId="LiveId" clId="{4D741DE7-9BEB-4B85-A3B3-25E7C1189B63}" dt="2022-06-07T10:46:53.874" v="0" actId="165"/>
+          <ac:spMkLst>
+            <pc:docMk/>
+            <pc:sldMk cId="3799277682" sldId="257"/>
+            <ac:spMk id="245" creationId="{824D9C1F-D9EE-4DF1-AF60-10129CC8BAF2}"/>
+          </ac:spMkLst>
+        </pc:spChg>
+        <pc:spChg chg="mod">
+          <ac:chgData name="Fatima Pillosu" userId="a6295d4dc9e22643" providerId="LiveId" clId="{4D741DE7-9BEB-4B85-A3B3-25E7C1189B63}" dt="2022-06-07T10:46:53.874" v="0" actId="165"/>
+          <ac:spMkLst>
+            <pc:docMk/>
+            <pc:sldMk cId="3799277682" sldId="257"/>
+            <ac:spMk id="246" creationId="{E480BB1F-BA13-461B-A8C7-13AFC5B59CD8}"/>
+          </ac:spMkLst>
+        </pc:spChg>
+        <pc:spChg chg="mod">
+          <ac:chgData name="Fatima Pillosu" userId="a6295d4dc9e22643" providerId="LiveId" clId="{4D741DE7-9BEB-4B85-A3B3-25E7C1189B63}" dt="2022-06-07T10:46:53.874" v="0" actId="165"/>
+          <ac:spMkLst>
+            <pc:docMk/>
+            <pc:sldMk cId="3799277682" sldId="257"/>
+            <ac:spMk id="247" creationId="{287DA8F9-ABA4-4286-8036-64D53844F9F3}"/>
+          </ac:spMkLst>
+        </pc:spChg>
+        <pc:spChg chg="mod">
+          <ac:chgData name="Fatima Pillosu" userId="a6295d4dc9e22643" providerId="LiveId" clId="{4D741DE7-9BEB-4B85-A3B3-25E7C1189B63}" dt="2022-06-07T10:46:53.874" v="0" actId="165"/>
+          <ac:spMkLst>
+            <pc:docMk/>
+            <pc:sldMk cId="3799277682" sldId="257"/>
+            <ac:spMk id="248" creationId="{0D48C767-FDAF-467B-8268-F4A8966041C4}"/>
+          </ac:spMkLst>
+        </pc:spChg>
+        <pc:spChg chg="mod">
+          <ac:chgData name="Fatima Pillosu" userId="a6295d4dc9e22643" providerId="LiveId" clId="{4D741DE7-9BEB-4B85-A3B3-25E7C1189B63}" dt="2022-06-07T10:46:53.874" v="0" actId="165"/>
+          <ac:spMkLst>
+            <pc:docMk/>
+            <pc:sldMk cId="3799277682" sldId="257"/>
+            <ac:spMk id="249" creationId="{882D3E31-1579-48DB-9AC8-1C207822207C}"/>
+          </ac:spMkLst>
+        </pc:spChg>
+        <pc:spChg chg="mod">
+          <ac:chgData name="Fatima Pillosu" userId="a6295d4dc9e22643" providerId="LiveId" clId="{4D741DE7-9BEB-4B85-A3B3-25E7C1189B63}" dt="2022-06-07T10:46:53.874" v="0" actId="165"/>
+          <ac:spMkLst>
+            <pc:docMk/>
+            <pc:sldMk cId="3799277682" sldId="257"/>
+            <ac:spMk id="250" creationId="{AA53A63A-4527-4F93-835F-59103D082DD9}"/>
+          </ac:spMkLst>
+        </pc:spChg>
+        <pc:spChg chg="mod">
+          <ac:chgData name="Fatima Pillosu" userId="a6295d4dc9e22643" providerId="LiveId" clId="{4D741DE7-9BEB-4B85-A3B3-25E7C1189B63}" dt="2022-06-07T10:46:53.874" v="0" actId="165"/>
+          <ac:spMkLst>
+            <pc:docMk/>
+            <pc:sldMk cId="3799277682" sldId="257"/>
+            <ac:spMk id="251" creationId="{3E3616AF-3D42-45D3-9FF5-566A874A0276}"/>
+          </ac:spMkLst>
+        </pc:spChg>
+        <pc:spChg chg="mod">
+          <ac:chgData name="Fatima Pillosu" userId="a6295d4dc9e22643" providerId="LiveId" clId="{4D741DE7-9BEB-4B85-A3B3-25E7C1189B63}" dt="2022-06-07T10:46:53.874" v="0" actId="165"/>
+          <ac:spMkLst>
+            <pc:docMk/>
+            <pc:sldMk cId="3799277682" sldId="257"/>
+            <ac:spMk id="252" creationId="{51DAC668-8AB1-4901-A419-D6ACE3879328}"/>
+          </ac:spMkLst>
+        </pc:spChg>
+        <pc:spChg chg="mod">
+          <ac:chgData name="Fatima Pillosu" userId="a6295d4dc9e22643" providerId="LiveId" clId="{4D741DE7-9BEB-4B85-A3B3-25E7C1189B63}" dt="2022-06-07T10:47:28.268" v="4" actId="255"/>
+          <ac:spMkLst>
+            <pc:docMk/>
+            <pc:sldMk cId="3799277682" sldId="257"/>
+            <ac:spMk id="263" creationId="{493B59B2-74D3-4983-B76D-83766755FB45}"/>
+          </ac:spMkLst>
+        </pc:spChg>
+        <pc:spChg chg="mod">
+          <ac:chgData name="Fatima Pillosu" userId="a6295d4dc9e22643" providerId="LiveId" clId="{4D741DE7-9BEB-4B85-A3B3-25E7C1189B63}" dt="2022-06-07T10:47:28.268" v="4" actId="255"/>
+          <ac:spMkLst>
+            <pc:docMk/>
+            <pc:sldMk cId="3799277682" sldId="257"/>
+            <ac:spMk id="264" creationId="{2AA2DE8F-4B17-4C50-AD57-3C1A3825150C}"/>
+          </ac:spMkLst>
+        </pc:spChg>
+        <pc:grpChg chg="del">
+          <ac:chgData name="Fatima Pillosu" userId="a6295d4dc9e22643" providerId="LiveId" clId="{4D741DE7-9BEB-4B85-A3B3-25E7C1189B63}" dt="2022-06-07T10:46:53.874" v="0" actId="165"/>
+          <ac:grpSpMkLst>
+            <pc:docMk/>
+            <pc:sldMk cId="3799277682" sldId="257"/>
+            <ac:grpSpMk id="194" creationId="{A391E7FA-8E14-461A-B0D7-1737D535B1C5}"/>
+          </ac:grpSpMkLst>
+        </pc:grpChg>
+        <pc:grpChg chg="mod topLvl">
+          <ac:chgData name="Fatima Pillosu" userId="a6295d4dc9e22643" providerId="LiveId" clId="{4D741DE7-9BEB-4B85-A3B3-25E7C1189B63}" dt="2022-06-07T10:46:53.874" v="0" actId="165"/>
+          <ac:grpSpMkLst>
+            <pc:docMk/>
+            <pc:sldMk cId="3799277682" sldId="257"/>
+            <ac:grpSpMk id="195" creationId="{38C30CC2-162F-43F1-AAE7-B0E722025136}"/>
+          </ac:grpSpMkLst>
+        </pc:grpChg>
+        <pc:picChg chg="mod topLvl">
+          <ac:chgData name="Fatima Pillosu" userId="a6295d4dc9e22643" providerId="LiveId" clId="{4D741DE7-9BEB-4B85-A3B3-25E7C1189B63}" dt="2022-06-07T10:46:53.874" v="0" actId="165"/>
+          <ac:picMkLst>
+            <pc:docMk/>
+            <pc:sldMk cId="3799277682" sldId="257"/>
+            <ac:picMk id="196" creationId="{B58C8CEE-863D-4AF5-944A-06815392DD64}"/>
+          </ac:picMkLst>
+        </pc:picChg>
+      </pc:sldChg>
+    </pc:docChg>
+  </pc:docChgLst>
+  <pc:docChgLst>
+    <pc:chgData name="Fatima Pillosu" userId="a6295d4dc9e22643" providerId="LiveId" clId="{AA98DFCE-B573-4601-AB1B-5C205E64C24A}"/>
+    <pc:docChg chg="undo custSel modSld">
+      <pc:chgData name="Fatima Pillosu" userId="a6295d4dc9e22643" providerId="LiveId" clId="{AA98DFCE-B573-4601-AB1B-5C205E64C24A}" dt="2023-10-09T21:56:38.414" v="57" actId="207"/>
+      <pc:docMkLst>
+        <pc:docMk/>
+      </pc:docMkLst>
+      <pc:sldChg chg="addSp delSp modSp mod">
+        <pc:chgData name="Fatima Pillosu" userId="a6295d4dc9e22643" providerId="LiveId" clId="{AA98DFCE-B573-4601-AB1B-5C205E64C24A}" dt="2023-10-09T21:56:38.414" v="57" actId="207"/>
+        <pc:sldMkLst>
+          <pc:docMk/>
+          <pc:sldMk cId="3799277682" sldId="257"/>
+        </pc:sldMkLst>
+        <pc:spChg chg="mod">
+          <ac:chgData name="Fatima Pillosu" userId="a6295d4dc9e22643" providerId="LiveId" clId="{AA98DFCE-B573-4601-AB1B-5C205E64C24A}" dt="2023-10-09T21:56:11.835" v="54" actId="207"/>
+          <ac:spMkLst>
+            <pc:docMk/>
+            <pc:sldMk cId="3799277682" sldId="257"/>
+            <ac:spMk id="6" creationId="{FC701F35-0E07-5054-A482-FEB5F939FF49}"/>
+          </ac:spMkLst>
+        </pc:spChg>
+        <pc:spChg chg="mod">
+          <ac:chgData name="Fatima Pillosu" userId="a6295d4dc9e22643" providerId="LiveId" clId="{AA98DFCE-B573-4601-AB1B-5C205E64C24A}" dt="2023-10-09T21:56:11.835" v="54" actId="207"/>
+          <ac:spMkLst>
+            <pc:docMk/>
+            <pc:sldMk cId="3799277682" sldId="257"/>
+            <ac:spMk id="7" creationId="{833C63C8-8765-EE7C-09F6-E7C73FCB2F17}"/>
+          </ac:spMkLst>
+        </pc:spChg>
+        <pc:spChg chg="mod">
+          <ac:chgData name="Fatima Pillosu" userId="a6295d4dc9e22643" providerId="LiveId" clId="{AA98DFCE-B573-4601-AB1B-5C205E64C24A}" dt="2023-10-09T21:56:11.835" v="54" actId="207"/>
+          <ac:spMkLst>
+            <pc:docMk/>
+            <pc:sldMk cId="3799277682" sldId="257"/>
+            <ac:spMk id="8" creationId="{05643786-32EF-BC6F-53BE-957BA25DB8DD}"/>
+          </ac:spMkLst>
+        </pc:spChg>
+        <pc:spChg chg="mod">
+          <ac:chgData name="Fatima Pillosu" userId="a6295d4dc9e22643" providerId="LiveId" clId="{AA98DFCE-B573-4601-AB1B-5C205E64C24A}" dt="2023-10-09T21:56:11.835" v="54" actId="207"/>
+          <ac:spMkLst>
+            <pc:docMk/>
+            <pc:sldMk cId="3799277682" sldId="257"/>
+            <ac:spMk id="9" creationId="{11B83625-B90D-11E3-0131-C0D8F80A1063}"/>
+          </ac:spMkLst>
+        </pc:spChg>
+        <pc:spChg chg="mod">
+          <ac:chgData name="Fatima Pillosu" userId="a6295d4dc9e22643" providerId="LiveId" clId="{AA98DFCE-B573-4601-AB1B-5C205E64C24A}" dt="2023-10-09T21:55:45.911" v="52" actId="207"/>
+          <ac:spMkLst>
+            <pc:docMk/>
+            <pc:sldMk cId="3799277682" sldId="257"/>
+            <ac:spMk id="123" creationId="{426BFC6E-DDAD-49FA-BAC5-DC025B73D381}"/>
+          </ac:spMkLst>
+        </pc:spChg>
+        <pc:spChg chg="mod">
+          <ac:chgData name="Fatima Pillosu" userId="a6295d4dc9e22643" providerId="LiveId" clId="{AA98DFCE-B573-4601-AB1B-5C205E64C24A}" dt="2023-10-09T21:55:45.911" v="52" actId="207"/>
+          <ac:spMkLst>
+            <pc:docMk/>
+            <pc:sldMk cId="3799277682" sldId="257"/>
+            <ac:spMk id="124" creationId="{4DCDFCD6-BBA2-41AE-B0D4-2EB713D40613}"/>
+          </ac:spMkLst>
+        </pc:spChg>
+        <pc:spChg chg="mod">
+          <ac:chgData name="Fatima Pillosu" userId="a6295d4dc9e22643" providerId="LiveId" clId="{AA98DFCE-B573-4601-AB1B-5C205E64C24A}" dt="2023-10-09T21:55:45.911" v="52" actId="207"/>
+          <ac:spMkLst>
+            <pc:docMk/>
+            <pc:sldMk cId="3799277682" sldId="257"/>
+            <ac:spMk id="125" creationId="{478FB2D5-5A72-4A37-AC6B-536A3E169F4D}"/>
+          </ac:spMkLst>
+        </pc:spChg>
+        <pc:spChg chg="mod">
+          <ac:chgData name="Fatima Pillosu" userId="a6295d4dc9e22643" providerId="LiveId" clId="{AA98DFCE-B573-4601-AB1B-5C205E64C24A}" dt="2023-10-09T21:55:45.911" v="52" actId="207"/>
+          <ac:spMkLst>
+            <pc:docMk/>
+            <pc:sldMk cId="3799277682" sldId="257"/>
+            <ac:spMk id="135" creationId="{BEC35972-904F-406F-A418-D92DAC9650F7}"/>
+          </ac:spMkLst>
+        </pc:spChg>
+        <pc:spChg chg="mod">
+          <ac:chgData name="Fatima Pillosu" userId="a6295d4dc9e22643" providerId="LiveId" clId="{AA98DFCE-B573-4601-AB1B-5C205E64C24A}" dt="2023-10-09T21:55:45.911" v="52" actId="207"/>
+          <ac:spMkLst>
+            <pc:docMk/>
+            <pc:sldMk cId="3799277682" sldId="257"/>
+            <ac:spMk id="136" creationId="{0955BAC4-BE92-402B-A058-F42BFC889EDF}"/>
+          </ac:spMkLst>
+        </pc:spChg>
+        <pc:spChg chg="mod">
+          <ac:chgData name="Fatima Pillosu" userId="a6295d4dc9e22643" providerId="LiveId" clId="{AA98DFCE-B573-4601-AB1B-5C205E64C24A}" dt="2023-10-09T21:55:45.911" v="52" actId="207"/>
+          <ac:spMkLst>
+            <pc:docMk/>
+            <pc:sldMk cId="3799277682" sldId="257"/>
+            <ac:spMk id="137" creationId="{EEEFA17F-8A01-42D1-8694-F30DD5622824}"/>
+          </ac:spMkLst>
+        </pc:spChg>
+        <pc:spChg chg="mod">
+          <ac:chgData name="Fatima Pillosu" userId="a6295d4dc9e22643" providerId="LiveId" clId="{AA98DFCE-B573-4601-AB1B-5C205E64C24A}" dt="2023-10-09T21:55:45.911" v="52" actId="207"/>
+          <ac:spMkLst>
+            <pc:docMk/>
+            <pc:sldMk cId="3799277682" sldId="257"/>
+            <ac:spMk id="141" creationId="{BA3D31B5-59E7-4423-8BB2-DBA879FE99B5}"/>
+          </ac:spMkLst>
+        </pc:spChg>
+        <pc:spChg chg="mod">
+          <ac:chgData name="Fatima Pillosu" userId="a6295d4dc9e22643" providerId="LiveId" clId="{AA98DFCE-B573-4601-AB1B-5C205E64C24A}" dt="2023-10-09T21:55:45.911" v="52" actId="207"/>
+          <ac:spMkLst>
+            <pc:docMk/>
+            <pc:sldMk cId="3799277682" sldId="257"/>
+            <ac:spMk id="142" creationId="{E482A09B-07B6-4D24-8E5F-0A096C52AE6B}"/>
+          </ac:spMkLst>
+        </pc:spChg>
+        <pc:spChg chg="mod">
+          <ac:chgData name="Fatima Pillosu" userId="a6295d4dc9e22643" providerId="LiveId" clId="{AA98DFCE-B573-4601-AB1B-5C205E64C24A}" dt="2023-10-09T21:55:45.911" v="52" actId="207"/>
+          <ac:spMkLst>
+            <pc:docMk/>
+            <pc:sldMk cId="3799277682" sldId="257"/>
+            <ac:spMk id="143" creationId="{8A3342A9-CF7B-4C13-8996-8E5317F1E576}"/>
+          </ac:spMkLst>
+        </pc:spChg>
+        <pc:spChg chg="mod">
+          <ac:chgData name="Fatima Pillosu" userId="a6295d4dc9e22643" providerId="LiveId" clId="{AA98DFCE-B573-4601-AB1B-5C205E64C24A}" dt="2023-10-09T21:55:56.127" v="53" actId="207"/>
+          <ac:spMkLst>
+            <pc:docMk/>
+            <pc:sldMk cId="3799277682" sldId="257"/>
+            <ac:spMk id="144" creationId="{DD10DD1D-5BA4-4B3C-B41F-9181B59B1371}"/>
+          </ac:spMkLst>
+        </pc:spChg>
+        <pc:spChg chg="mod">
+          <ac:chgData name="Fatima Pillosu" userId="a6295d4dc9e22643" providerId="LiveId" clId="{AA98DFCE-B573-4601-AB1B-5C205E64C24A}" dt="2023-10-09T21:55:45.911" v="52" actId="207"/>
+          <ac:spMkLst>
+            <pc:docMk/>
+            <pc:sldMk cId="3799277682" sldId="257"/>
+            <ac:spMk id="148" creationId="{AEE082C9-11CD-418E-81AD-714E13803A56}"/>
+          </ac:spMkLst>
+        </pc:spChg>
+        <pc:spChg chg="mod">
+          <ac:chgData name="Fatima Pillosu" userId="a6295d4dc9e22643" providerId="LiveId" clId="{AA98DFCE-B573-4601-AB1B-5C205E64C24A}" dt="2023-10-09T21:55:45.911" v="52" actId="207"/>
+          <ac:spMkLst>
+            <pc:docMk/>
+            <pc:sldMk cId="3799277682" sldId="257"/>
+            <ac:spMk id="151" creationId="{C8FBA0D3-5872-4C25-9CCF-95D19F90254B}"/>
+          </ac:spMkLst>
+        </pc:spChg>
+        <pc:spChg chg="mod">
+          <ac:chgData name="Fatima Pillosu" userId="a6295d4dc9e22643" providerId="LiveId" clId="{AA98DFCE-B573-4601-AB1B-5C205E64C24A}" dt="2023-10-09T21:55:45.911" v="52" actId="207"/>
+          <ac:spMkLst>
+            <pc:docMk/>
+            <pc:sldMk cId="3799277682" sldId="257"/>
+            <ac:spMk id="152" creationId="{577F637C-7E2C-4B91-87CA-C108BF8049DE}"/>
+          </ac:spMkLst>
+        </pc:spChg>
+        <pc:spChg chg="mod">
+          <ac:chgData name="Fatima Pillosu" userId="a6295d4dc9e22643" providerId="LiveId" clId="{AA98DFCE-B573-4601-AB1B-5C205E64C24A}" dt="2023-10-09T21:55:22.722" v="51" actId="207"/>
+          <ac:spMkLst>
+            <pc:docMk/>
+            <pc:sldMk cId="3799277682" sldId="257"/>
+            <ac:spMk id="153" creationId="{76C07E27-ECDB-4919-963C-51E9C4DB17D5}"/>
+          </ac:spMkLst>
+        </pc:spChg>
+        <pc:spChg chg="mod">
+          <ac:chgData name="Fatima Pillosu" userId="a6295d4dc9e22643" providerId="LiveId" clId="{AA98DFCE-B573-4601-AB1B-5C205E64C24A}" dt="2023-10-09T21:55:45.911" v="52" actId="207"/>
+          <ac:spMkLst>
+            <pc:docMk/>
+            <pc:sldMk cId="3799277682" sldId="257"/>
+            <ac:spMk id="154" creationId="{37498BA5-6022-434D-8406-21CACEF54F09}"/>
+          </ac:spMkLst>
+        </pc:spChg>
+        <pc:spChg chg="mod">
+          <ac:chgData name="Fatima Pillosu" userId="a6295d4dc9e22643" providerId="LiveId" clId="{AA98DFCE-B573-4601-AB1B-5C205E64C24A}" dt="2023-10-09T21:55:45.911" v="52" actId="207"/>
+          <ac:spMkLst>
+            <pc:docMk/>
+            <pc:sldMk cId="3799277682" sldId="257"/>
+            <ac:spMk id="157" creationId="{7E4FBE4B-09A2-4BBF-8B24-281BA0DC7233}"/>
+          </ac:spMkLst>
+        </pc:spChg>
+        <pc:spChg chg="mod">
+          <ac:chgData name="Fatima Pillosu" userId="a6295d4dc9e22643" providerId="LiveId" clId="{AA98DFCE-B573-4601-AB1B-5C205E64C24A}" dt="2023-10-09T21:55:45.911" v="52" actId="207"/>
+          <ac:spMkLst>
+            <pc:docMk/>
+            <pc:sldMk cId="3799277682" sldId="257"/>
+            <ac:spMk id="166" creationId="{2958DB38-57B3-4227-A90A-EE14EF2ADE67}"/>
+          </ac:spMkLst>
+        </pc:spChg>
+        <pc:spChg chg="mod">
+          <ac:chgData name="Fatima Pillosu" userId="a6295d4dc9e22643" providerId="LiveId" clId="{AA98DFCE-B573-4601-AB1B-5C205E64C24A}" dt="2023-10-09T21:55:45.911" v="52" actId="207"/>
+          <ac:spMkLst>
+            <pc:docMk/>
+            <pc:sldMk cId="3799277682" sldId="257"/>
+            <ac:spMk id="167" creationId="{CD8260F6-D26F-4416-BBD6-CFC003E617DB}"/>
+          </ac:spMkLst>
+        </pc:spChg>
+        <pc:spChg chg="mod">
+          <ac:chgData name="Fatima Pillosu" userId="a6295d4dc9e22643" providerId="LiveId" clId="{AA98DFCE-B573-4601-AB1B-5C205E64C24A}" dt="2023-10-09T21:55:45.911" v="52" actId="207"/>
+          <ac:spMkLst>
+            <pc:docMk/>
+            <pc:sldMk cId="3799277682" sldId="257"/>
+            <ac:spMk id="168" creationId="{7FF735DC-47BD-4F5F-B0E2-E3B564692AB0}"/>
+          </ac:spMkLst>
+        </pc:spChg>
+        <pc:spChg chg="mod">
+          <ac:chgData name="Fatima Pillosu" userId="a6295d4dc9e22643" providerId="LiveId" clId="{AA98DFCE-B573-4601-AB1B-5C205E64C24A}" dt="2023-10-09T21:55:45.911" v="52" actId="207"/>
+          <ac:spMkLst>
+            <pc:docMk/>
+            <pc:sldMk cId="3799277682" sldId="257"/>
+            <ac:spMk id="170" creationId="{6BEF6AE9-DBEA-47A7-B50C-A6DA83028261}"/>
+          </ac:spMkLst>
+        </pc:spChg>
+        <pc:spChg chg="mod">
+          <ac:chgData name="Fatima Pillosu" userId="a6295d4dc9e22643" providerId="LiveId" clId="{AA98DFCE-B573-4601-AB1B-5C205E64C24A}" dt="2023-10-09T21:55:45.911" v="52" actId="207"/>
+          <ac:spMkLst>
+            <pc:docMk/>
+            <pc:sldMk cId="3799277682" sldId="257"/>
+            <ac:spMk id="171" creationId="{F066F9C5-949C-4C59-9FD4-E154F3FB0EC6}"/>
+          </ac:spMkLst>
+        </pc:spChg>
+        <pc:spChg chg="mod">
+          <ac:chgData name="Fatima Pillosu" userId="a6295d4dc9e22643" providerId="LiveId" clId="{AA98DFCE-B573-4601-AB1B-5C205E64C24A}" dt="2023-10-09T21:55:45.911" v="52" actId="207"/>
+          <ac:spMkLst>
+            <pc:docMk/>
+            <pc:sldMk cId="3799277682" sldId="257"/>
+            <ac:spMk id="172" creationId="{44FB4CC7-55C4-476D-8358-D4397AAE1F07}"/>
+          </ac:spMkLst>
+        </pc:spChg>
+        <pc:spChg chg="mod">
+          <ac:chgData name="Fatima Pillosu" userId="a6295d4dc9e22643" providerId="LiveId" clId="{AA98DFCE-B573-4601-AB1B-5C205E64C24A}" dt="2023-10-09T21:55:45.911" v="52" actId="207"/>
+          <ac:spMkLst>
+            <pc:docMk/>
+            <pc:sldMk cId="3799277682" sldId="257"/>
+            <ac:spMk id="173" creationId="{B49CBB0E-5E58-423E-8FCE-DEFDCECF00F8}"/>
+          </ac:spMkLst>
+        </pc:spChg>
+        <pc:spChg chg="mod">
+          <ac:chgData name="Fatima Pillosu" userId="a6295d4dc9e22643" providerId="LiveId" clId="{AA98DFCE-B573-4601-AB1B-5C205E64C24A}" dt="2023-10-09T21:55:22.722" v="51" actId="207"/>
+          <ac:spMkLst>
+            <pc:docMk/>
+            <pc:sldMk cId="3799277682" sldId="257"/>
+            <ac:spMk id="175" creationId="{F60A8F43-4B5B-45C6-A56A-0633999D074B}"/>
+          </ac:spMkLst>
+        </pc:spChg>
+        <pc:spChg chg="mod">
+          <ac:chgData name="Fatima Pillosu" userId="a6295d4dc9e22643" providerId="LiveId" clId="{AA98DFCE-B573-4601-AB1B-5C205E64C24A}" dt="2023-10-09T21:55:45.911" v="52" actId="207"/>
+          <ac:spMkLst>
+            <pc:docMk/>
+            <pc:sldMk cId="3799277682" sldId="257"/>
+            <ac:spMk id="176" creationId="{1EB54EC2-4B3B-46C5-B847-C3D1201282A9}"/>
+          </ac:spMkLst>
+        </pc:spChg>
+        <pc:spChg chg="mod">
+          <ac:chgData name="Fatima Pillosu" userId="a6295d4dc9e22643" providerId="LiveId" clId="{AA98DFCE-B573-4601-AB1B-5C205E64C24A}" dt="2023-10-09T21:55:45.911" v="52" actId="207"/>
+          <ac:spMkLst>
+            <pc:docMk/>
+            <pc:sldMk cId="3799277682" sldId="257"/>
+            <ac:spMk id="177" creationId="{19BD87EB-F0B0-4FF1-8ABC-BA3BC02FA00F}"/>
+          </ac:spMkLst>
+        </pc:spChg>
+        <pc:spChg chg="mod">
+          <ac:chgData name="Fatima Pillosu" userId="a6295d4dc9e22643" providerId="LiveId" clId="{AA98DFCE-B573-4601-AB1B-5C205E64C24A}" dt="2023-10-09T21:55:45.911" v="52" actId="207"/>
+          <ac:spMkLst>
+            <pc:docMk/>
+            <pc:sldMk cId="3799277682" sldId="257"/>
+            <ac:spMk id="178" creationId="{FB5DFF56-3315-4C3F-B11D-33386ACCF960}"/>
+          </ac:spMkLst>
+        </pc:spChg>
+        <pc:spChg chg="mod">
+          <ac:chgData name="Fatima Pillosu" userId="a6295d4dc9e22643" providerId="LiveId" clId="{AA98DFCE-B573-4601-AB1B-5C205E64C24A}" dt="2023-10-09T21:55:45.911" v="52" actId="207"/>
+          <ac:spMkLst>
+            <pc:docMk/>
+            <pc:sldMk cId="3799277682" sldId="257"/>
+            <ac:spMk id="179" creationId="{5EEFE312-DB28-4E38-A170-FAE5124915E1}"/>
+          </ac:spMkLst>
+        </pc:spChg>
+        <pc:spChg chg="mod">
+          <ac:chgData name="Fatima Pillosu" userId="a6295d4dc9e22643" providerId="LiveId" clId="{AA98DFCE-B573-4601-AB1B-5C205E64C24A}" dt="2023-10-09T21:55:45.911" v="52" actId="207"/>
+          <ac:spMkLst>
+            <pc:docMk/>
+            <pc:sldMk cId="3799277682" sldId="257"/>
+            <ac:spMk id="181" creationId="{C3E59C66-D987-48DF-A55E-BE82F1342060}"/>
+          </ac:spMkLst>
+        </pc:spChg>
+        <pc:spChg chg="mod">
+          <ac:chgData name="Fatima Pillosu" userId="a6295d4dc9e22643" providerId="LiveId" clId="{AA98DFCE-B573-4601-AB1B-5C205E64C24A}" dt="2023-10-09T21:55:45.911" v="52" actId="207"/>
+          <ac:spMkLst>
+            <pc:docMk/>
+            <pc:sldMk cId="3799277682" sldId="257"/>
+            <ac:spMk id="182" creationId="{E3912AA6-EF7D-4CBC-A894-853A6A090EDE}"/>
+          </ac:spMkLst>
+        </pc:spChg>
+        <pc:spChg chg="mod">
+          <ac:chgData name="Fatima Pillosu" userId="a6295d4dc9e22643" providerId="LiveId" clId="{AA98DFCE-B573-4601-AB1B-5C205E64C24A}" dt="2023-10-09T21:55:45.911" v="52" actId="207"/>
+          <ac:spMkLst>
+            <pc:docMk/>
+            <pc:sldMk cId="3799277682" sldId="257"/>
+            <ac:spMk id="183" creationId="{B1DAEFDC-C533-4187-ABEE-4B6A64FEBAA1}"/>
+          </ac:spMkLst>
+        </pc:spChg>
+        <pc:spChg chg="mod">
+          <ac:chgData name="Fatima Pillosu" userId="a6295d4dc9e22643" providerId="LiveId" clId="{AA98DFCE-B573-4601-AB1B-5C205E64C24A}" dt="2023-10-09T21:55:45.911" v="52" actId="207"/>
+          <ac:spMkLst>
+            <pc:docMk/>
+            <pc:sldMk cId="3799277682" sldId="257"/>
+            <ac:spMk id="184" creationId="{E90B6B83-A9D3-4ED2-B9CE-7A7845A6EEEC}"/>
+          </ac:spMkLst>
+        </pc:spChg>
+        <pc:spChg chg="mod">
+          <ac:chgData name="Fatima Pillosu" userId="a6295d4dc9e22643" providerId="LiveId" clId="{AA98DFCE-B573-4601-AB1B-5C205E64C24A}" dt="2023-10-09T21:55:45.911" v="52" actId="207"/>
+          <ac:spMkLst>
+            <pc:docMk/>
+            <pc:sldMk cId="3799277682" sldId="257"/>
+            <ac:spMk id="185" creationId="{2AF8392E-ED6D-4A77-8001-895C01343EE9}"/>
+          </ac:spMkLst>
+        </pc:spChg>
+        <pc:spChg chg="mod">
+          <ac:chgData name="Fatima Pillosu" userId="a6295d4dc9e22643" providerId="LiveId" clId="{AA98DFCE-B573-4601-AB1B-5C205E64C24A}" dt="2023-10-09T21:55:45.911" v="52" actId="207"/>
+          <ac:spMkLst>
+            <pc:docMk/>
+            <pc:sldMk cId="3799277682" sldId="257"/>
+            <ac:spMk id="186" creationId="{13E7681C-E9F8-4AAC-83BB-A1EB0572EE63}"/>
+          </ac:spMkLst>
+        </pc:spChg>
+        <pc:spChg chg="mod">
+          <ac:chgData name="Fatima Pillosu" userId="a6295d4dc9e22643" providerId="LiveId" clId="{AA98DFCE-B573-4601-AB1B-5C205E64C24A}" dt="2023-10-09T21:55:45.911" v="52" actId="207"/>
+          <ac:spMkLst>
+            <pc:docMk/>
+            <pc:sldMk cId="3799277682" sldId="257"/>
+            <ac:spMk id="187" creationId="{6E3D0BC5-E765-430B-A502-B2365DF8A4E0}"/>
+          </ac:spMkLst>
+        </pc:spChg>
+        <pc:spChg chg="mod">
+          <ac:chgData name="Fatima Pillosu" userId="a6295d4dc9e22643" providerId="LiveId" clId="{AA98DFCE-B573-4601-AB1B-5C205E64C24A}" dt="2023-10-09T21:55:45.911" v="52" actId="207"/>
+          <ac:spMkLst>
+            <pc:docMk/>
+            <pc:sldMk cId="3799277682" sldId="257"/>
+            <ac:spMk id="188" creationId="{3E9BE7C6-5473-49CC-9048-2D2DB234AC87}"/>
+          </ac:spMkLst>
+        </pc:spChg>
+        <pc:spChg chg="mod">
+          <ac:chgData name="Fatima Pillosu" userId="a6295d4dc9e22643" providerId="LiveId" clId="{AA98DFCE-B573-4601-AB1B-5C205E64C24A}" dt="2023-10-09T21:55:45.911" v="52" actId="207"/>
+          <ac:spMkLst>
+            <pc:docMk/>
+            <pc:sldMk cId="3799277682" sldId="257"/>
+            <ac:spMk id="189" creationId="{8E8477A5-BA87-4CEB-83CE-4A74A50E88C2}"/>
+          </ac:spMkLst>
+        </pc:spChg>
+        <pc:spChg chg="mod">
+          <ac:chgData name="Fatima Pillosu" userId="a6295d4dc9e22643" providerId="LiveId" clId="{AA98DFCE-B573-4601-AB1B-5C205E64C24A}" dt="2023-10-09T21:55:45.911" v="52" actId="207"/>
+          <ac:spMkLst>
+            <pc:docMk/>
+            <pc:sldMk cId="3799277682" sldId="257"/>
+            <ac:spMk id="190" creationId="{F35887EC-4A78-41C2-8C49-EF677ABDF49B}"/>
+          </ac:spMkLst>
+        </pc:spChg>
+        <pc:spChg chg="mod">
+          <ac:chgData name="Fatima Pillosu" userId="a6295d4dc9e22643" providerId="LiveId" clId="{AA98DFCE-B573-4601-AB1B-5C205E64C24A}" dt="2023-10-09T21:55:45.911" v="52" actId="207"/>
+          <ac:spMkLst>
+            <pc:docMk/>
+            <pc:sldMk cId="3799277682" sldId="257"/>
+            <ac:spMk id="191" creationId="{EDE33489-B073-487B-A40F-BBCA43A79BD3}"/>
+          </ac:spMkLst>
+        </pc:spChg>
+        <pc:spChg chg="mod">
+          <ac:chgData name="Fatima Pillosu" userId="a6295d4dc9e22643" providerId="LiveId" clId="{AA98DFCE-B573-4601-AB1B-5C205E64C24A}" dt="2023-10-09T21:55:45.911" v="52" actId="207"/>
+          <ac:spMkLst>
+            <pc:docMk/>
+            <pc:sldMk cId="3799277682" sldId="257"/>
+            <ac:spMk id="192" creationId="{084E9D29-4910-4C3D-8D16-CEC93593751F}"/>
+          </ac:spMkLst>
+        </pc:spChg>
+        <pc:spChg chg="mod">
+          <ac:chgData name="Fatima Pillosu" userId="a6295d4dc9e22643" providerId="LiveId" clId="{AA98DFCE-B573-4601-AB1B-5C205E64C24A}" dt="2023-10-09T21:55:45.911" v="52" actId="207"/>
+          <ac:spMkLst>
+            <pc:docMk/>
+            <pc:sldMk cId="3799277682" sldId="257"/>
+            <ac:spMk id="193" creationId="{08EAD580-599D-4223-A4B9-A1A7F9EE5329}"/>
+          </ac:spMkLst>
+        </pc:spChg>
+        <pc:spChg chg="mod">
+          <ac:chgData name="Fatima Pillosu" userId="a6295d4dc9e22643" providerId="LiveId" clId="{AA98DFCE-B573-4601-AB1B-5C205E64C24A}" dt="2023-10-09T21:56:11.835" v="54" actId="207"/>
+          <ac:spMkLst>
+            <pc:docMk/>
+            <pc:sldMk cId="3799277682" sldId="257"/>
+            <ac:spMk id="197" creationId="{A122E27E-B89D-4646-A9C8-604EA8A20BBC}"/>
+          </ac:spMkLst>
+        </pc:spChg>
+        <pc:spChg chg="mod">
+          <ac:chgData name="Fatima Pillosu" userId="a6295d4dc9e22643" providerId="LiveId" clId="{AA98DFCE-B573-4601-AB1B-5C205E64C24A}" dt="2023-10-09T21:56:11.835" v="54" actId="207"/>
+          <ac:spMkLst>
+            <pc:docMk/>
+            <pc:sldMk cId="3799277682" sldId="257"/>
+            <ac:spMk id="198" creationId="{379409AB-DFC5-4F74-8EFF-327F74CCD4E6}"/>
+          </ac:spMkLst>
+        </pc:spChg>
+        <pc:spChg chg="mod">
+          <ac:chgData name="Fatima Pillosu" userId="a6295d4dc9e22643" providerId="LiveId" clId="{AA98DFCE-B573-4601-AB1B-5C205E64C24A}" dt="2023-10-09T21:56:11.835" v="54" actId="207"/>
+          <ac:spMkLst>
+            <pc:docMk/>
+            <pc:sldMk cId="3799277682" sldId="257"/>
+            <ac:spMk id="199" creationId="{C4C3754B-DDFD-4ADE-A96A-E912CB88EBE3}"/>
+          </ac:spMkLst>
+        </pc:spChg>
+        <pc:spChg chg="mod">
+          <ac:chgData name="Fatima Pillosu" userId="a6295d4dc9e22643" providerId="LiveId" clId="{AA98DFCE-B573-4601-AB1B-5C205E64C24A}" dt="2023-10-09T21:56:11.835" v="54" actId="207"/>
+          <ac:spMkLst>
+            <pc:docMk/>
+            <pc:sldMk cId="3799277682" sldId="257"/>
+            <ac:spMk id="200" creationId="{F889760E-5B5A-4525-8C2F-6846026E1D19}"/>
+          </ac:spMkLst>
+        </pc:spChg>
+        <pc:spChg chg="mod">
+          <ac:chgData name="Fatima Pillosu" userId="a6295d4dc9e22643" providerId="LiveId" clId="{AA98DFCE-B573-4601-AB1B-5C205E64C24A}" dt="2023-10-09T21:56:38.414" v="57" actId="207"/>
+          <ac:spMkLst>
+            <pc:docMk/>
+            <pc:sldMk cId="3799277682" sldId="257"/>
+            <ac:spMk id="201" creationId="{AE5AB460-0903-4B8B-87FA-7CE6510E3056}"/>
+          </ac:spMkLst>
+        </pc:spChg>
+        <pc:spChg chg="mod">
+          <ac:chgData name="Fatima Pillosu" userId="a6295d4dc9e22643" providerId="LiveId" clId="{AA98DFCE-B573-4601-AB1B-5C205E64C24A}" dt="2023-10-09T21:56:11.835" v="54" actId="207"/>
+          <ac:spMkLst>
+            <pc:docMk/>
+            <pc:sldMk cId="3799277682" sldId="257"/>
+            <ac:spMk id="202" creationId="{11B187C6-3A57-4F86-ABB6-ADF882708D3A}"/>
+          </ac:spMkLst>
+        </pc:spChg>
+        <pc:spChg chg="mod">
+          <ac:chgData name="Fatima Pillosu" userId="a6295d4dc9e22643" providerId="LiveId" clId="{AA98DFCE-B573-4601-AB1B-5C205E64C24A}" dt="2023-10-09T21:56:11.835" v="54" actId="207"/>
+          <ac:spMkLst>
+            <pc:docMk/>
+            <pc:sldMk cId="3799277682" sldId="257"/>
+            <ac:spMk id="203" creationId="{3BBEAE37-D32B-49AC-87EC-DDA126F8A175}"/>
+          </ac:spMkLst>
+        </pc:spChg>
+        <pc:spChg chg="mod">
+          <ac:chgData name="Fatima Pillosu" userId="a6295d4dc9e22643" providerId="LiveId" clId="{AA98DFCE-B573-4601-AB1B-5C205E64C24A}" dt="2023-10-09T21:56:11.835" v="54" actId="207"/>
+          <ac:spMkLst>
+            <pc:docMk/>
+            <pc:sldMk cId="3799277682" sldId="257"/>
+            <ac:spMk id="204" creationId="{CDA2E1F3-6E5C-466F-8830-EB44DDC8CEBD}"/>
+          </ac:spMkLst>
+        </pc:spChg>
+        <pc:spChg chg="mod">
+          <ac:chgData name="Fatima Pillosu" userId="a6295d4dc9e22643" providerId="LiveId" clId="{AA98DFCE-B573-4601-AB1B-5C205E64C24A}" dt="2023-10-09T21:56:11.835" v="54" actId="207"/>
+          <ac:spMkLst>
+            <pc:docMk/>
+            <pc:sldMk cId="3799277682" sldId="257"/>
+            <ac:spMk id="205" creationId="{B91C911D-78B0-4CB8-BC0E-9582F95A773B}"/>
+          </ac:spMkLst>
+        </pc:spChg>
+        <pc:spChg chg="mod">
+          <ac:chgData name="Fatima Pillosu" userId="a6295d4dc9e22643" providerId="LiveId" clId="{AA98DFCE-B573-4601-AB1B-5C205E64C24A}" dt="2023-10-09T21:56:11.835" v="54" actId="207"/>
+          <ac:spMkLst>
+            <pc:docMk/>
+            <pc:sldMk cId="3799277682" sldId="257"/>
+            <ac:spMk id="206" creationId="{06B5B641-3648-4EE6-B60D-1641E16BA69E}"/>
+          </ac:spMkLst>
+        </pc:spChg>
+        <pc:spChg chg="mod">
+          <ac:chgData name="Fatima Pillosu" userId="a6295d4dc9e22643" providerId="LiveId" clId="{AA98DFCE-B573-4601-AB1B-5C205E64C24A}" dt="2023-10-09T21:56:11.835" v="54" actId="207"/>
+          <ac:spMkLst>
+            <pc:docMk/>
+            <pc:sldMk cId="3799277682" sldId="257"/>
+            <ac:spMk id="207" creationId="{0C7EE2B8-6492-4229-8AF1-2C8A637C4736}"/>
+          </ac:spMkLst>
+        </pc:spChg>
+        <pc:spChg chg="mod">
+          <ac:chgData name="Fatima Pillosu" userId="a6295d4dc9e22643" providerId="LiveId" clId="{AA98DFCE-B573-4601-AB1B-5C205E64C24A}" dt="2023-10-09T21:56:11.835" v="54" actId="207"/>
+          <ac:spMkLst>
+            <pc:docMk/>
+            <pc:sldMk cId="3799277682" sldId="257"/>
+            <ac:spMk id="208" creationId="{69E9C4FF-1BD0-4A18-8A99-B9BDBEF379FE}"/>
+          </ac:spMkLst>
+        </pc:spChg>
+        <pc:spChg chg="mod">
+          <ac:chgData name="Fatima Pillosu" userId="a6295d4dc9e22643" providerId="LiveId" clId="{AA98DFCE-B573-4601-AB1B-5C205E64C24A}" dt="2023-10-09T21:56:11.835" v="54" actId="207"/>
+          <ac:spMkLst>
+            <pc:docMk/>
+            <pc:sldMk cId="3799277682" sldId="257"/>
+            <ac:spMk id="209" creationId="{8019F4E5-D25D-4A18-B72A-CC23EBF8391A}"/>
+          </ac:spMkLst>
+        </pc:spChg>
+        <pc:spChg chg="mod">
+          <ac:chgData name="Fatima Pillosu" userId="a6295d4dc9e22643" providerId="LiveId" clId="{AA98DFCE-B573-4601-AB1B-5C205E64C24A}" dt="2023-10-09T21:56:11.835" v="54" actId="207"/>
+          <ac:spMkLst>
+            <pc:docMk/>
+            <pc:sldMk cId="3799277682" sldId="257"/>
+            <ac:spMk id="210" creationId="{9D258644-3F29-4A69-B938-4B094E3A0E4C}"/>
+          </ac:spMkLst>
+        </pc:spChg>
+        <pc:spChg chg="mod">
+          <ac:chgData name="Fatima Pillosu" userId="a6295d4dc9e22643" providerId="LiveId" clId="{AA98DFCE-B573-4601-AB1B-5C205E64C24A}" dt="2023-10-09T21:56:11.835" v="54" actId="207"/>
+          <ac:spMkLst>
+            <pc:docMk/>
+            <pc:sldMk cId="3799277682" sldId="257"/>
+            <ac:spMk id="211" creationId="{304FCF33-E449-4E41-BE44-C341DC61F5AC}"/>
+          </ac:spMkLst>
+        </pc:spChg>
+        <pc:spChg chg="mod">
+          <ac:chgData name="Fatima Pillosu" userId="a6295d4dc9e22643" providerId="LiveId" clId="{AA98DFCE-B573-4601-AB1B-5C205E64C24A}" dt="2023-10-09T21:56:11.835" v="54" actId="207"/>
+          <ac:spMkLst>
+            <pc:docMk/>
+            <pc:sldMk cId="3799277682" sldId="257"/>
+            <ac:spMk id="212" creationId="{8A828F02-C7F0-40C9-A558-5B22C5580A78}"/>
+          </ac:spMkLst>
+        </pc:spChg>
+        <pc:spChg chg="mod">
+          <ac:chgData name="Fatima Pillosu" userId="a6295d4dc9e22643" providerId="LiveId" clId="{AA98DFCE-B573-4601-AB1B-5C205E64C24A}" dt="2023-10-09T21:55:56.127" v="53" actId="207"/>
+          <ac:spMkLst>
+            <pc:docMk/>
+            <pc:sldMk cId="3799277682" sldId="257"/>
+            <ac:spMk id="213" creationId="{1657D5C5-96C7-4413-8DC8-25116FCCF52C}"/>
+          </ac:spMkLst>
+        </pc:spChg>
+        <pc:spChg chg="mod">
+          <ac:chgData name="Fatima Pillosu" userId="a6295d4dc9e22643" providerId="LiveId" clId="{AA98DFCE-B573-4601-AB1B-5C205E64C24A}" dt="2023-10-09T21:55:56.127" v="53" actId="207"/>
+          <ac:spMkLst>
+            <pc:docMk/>
+            <pc:sldMk cId="3799277682" sldId="257"/>
+            <ac:spMk id="214" creationId="{4FDCB11B-5181-4C4A-AD3B-BABC6C0DBB04}"/>
+          </ac:spMkLst>
+        </pc:spChg>
+        <pc:spChg chg="mod">
+          <ac:chgData name="Fatima Pillosu" userId="a6295d4dc9e22643" providerId="LiveId" clId="{AA98DFCE-B573-4601-AB1B-5C205E64C24A}" dt="2023-10-09T21:55:56.127" v="53" actId="207"/>
+          <ac:spMkLst>
+            <pc:docMk/>
+            <pc:sldMk cId="3799277682" sldId="257"/>
+            <ac:spMk id="215" creationId="{43CCB5C4-5A20-495D-96F0-B57215A7AA21}"/>
+          </ac:spMkLst>
+        </pc:spChg>
+        <pc:spChg chg="mod">
+          <ac:chgData name="Fatima Pillosu" userId="a6295d4dc9e22643" providerId="LiveId" clId="{AA98DFCE-B573-4601-AB1B-5C205E64C24A}" dt="2023-10-09T21:55:56.127" v="53" actId="207"/>
+          <ac:spMkLst>
+            <pc:docMk/>
+            <pc:sldMk cId="3799277682" sldId="257"/>
+            <ac:spMk id="216" creationId="{626F3178-8FE6-4D24-B3DF-8CD2FDE1FA43}"/>
+          </ac:spMkLst>
+        </pc:spChg>
+        <pc:spChg chg="mod">
+          <ac:chgData name="Fatima Pillosu" userId="a6295d4dc9e22643" providerId="LiveId" clId="{AA98DFCE-B573-4601-AB1B-5C205E64C24A}" dt="2023-10-09T21:55:56.127" v="53" actId="207"/>
+          <ac:spMkLst>
+            <pc:docMk/>
+            <pc:sldMk cId="3799277682" sldId="257"/>
+            <ac:spMk id="217" creationId="{E7A7B55A-342A-49E5-BC78-851EEDEDD0BC}"/>
+          </ac:spMkLst>
+        </pc:spChg>
+        <pc:spChg chg="mod">
+          <ac:chgData name="Fatima Pillosu" userId="a6295d4dc9e22643" providerId="LiveId" clId="{AA98DFCE-B573-4601-AB1B-5C205E64C24A}" dt="2023-10-09T21:56:23.016" v="55" actId="207"/>
+          <ac:spMkLst>
+            <pc:docMk/>
+            <pc:sldMk cId="3799277682" sldId="257"/>
+            <ac:spMk id="218" creationId="{EB701E82-7422-442B-AB98-CB1DC6B3014E}"/>
+          </ac:spMkLst>
+        </pc:spChg>
+        <pc:spChg chg="mod">
+          <ac:chgData name="Fatima Pillosu" userId="a6295d4dc9e22643" providerId="LiveId" clId="{AA98DFCE-B573-4601-AB1B-5C205E64C24A}" dt="2023-10-09T21:55:56.127" v="53" actId="207"/>
+          <ac:spMkLst>
+            <pc:docMk/>
+            <pc:sldMk cId="3799277682" sldId="257"/>
+            <ac:spMk id="219" creationId="{1BDE16C1-EA00-4492-8274-0E8E1431C785}"/>
+          </ac:spMkLst>
+        </pc:spChg>
+        <pc:spChg chg="mod">
+          <ac:chgData name="Fatima Pillosu" userId="a6295d4dc9e22643" providerId="LiveId" clId="{AA98DFCE-B573-4601-AB1B-5C205E64C24A}" dt="2023-10-09T21:56:31.747" v="56" actId="207"/>
+          <ac:spMkLst>
+            <pc:docMk/>
+            <pc:sldMk cId="3799277682" sldId="257"/>
+            <ac:spMk id="220" creationId="{20316B05-E1B0-45E8-9CED-EBA7E50D97C5}"/>
+          </ac:spMkLst>
+        </pc:spChg>
+        <pc:spChg chg="mod">
+          <ac:chgData name="Fatima Pillosu" userId="a6295d4dc9e22643" providerId="LiveId" clId="{AA98DFCE-B573-4601-AB1B-5C205E64C24A}" dt="2023-10-09T21:55:22.722" v="51" actId="207"/>
+          <ac:spMkLst>
+            <pc:docMk/>
+            <pc:sldMk cId="3799277682" sldId="257"/>
+            <ac:spMk id="222" creationId="{FA5D4ADE-19D1-415A-BFF4-7F32E0A30F76}"/>
+          </ac:spMkLst>
+        </pc:spChg>
+        <pc:spChg chg="mod">
+          <ac:chgData name="Fatima Pillosu" userId="a6295d4dc9e22643" providerId="LiveId" clId="{AA98DFCE-B573-4601-AB1B-5C205E64C24A}" dt="2023-10-09T21:55:22.722" v="51" actId="207"/>
+          <ac:spMkLst>
+            <pc:docMk/>
+            <pc:sldMk cId="3799277682" sldId="257"/>
+            <ac:spMk id="223" creationId="{D3F44C70-0A1D-4151-B5A4-F93331386FEF}"/>
+          </ac:spMkLst>
+        </pc:spChg>
+        <pc:spChg chg="mod">
+          <ac:chgData name="Fatima Pillosu" userId="a6295d4dc9e22643" providerId="LiveId" clId="{AA98DFCE-B573-4601-AB1B-5C205E64C24A}" dt="2023-10-09T21:55:22.722" v="51" actId="207"/>
+          <ac:spMkLst>
+            <pc:docMk/>
+            <pc:sldMk cId="3799277682" sldId="257"/>
+            <ac:spMk id="224" creationId="{57302CF9-2020-43E9-BFA8-0AFC9FA1BA15}"/>
+          </ac:spMkLst>
+        </pc:spChg>
+        <pc:spChg chg="mod">
+          <ac:chgData name="Fatima Pillosu" userId="a6295d4dc9e22643" providerId="LiveId" clId="{AA98DFCE-B573-4601-AB1B-5C205E64C24A}" dt="2023-10-09T21:55:22.722" v="51" actId="207"/>
+          <ac:spMkLst>
+            <pc:docMk/>
+            <pc:sldMk cId="3799277682" sldId="257"/>
+            <ac:spMk id="225" creationId="{6887CF0C-BB5F-4719-B5AE-8A5F753733CD}"/>
+          </ac:spMkLst>
+        </pc:spChg>
+        <pc:spChg chg="mod">
+          <ac:chgData name="Fatima Pillosu" userId="a6295d4dc9e22643" providerId="LiveId" clId="{AA98DFCE-B573-4601-AB1B-5C205E64C24A}" dt="2023-10-09T21:55:22.722" v="51" actId="207"/>
+          <ac:spMkLst>
+            <pc:docMk/>
+            <pc:sldMk cId="3799277682" sldId="257"/>
+            <ac:spMk id="226" creationId="{CFFC4630-967F-4104-89A9-F630FDB76B6E}"/>
+          </ac:spMkLst>
+        </pc:spChg>
+        <pc:spChg chg="mod">
+          <ac:chgData name="Fatima Pillosu" userId="a6295d4dc9e22643" providerId="LiveId" clId="{AA98DFCE-B573-4601-AB1B-5C205E64C24A}" dt="2023-10-09T21:55:22.722" v="51" actId="207"/>
+          <ac:spMkLst>
+            <pc:docMk/>
+            <pc:sldMk cId="3799277682" sldId="257"/>
+            <ac:spMk id="227" creationId="{0295C434-527B-4353-8CDB-6D8CE6363E97}"/>
+          </ac:spMkLst>
+        </pc:spChg>
+        <pc:spChg chg="mod">
+          <ac:chgData name="Fatima Pillosu" userId="a6295d4dc9e22643" providerId="LiveId" clId="{AA98DFCE-B573-4601-AB1B-5C205E64C24A}" dt="2023-10-09T21:55:22.722" v="51" actId="207"/>
+          <ac:spMkLst>
+            <pc:docMk/>
+            <pc:sldMk cId="3799277682" sldId="257"/>
+            <ac:spMk id="228" creationId="{5349082E-00FB-48AF-A445-2B81D51E7764}"/>
+          </ac:spMkLst>
+        </pc:spChg>
+        <pc:spChg chg="mod">
+          <ac:chgData name="Fatima Pillosu" userId="a6295d4dc9e22643" providerId="LiveId" clId="{AA98DFCE-B573-4601-AB1B-5C205E64C24A}" dt="2023-10-09T21:55:22.722" v="51" actId="207"/>
+          <ac:spMkLst>
+            <pc:docMk/>
+            <pc:sldMk cId="3799277682" sldId="257"/>
+            <ac:spMk id="229" creationId="{296C9E54-D41F-4866-B943-6C27979931F3}"/>
+          </ac:spMkLst>
+        </pc:spChg>
+        <pc:spChg chg="mod">
+          <ac:chgData name="Fatima Pillosu" userId="a6295d4dc9e22643" providerId="LiveId" clId="{AA98DFCE-B573-4601-AB1B-5C205E64C24A}" dt="2023-10-09T21:55:22.722" v="51" actId="207"/>
+          <ac:spMkLst>
+            <pc:docMk/>
+            <pc:sldMk cId="3799277682" sldId="257"/>
+            <ac:spMk id="230" creationId="{5C5F7E5C-40D0-4404-AF79-EA2FE5BF9D29}"/>
+          </ac:spMkLst>
+        </pc:spChg>
+        <pc:spChg chg="mod">
+          <ac:chgData name="Fatima Pillosu" userId="a6295d4dc9e22643" providerId="LiveId" clId="{AA98DFCE-B573-4601-AB1B-5C205E64C24A}" dt="2023-10-09T21:55:22.722" v="51" actId="207"/>
+          <ac:spMkLst>
+            <pc:docMk/>
+            <pc:sldMk cId="3799277682" sldId="257"/>
+            <ac:spMk id="231" creationId="{63EC534E-F923-4622-9FF7-0E86BB901474}"/>
+          </ac:spMkLst>
+        </pc:spChg>
+        <pc:spChg chg="mod">
+          <ac:chgData name="Fatima Pillosu" userId="a6295d4dc9e22643" providerId="LiveId" clId="{AA98DFCE-B573-4601-AB1B-5C205E64C24A}" dt="2023-10-09T21:55:22.722" v="51" actId="207"/>
+          <ac:spMkLst>
+            <pc:docMk/>
+            <pc:sldMk cId="3799277682" sldId="257"/>
+            <ac:spMk id="232" creationId="{9E313F42-5E49-469A-A948-7A0F0CF048E0}"/>
+          </ac:spMkLst>
+        </pc:spChg>
+        <pc:spChg chg="mod">
+          <ac:chgData name="Fatima Pillosu" userId="a6295d4dc9e22643" providerId="LiveId" clId="{AA98DFCE-B573-4601-AB1B-5C205E64C24A}" dt="2023-10-09T21:55:22.722" v="51" actId="207"/>
+          <ac:spMkLst>
+            <pc:docMk/>
+            <pc:sldMk cId="3799277682" sldId="257"/>
+            <ac:spMk id="233" creationId="{74AD475F-7786-49F6-9E62-AE6CE8B5626E}"/>
+          </ac:spMkLst>
+        </pc:spChg>
+        <pc:spChg chg="mod">
+          <ac:chgData name="Fatima Pillosu" userId="a6295d4dc9e22643" providerId="LiveId" clId="{AA98DFCE-B573-4601-AB1B-5C205E64C24A}" dt="2023-10-09T21:55:22.722" v="51" actId="207"/>
+          <ac:spMkLst>
+            <pc:docMk/>
+            <pc:sldMk cId="3799277682" sldId="257"/>
+            <ac:spMk id="234" creationId="{1627617A-600F-4F7A-BAB6-B7CDB86FF983}"/>
+          </ac:spMkLst>
+        </pc:spChg>
+        <pc:spChg chg="mod">
+          <ac:chgData name="Fatima Pillosu" userId="a6295d4dc9e22643" providerId="LiveId" clId="{AA98DFCE-B573-4601-AB1B-5C205E64C24A}" dt="2023-10-09T21:55:22.722" v="51" actId="207"/>
+          <ac:spMkLst>
+            <pc:docMk/>
+            <pc:sldMk cId="3799277682" sldId="257"/>
+            <ac:spMk id="235" creationId="{C5A772C7-BD7B-4F33-A8C5-7AFD50CFBEED}"/>
+          </ac:spMkLst>
+        </pc:spChg>
+        <pc:spChg chg="mod">
+          <ac:chgData name="Fatima Pillosu" userId="a6295d4dc9e22643" providerId="LiveId" clId="{AA98DFCE-B573-4601-AB1B-5C205E64C24A}" dt="2023-10-09T21:55:22.722" v="51" actId="207"/>
+          <ac:spMkLst>
+            <pc:docMk/>
+            <pc:sldMk cId="3799277682" sldId="257"/>
+            <ac:spMk id="236" creationId="{2753D96C-C548-4F6B-9FEF-E3671AD7DF4D}"/>
+          </ac:spMkLst>
+        </pc:spChg>
+        <pc:spChg chg="mod">
+          <ac:chgData name="Fatima Pillosu" userId="a6295d4dc9e22643" providerId="LiveId" clId="{AA98DFCE-B573-4601-AB1B-5C205E64C24A}" dt="2023-10-09T21:55:22.722" v="51" actId="207"/>
+          <ac:spMkLst>
+            <pc:docMk/>
+            <pc:sldMk cId="3799277682" sldId="257"/>
+            <ac:spMk id="237" creationId="{351D3152-4B07-403F-AB18-15453C394568}"/>
+          </ac:spMkLst>
+        </pc:spChg>
+        <pc:spChg chg="mod">
+          <ac:chgData name="Fatima Pillosu" userId="a6295d4dc9e22643" providerId="LiveId" clId="{AA98DFCE-B573-4601-AB1B-5C205E64C24A}" dt="2023-10-09T21:55:22.722" v="51" actId="207"/>
+          <ac:spMkLst>
+            <pc:docMk/>
+            <pc:sldMk cId="3799277682" sldId="257"/>
+            <ac:spMk id="238" creationId="{E513ECF2-B1B0-4717-88AD-F47013290A09}"/>
+          </ac:spMkLst>
+        </pc:spChg>
+        <pc:spChg chg="mod">
+          <ac:chgData name="Fatima Pillosu" userId="a6295d4dc9e22643" providerId="LiveId" clId="{AA98DFCE-B573-4601-AB1B-5C205E64C24A}" dt="2023-10-09T21:55:22.722" v="51" actId="207"/>
+          <ac:spMkLst>
+            <pc:docMk/>
+            <pc:sldMk cId="3799277682" sldId="257"/>
+            <ac:spMk id="239" creationId="{3F1FE446-17CF-46EE-8429-1A5638B6F722}"/>
+          </ac:spMkLst>
+        </pc:spChg>
+        <pc:spChg chg="mod">
+          <ac:chgData name="Fatima Pillosu" userId="a6295d4dc9e22643" providerId="LiveId" clId="{AA98DFCE-B573-4601-AB1B-5C205E64C24A}" dt="2023-10-09T21:55:22.722" v="51" actId="207"/>
+          <ac:spMkLst>
+            <pc:docMk/>
+            <pc:sldMk cId="3799277682" sldId="257"/>
+            <ac:spMk id="240" creationId="{566D3A46-294E-4EE1-B817-42801BD3AF22}"/>
+          </ac:spMkLst>
+        </pc:spChg>
+        <pc:spChg chg="mod">
+          <ac:chgData name="Fatima Pillosu" userId="a6295d4dc9e22643" providerId="LiveId" clId="{AA98DFCE-B573-4601-AB1B-5C205E64C24A}" dt="2023-10-09T21:55:22.722" v="51" actId="207"/>
+          <ac:spMkLst>
+            <pc:docMk/>
+            <pc:sldMk cId="3799277682" sldId="257"/>
+            <ac:spMk id="241" creationId="{8F63F9D6-66A3-4A36-9C6F-7971C5E18357}"/>
+          </ac:spMkLst>
+        </pc:spChg>
+        <pc:spChg chg="mod">
+          <ac:chgData name="Fatima Pillosu" userId="a6295d4dc9e22643" providerId="LiveId" clId="{AA98DFCE-B573-4601-AB1B-5C205E64C24A}" dt="2023-10-09T21:55:22.722" v="51" actId="207"/>
+          <ac:spMkLst>
+            <pc:docMk/>
+            <pc:sldMk cId="3799277682" sldId="257"/>
+            <ac:spMk id="242" creationId="{201251B4-7C06-42E4-A62E-253B03FE3984}"/>
+          </ac:spMkLst>
+        </pc:spChg>
+        <pc:spChg chg="mod">
+          <ac:chgData name="Fatima Pillosu" userId="a6295d4dc9e22643" providerId="LiveId" clId="{AA98DFCE-B573-4601-AB1B-5C205E64C24A}" dt="2023-10-09T21:55:22.722" v="51" actId="207"/>
+          <ac:spMkLst>
+            <pc:docMk/>
+            <pc:sldMk cId="3799277682" sldId="257"/>
+            <ac:spMk id="243" creationId="{E802D561-41B4-471D-85A5-933FE50FC47E}"/>
+          </ac:spMkLst>
+        </pc:spChg>
+        <pc:spChg chg="mod">
+          <ac:chgData name="Fatima Pillosu" userId="a6295d4dc9e22643" providerId="LiveId" clId="{AA98DFCE-B573-4601-AB1B-5C205E64C24A}" dt="2023-10-09T21:55:22.722" v="51" actId="207"/>
+          <ac:spMkLst>
+            <pc:docMk/>
+            <pc:sldMk cId="3799277682" sldId="257"/>
+            <ac:spMk id="244" creationId="{07C784B3-AB3E-473A-9FB9-E21961807D25}"/>
+          </ac:spMkLst>
+        </pc:spChg>
+        <pc:spChg chg="mod">
+          <ac:chgData name="Fatima Pillosu" userId="a6295d4dc9e22643" providerId="LiveId" clId="{AA98DFCE-B573-4601-AB1B-5C205E64C24A}" dt="2023-10-09T21:55:22.722" v="51" actId="207"/>
+          <ac:spMkLst>
+            <pc:docMk/>
+            <pc:sldMk cId="3799277682" sldId="257"/>
+            <ac:spMk id="245" creationId="{824D9C1F-D9EE-4DF1-AF60-10129CC8BAF2}"/>
+          </ac:spMkLst>
+        </pc:spChg>
+        <pc:spChg chg="mod">
+          <ac:chgData name="Fatima Pillosu" userId="a6295d4dc9e22643" providerId="LiveId" clId="{AA98DFCE-B573-4601-AB1B-5C205E64C24A}" dt="2023-10-09T21:55:22.722" v="51" actId="207"/>
+          <ac:spMkLst>
+            <pc:docMk/>
+            <pc:sldMk cId="3799277682" sldId="257"/>
+            <ac:spMk id="246" creationId="{E480BB1F-BA13-461B-A8C7-13AFC5B59CD8}"/>
+          </ac:spMkLst>
+        </pc:spChg>
+        <pc:spChg chg="mod">
+          <ac:chgData name="Fatima Pillosu" userId="a6295d4dc9e22643" providerId="LiveId" clId="{AA98DFCE-B573-4601-AB1B-5C205E64C24A}" dt="2023-10-09T21:55:22.722" v="51" actId="207"/>
+          <ac:spMkLst>
+            <pc:docMk/>
+            <pc:sldMk cId="3799277682" sldId="257"/>
+            <ac:spMk id="247" creationId="{287DA8F9-ABA4-4286-8036-64D53844F9F3}"/>
+          </ac:spMkLst>
+        </pc:spChg>
+        <pc:spChg chg="mod">
+          <ac:chgData name="Fatima Pillosu" userId="a6295d4dc9e22643" providerId="LiveId" clId="{AA98DFCE-B573-4601-AB1B-5C205E64C24A}" dt="2023-10-09T21:55:22.722" v="51" actId="207"/>
+          <ac:spMkLst>
+            <pc:docMk/>
+            <pc:sldMk cId="3799277682" sldId="257"/>
+            <ac:spMk id="248" creationId="{0D48C767-FDAF-467B-8268-F4A8966041C4}"/>
+          </ac:spMkLst>
+        </pc:spChg>
+        <pc:spChg chg="mod">
+          <ac:chgData name="Fatima Pillosu" userId="a6295d4dc9e22643" providerId="LiveId" clId="{AA98DFCE-B573-4601-AB1B-5C205E64C24A}" dt="2023-10-09T21:55:22.722" v="51" actId="207"/>
+          <ac:spMkLst>
+            <pc:docMk/>
+            <pc:sldMk cId="3799277682" sldId="257"/>
+            <ac:spMk id="249" creationId="{882D3E31-1579-48DB-9AC8-1C207822207C}"/>
+          </ac:spMkLst>
+        </pc:spChg>
+        <pc:spChg chg="mod">
+          <ac:chgData name="Fatima Pillosu" userId="a6295d4dc9e22643" providerId="LiveId" clId="{AA98DFCE-B573-4601-AB1B-5C205E64C24A}" dt="2023-10-09T21:55:22.722" v="51" actId="207"/>
+          <ac:spMkLst>
+            <pc:docMk/>
+            <pc:sldMk cId="3799277682" sldId="257"/>
+            <ac:spMk id="250" creationId="{AA53A63A-4527-4F93-835F-59103D082DD9}"/>
+          </ac:spMkLst>
+        </pc:spChg>
+        <pc:spChg chg="mod">
+          <ac:chgData name="Fatima Pillosu" userId="a6295d4dc9e22643" providerId="LiveId" clId="{AA98DFCE-B573-4601-AB1B-5C205E64C24A}" dt="2023-10-09T21:55:22.722" v="51" actId="207"/>
+          <ac:spMkLst>
+            <pc:docMk/>
+            <pc:sldMk cId="3799277682" sldId="257"/>
+            <ac:spMk id="251" creationId="{3E3616AF-3D42-45D3-9FF5-566A874A0276}"/>
+          </ac:spMkLst>
+        </pc:spChg>
+        <pc:spChg chg="mod">
+          <ac:chgData name="Fatima Pillosu" userId="a6295d4dc9e22643" providerId="LiveId" clId="{AA98DFCE-B573-4601-AB1B-5C205E64C24A}" dt="2023-10-09T21:55:22.722" v="51" actId="207"/>
+          <ac:spMkLst>
+            <pc:docMk/>
+            <pc:sldMk cId="3799277682" sldId="257"/>
+            <ac:spMk id="252" creationId="{51DAC668-8AB1-4901-A419-D6ACE3879328}"/>
+          </ac:spMkLst>
+        </pc:spChg>
+        <pc:spChg chg="del">
+          <ac:chgData name="Fatima Pillosu" userId="a6295d4dc9e22643" providerId="LiveId" clId="{AA98DFCE-B573-4601-AB1B-5C205E64C24A}" dt="2023-10-09T21:42:43.692" v="9" actId="478"/>
+          <ac:spMkLst>
+            <pc:docMk/>
+            <pc:sldMk cId="3799277682" sldId="257"/>
+            <ac:spMk id="254" creationId="{55F1A8B4-2FFC-4EC5-8E86-A92337636DDB}"/>
+          </ac:spMkLst>
+        </pc:spChg>
+        <pc:spChg chg="mod topLvl">
+          <ac:chgData name="Fatima Pillosu" userId="a6295d4dc9e22643" providerId="LiveId" clId="{AA98DFCE-B573-4601-AB1B-5C205E64C24A}" dt="2023-10-09T21:55:56.127" v="53" actId="207"/>
+          <ac:spMkLst>
+            <pc:docMk/>
+            <pc:sldMk cId="3799277682" sldId="257"/>
+            <ac:spMk id="255" creationId="{5B3915DA-9864-43D5-9E89-13167C4BDB07}"/>
+          </ac:spMkLst>
+        </pc:spChg>
+        <pc:spChg chg="mod topLvl">
+          <ac:chgData name="Fatima Pillosu" userId="a6295d4dc9e22643" providerId="LiveId" clId="{AA98DFCE-B573-4601-AB1B-5C205E64C24A}" dt="2023-10-09T21:55:56.127" v="53" actId="207"/>
+          <ac:spMkLst>
+            <pc:docMk/>
+            <pc:sldMk cId="3799277682" sldId="257"/>
+            <ac:spMk id="256" creationId="{943E7C85-E293-47E7-9652-2436B4446425}"/>
+          </ac:spMkLst>
+        </pc:spChg>
+        <pc:spChg chg="mod topLvl">
+          <ac:chgData name="Fatima Pillosu" userId="a6295d4dc9e22643" providerId="LiveId" clId="{AA98DFCE-B573-4601-AB1B-5C205E64C24A}" dt="2023-10-09T21:55:56.127" v="53" actId="207"/>
+          <ac:spMkLst>
+            <pc:docMk/>
+            <pc:sldMk cId="3799277682" sldId="257"/>
+            <ac:spMk id="257" creationId="{E5DA8EDD-7F14-452C-AAAB-A582F9A4BA46}"/>
+          </ac:spMkLst>
+        </pc:spChg>
+        <pc:spChg chg="mod topLvl">
+          <ac:chgData name="Fatima Pillosu" userId="a6295d4dc9e22643" providerId="LiveId" clId="{AA98DFCE-B573-4601-AB1B-5C205E64C24A}" dt="2023-10-09T21:55:56.127" v="53" actId="207"/>
+          <ac:spMkLst>
+            <pc:docMk/>
+            <pc:sldMk cId="3799277682" sldId="257"/>
+            <ac:spMk id="258" creationId="{4F62748E-CA20-45F0-80CC-608584C97DE9}"/>
+          </ac:spMkLst>
+        </pc:spChg>
+        <pc:spChg chg="mod topLvl">
+          <ac:chgData name="Fatima Pillosu" userId="a6295d4dc9e22643" providerId="LiveId" clId="{AA98DFCE-B573-4601-AB1B-5C205E64C24A}" dt="2023-10-09T21:55:56.127" v="53" actId="207"/>
+          <ac:spMkLst>
+            <pc:docMk/>
+            <pc:sldMk cId="3799277682" sldId="257"/>
+            <ac:spMk id="259" creationId="{C007C6FB-F246-4CB7-89C8-80D9288CD40C}"/>
+          </ac:spMkLst>
+        </pc:spChg>
+        <pc:spChg chg="mod topLvl">
+          <ac:chgData name="Fatima Pillosu" userId="a6295d4dc9e22643" providerId="LiveId" clId="{AA98DFCE-B573-4601-AB1B-5C205E64C24A}" dt="2023-10-09T21:55:56.127" v="53" actId="207"/>
+          <ac:spMkLst>
+            <pc:docMk/>
+            <pc:sldMk cId="3799277682" sldId="257"/>
+            <ac:spMk id="260" creationId="{D634407E-293A-4646-9917-CFF41C327A3F}"/>
+          </ac:spMkLst>
+        </pc:spChg>
+        <pc:spChg chg="mod topLvl">
+          <ac:chgData name="Fatima Pillosu" userId="a6295d4dc9e22643" providerId="LiveId" clId="{AA98DFCE-B573-4601-AB1B-5C205E64C24A}" dt="2023-10-09T21:55:56.127" v="53" actId="207"/>
+          <ac:spMkLst>
+            <pc:docMk/>
+            <pc:sldMk cId="3799277682" sldId="257"/>
+            <ac:spMk id="261" creationId="{47277D59-BEEF-4B9D-BB51-8D157E40DA74}"/>
+          </ac:spMkLst>
+        </pc:spChg>
+        <pc:spChg chg="mod topLvl">
+          <ac:chgData name="Fatima Pillosu" userId="a6295d4dc9e22643" providerId="LiveId" clId="{AA98DFCE-B573-4601-AB1B-5C205E64C24A}" dt="2023-10-09T21:55:56.127" v="53" actId="207"/>
+          <ac:spMkLst>
+            <pc:docMk/>
+            <pc:sldMk cId="3799277682" sldId="257"/>
+            <ac:spMk id="262" creationId="{F11A098F-0D97-4A6C-B342-4361B142D6B6}"/>
+          </ac:spMkLst>
+        </pc:spChg>
+        <pc:spChg chg="mod">
+          <ac:chgData name="Fatima Pillosu" userId="a6295d4dc9e22643" providerId="LiveId" clId="{AA98DFCE-B573-4601-AB1B-5C205E64C24A}" dt="2023-10-09T21:55:56.127" v="53" actId="207"/>
+          <ac:spMkLst>
+            <pc:docMk/>
+            <pc:sldMk cId="3799277682" sldId="257"/>
+            <ac:spMk id="263" creationId="{493B59B2-74D3-4983-B76D-83766755FB45}"/>
+          </ac:spMkLst>
+        </pc:spChg>
+        <pc:grpChg chg="del mod">
+          <ac:chgData name="Fatima Pillosu" userId="a6295d4dc9e22643" providerId="LiveId" clId="{AA98DFCE-B573-4601-AB1B-5C205E64C24A}" dt="2023-10-09T21:44:02.763" v="21" actId="165"/>
+          <ac:grpSpMkLst>
+            <pc:docMk/>
+            <pc:sldMk cId="3799277682" sldId="257"/>
+            <ac:grpSpMk id="5" creationId="{0B5D89D7-C1AC-4DCC-A88E-74D3324BBBC6}"/>
+          </ac:grpSpMkLst>
+        </pc:grpChg>
+        <pc:picChg chg="add mod ord modCrop">
+          <ac:chgData name="Fatima Pillosu" userId="a6295d4dc9e22643" providerId="LiveId" clId="{AA98DFCE-B573-4601-AB1B-5C205E64C24A}" dt="2023-10-09T21:43:24.458" v="16" actId="167"/>
+          <ac:picMkLst>
+            <pc:docMk/>
+            <pc:sldMk cId="3799277682" sldId="257"/>
+            <ac:picMk id="4" creationId="{BE7CAF54-156F-2910-BA40-C80C0EB1577E}"/>
+          </ac:picMkLst>
+        </pc:picChg>
+        <pc:picChg chg="mod">
+          <ac:chgData name="Fatima Pillosu" userId="a6295d4dc9e22643" providerId="LiveId" clId="{AA98DFCE-B573-4601-AB1B-5C205E64C24A}" dt="2023-10-09T21:49:22.913" v="45" actId="208"/>
+          <ac:picMkLst>
+            <pc:docMk/>
+            <pc:sldMk cId="3799277682" sldId="257"/>
+            <ac:picMk id="196" creationId="{B58C8CEE-863D-4AF5-944A-06815392DD64}"/>
+          </ac:picMkLst>
+        </pc:picChg>
+        <pc:picChg chg="del">
+          <ac:chgData name="Fatima Pillosu" userId="a6295d4dc9e22643" providerId="LiveId" clId="{AA98DFCE-B573-4601-AB1B-5C205E64C24A}" dt="2023-10-09T21:41:48.803" v="0" actId="478"/>
+          <ac:picMkLst>
+            <pc:docMk/>
+            <pc:sldMk cId="3799277682" sldId="257"/>
+            <ac:picMk id="253" creationId="{4A6FFADE-81E6-42E3-AA6A-FB88CC682A2F}"/>
+          </ac:picMkLst>
+        </pc:picChg>
+      </pc:sldChg>
+    </pc:docChg>
+  </pc:docChgLst>
   <pc:docChgLst>
     <pc:chgData name="Fatima Pillosu" userId="a6295d4dc9e22643" providerId="LiveId" clId="{D95880B6-4D62-4CCA-985C-CD81ECFE9D1A}"/>
     <pc:docChg chg="undo custSel modSld">
@@ -2617,606 +4145,6 @@
             <ac:grpSpMk id="146" creationId="{08AC3938-27F0-4B89-979D-DE68A7E7B3BE}"/>
           </ac:grpSpMkLst>
         </pc:grpChg>
-      </pc:sldChg>
-    </pc:docChg>
-  </pc:docChgLst>
-  <pc:docChgLst>
-    <pc:chgData name="Fatima Pillosu" userId="a6295d4dc9e22643" providerId="LiveId" clId="{CC555D62-35BC-4337-A7A4-3DA3EB8506F3}"/>
-    <pc:docChg chg="undo custSel modSld">
-      <pc:chgData name="Fatima Pillosu" userId="a6295d4dc9e22643" providerId="LiveId" clId="{CC555D62-35BC-4337-A7A4-3DA3EB8506F3}" dt="2023-06-13T14:11:39.861" v="226" actId="1036"/>
-      <pc:docMkLst>
-        <pc:docMk/>
-      </pc:docMkLst>
-      <pc:sldChg chg="addSp delSp modSp mod">
-        <pc:chgData name="Fatima Pillosu" userId="a6295d4dc9e22643" providerId="LiveId" clId="{CC555D62-35BC-4337-A7A4-3DA3EB8506F3}" dt="2023-06-13T14:11:39.861" v="226" actId="1036"/>
-        <pc:sldMkLst>
-          <pc:docMk/>
-          <pc:sldMk cId="3799277682" sldId="257"/>
-        </pc:sldMkLst>
-        <pc:spChg chg="del mod topLvl">
-          <ac:chgData name="Fatima Pillosu" userId="a6295d4dc9e22643" providerId="LiveId" clId="{CC555D62-35BC-4337-A7A4-3DA3EB8506F3}" dt="2023-06-13T14:11:18.504" v="194" actId="478"/>
-          <ac:spMkLst>
-            <pc:docMk/>
-            <pc:sldMk cId="3799277682" sldId="257"/>
-            <ac:spMk id="3" creationId="{41DBCB08-588F-472D-8BB3-FCE73ABF80F0}"/>
-          </ac:spMkLst>
-        </pc:spChg>
-        <pc:spChg chg="add mod">
-          <ac:chgData name="Fatima Pillosu" userId="a6295d4dc9e22643" providerId="LiveId" clId="{CC555D62-35BC-4337-A7A4-3DA3EB8506F3}" dt="2023-06-13T14:09:05.832" v="60" actId="1037"/>
-          <ac:spMkLst>
-            <pc:docMk/>
-            <pc:sldMk cId="3799277682" sldId="257"/>
-            <ac:spMk id="6" creationId="{FC701F35-0E07-5054-A482-FEB5F939FF49}"/>
-          </ac:spMkLst>
-        </pc:spChg>
-        <pc:spChg chg="add mod">
-          <ac:chgData name="Fatima Pillosu" userId="a6295d4dc9e22643" providerId="LiveId" clId="{CC555D62-35BC-4337-A7A4-3DA3EB8506F3}" dt="2023-06-13T14:08:59.939" v="50" actId="1035"/>
-          <ac:spMkLst>
-            <pc:docMk/>
-            <pc:sldMk cId="3799277682" sldId="257"/>
-            <ac:spMk id="7" creationId="{833C63C8-8765-EE7C-09F6-E7C73FCB2F17}"/>
-          </ac:spMkLst>
-        </pc:spChg>
-        <pc:spChg chg="add mod">
-          <ac:chgData name="Fatima Pillosu" userId="a6295d4dc9e22643" providerId="LiveId" clId="{CC555D62-35BC-4337-A7A4-3DA3EB8506F3}" dt="2023-06-13T14:10:39.181" v="161" actId="1038"/>
-          <ac:spMkLst>
-            <pc:docMk/>
-            <pc:sldMk cId="3799277682" sldId="257"/>
-            <ac:spMk id="8" creationId="{05643786-32EF-BC6F-53BE-957BA25DB8DD}"/>
-          </ac:spMkLst>
-        </pc:spChg>
-        <pc:spChg chg="add mod">
-          <ac:chgData name="Fatima Pillosu" userId="a6295d4dc9e22643" providerId="LiveId" clId="{CC555D62-35BC-4337-A7A4-3DA3EB8506F3}" dt="2023-06-13T14:10:46.773" v="188" actId="1036"/>
-          <ac:spMkLst>
-            <pc:docMk/>
-            <pc:sldMk cId="3799277682" sldId="257"/>
-            <ac:spMk id="9" creationId="{11B83625-B90D-11E3-0131-C0D8F80A1063}"/>
-          </ac:spMkLst>
-        </pc:spChg>
-        <pc:spChg chg="add del mod topLvl">
-          <ac:chgData name="Fatima Pillosu" userId="a6295d4dc9e22643" providerId="LiveId" clId="{CC555D62-35BC-4337-A7A4-3DA3EB8506F3}" dt="2023-06-13T14:11:39.861" v="226" actId="1036"/>
-          <ac:spMkLst>
-            <pc:docMk/>
-            <pc:sldMk cId="3799277682" sldId="257"/>
-            <ac:spMk id="153" creationId="{76C07E27-ECDB-4919-963C-51E9C4DB17D5}"/>
-          </ac:spMkLst>
-        </pc:spChg>
-        <pc:spChg chg="mod">
-          <ac:chgData name="Fatima Pillosu" userId="a6295d4dc9e22643" providerId="LiveId" clId="{CC555D62-35BC-4337-A7A4-3DA3EB8506F3}" dt="2023-06-13T14:09:51.928" v="96" actId="1076"/>
-          <ac:spMkLst>
-            <pc:docMk/>
-            <pc:sldMk cId="3799277682" sldId="257"/>
-            <ac:spMk id="200" creationId="{F889760E-5B5A-4525-8C2F-6846026E1D19}"/>
-          </ac:spMkLst>
-        </pc:spChg>
-        <pc:spChg chg="mod">
-          <ac:chgData name="Fatima Pillosu" userId="a6295d4dc9e22643" providerId="LiveId" clId="{CC555D62-35BC-4337-A7A4-3DA3EB8506F3}" dt="2023-06-13T14:09:12.734" v="75" actId="1038"/>
-          <ac:spMkLst>
-            <pc:docMk/>
-            <pc:sldMk cId="3799277682" sldId="257"/>
-            <ac:spMk id="202" creationId="{11B187C6-3A57-4F86-ABB6-ADF882708D3A}"/>
-          </ac:spMkLst>
-        </pc:spChg>
-        <pc:spChg chg="del">
-          <ac:chgData name="Fatima Pillosu" userId="a6295d4dc9e22643" providerId="LiveId" clId="{CC555D62-35BC-4337-A7A4-3DA3EB8506F3}" dt="2023-06-13T14:05:54.223" v="0" actId="478"/>
-          <ac:spMkLst>
-            <pc:docMk/>
-            <pc:sldMk cId="3799277682" sldId="257"/>
-            <ac:spMk id="264" creationId="{2AA2DE8F-4B17-4C50-AD57-3C1A3825150C}"/>
-          </ac:spMkLst>
-        </pc:spChg>
-        <pc:grpChg chg="add del">
-          <ac:chgData name="Fatima Pillosu" userId="a6295d4dc9e22643" providerId="LiveId" clId="{CC555D62-35BC-4337-A7A4-3DA3EB8506F3}" dt="2023-06-13T14:11:10.720" v="191" actId="165"/>
-          <ac:grpSpMkLst>
-            <pc:docMk/>
-            <pc:sldMk cId="3799277682" sldId="257"/>
-            <ac:grpSpMk id="4" creationId="{DBAB601F-6CE3-4786-9629-9A746D512972}"/>
-          </ac:grpSpMkLst>
-        </pc:grpChg>
-      </pc:sldChg>
-    </pc:docChg>
-  </pc:docChgLst>
-  <pc:docChgLst>
-    <pc:chgData name="Fatima Pillosu" userId="a6295d4dc9e22643" providerId="LiveId" clId="{4D741DE7-9BEB-4B85-A3B3-25E7C1189B63}"/>
-    <pc:docChg chg="modSld">
-      <pc:chgData name="Fatima Pillosu" userId="a6295d4dc9e22643" providerId="LiveId" clId="{4D741DE7-9BEB-4B85-A3B3-25E7C1189B63}" dt="2022-06-07T10:47:28.268" v="4" actId="255"/>
-      <pc:docMkLst>
-        <pc:docMk/>
-      </pc:docMkLst>
-      <pc:sldChg chg="delSp modSp mod">
-        <pc:chgData name="Fatima Pillosu" userId="a6295d4dc9e22643" providerId="LiveId" clId="{4D741DE7-9BEB-4B85-A3B3-25E7C1189B63}" dt="2022-06-07T10:47:28.268" v="4" actId="255"/>
-        <pc:sldMkLst>
-          <pc:docMk/>
-          <pc:sldMk cId="3799277682" sldId="257"/>
-        </pc:sldMkLst>
-        <pc:spChg chg="mod">
-          <ac:chgData name="Fatima Pillosu" userId="a6295d4dc9e22643" providerId="LiveId" clId="{4D741DE7-9BEB-4B85-A3B3-25E7C1189B63}" dt="2022-06-07T10:47:28.268" v="4" actId="255"/>
-          <ac:spMkLst>
-            <pc:docMk/>
-            <pc:sldMk cId="3799277682" sldId="257"/>
-            <ac:spMk id="175" creationId="{F60A8F43-4B5B-45C6-A56A-0633999D074B}"/>
-          </ac:spMkLst>
-        </pc:spChg>
-        <pc:spChg chg="mod topLvl">
-          <ac:chgData name="Fatima Pillosu" userId="a6295d4dc9e22643" providerId="LiveId" clId="{4D741DE7-9BEB-4B85-A3B3-25E7C1189B63}" dt="2022-06-07T10:46:53.874" v="0" actId="165"/>
-          <ac:spMkLst>
-            <pc:docMk/>
-            <pc:sldMk cId="3799277682" sldId="257"/>
-            <ac:spMk id="197" creationId="{A122E27E-B89D-4646-A9C8-604EA8A20BBC}"/>
-          </ac:spMkLst>
-        </pc:spChg>
-        <pc:spChg chg="mod topLvl">
-          <ac:chgData name="Fatima Pillosu" userId="a6295d4dc9e22643" providerId="LiveId" clId="{4D741DE7-9BEB-4B85-A3B3-25E7C1189B63}" dt="2022-06-07T10:46:53.874" v="0" actId="165"/>
-          <ac:spMkLst>
-            <pc:docMk/>
-            <pc:sldMk cId="3799277682" sldId="257"/>
-            <ac:spMk id="198" creationId="{379409AB-DFC5-4F74-8EFF-327F74CCD4E6}"/>
-          </ac:spMkLst>
-        </pc:spChg>
-        <pc:spChg chg="mod topLvl">
-          <ac:chgData name="Fatima Pillosu" userId="a6295d4dc9e22643" providerId="LiveId" clId="{4D741DE7-9BEB-4B85-A3B3-25E7C1189B63}" dt="2022-06-07T10:46:53.874" v="0" actId="165"/>
-          <ac:spMkLst>
-            <pc:docMk/>
-            <pc:sldMk cId="3799277682" sldId="257"/>
-            <ac:spMk id="199" creationId="{C4C3754B-DDFD-4ADE-A96A-E912CB88EBE3}"/>
-          </ac:spMkLst>
-        </pc:spChg>
-        <pc:spChg chg="mod topLvl">
-          <ac:chgData name="Fatima Pillosu" userId="a6295d4dc9e22643" providerId="LiveId" clId="{4D741DE7-9BEB-4B85-A3B3-25E7C1189B63}" dt="2022-06-07T10:46:53.874" v="0" actId="165"/>
-          <ac:spMkLst>
-            <pc:docMk/>
-            <pc:sldMk cId="3799277682" sldId="257"/>
-            <ac:spMk id="200" creationId="{F889760E-5B5A-4525-8C2F-6846026E1D19}"/>
-          </ac:spMkLst>
-        </pc:spChg>
-        <pc:spChg chg="mod topLvl">
-          <ac:chgData name="Fatima Pillosu" userId="a6295d4dc9e22643" providerId="LiveId" clId="{4D741DE7-9BEB-4B85-A3B3-25E7C1189B63}" dt="2022-06-07T10:46:53.874" v="0" actId="165"/>
-          <ac:spMkLst>
-            <pc:docMk/>
-            <pc:sldMk cId="3799277682" sldId="257"/>
-            <ac:spMk id="201" creationId="{AE5AB460-0903-4B8B-87FA-7CE6510E3056}"/>
-          </ac:spMkLst>
-        </pc:spChg>
-        <pc:spChg chg="mod topLvl">
-          <ac:chgData name="Fatima Pillosu" userId="a6295d4dc9e22643" providerId="LiveId" clId="{4D741DE7-9BEB-4B85-A3B3-25E7C1189B63}" dt="2022-06-07T10:46:53.874" v="0" actId="165"/>
-          <ac:spMkLst>
-            <pc:docMk/>
-            <pc:sldMk cId="3799277682" sldId="257"/>
-            <ac:spMk id="202" creationId="{11B187C6-3A57-4F86-ABB6-ADF882708D3A}"/>
-          </ac:spMkLst>
-        </pc:spChg>
-        <pc:spChg chg="mod topLvl">
-          <ac:chgData name="Fatima Pillosu" userId="a6295d4dc9e22643" providerId="LiveId" clId="{4D741DE7-9BEB-4B85-A3B3-25E7C1189B63}" dt="2022-06-07T10:46:53.874" v="0" actId="165"/>
-          <ac:spMkLst>
-            <pc:docMk/>
-            <pc:sldMk cId="3799277682" sldId="257"/>
-            <ac:spMk id="203" creationId="{3BBEAE37-D32B-49AC-87EC-DDA126F8A175}"/>
-          </ac:spMkLst>
-        </pc:spChg>
-        <pc:spChg chg="mod topLvl">
-          <ac:chgData name="Fatima Pillosu" userId="a6295d4dc9e22643" providerId="LiveId" clId="{4D741DE7-9BEB-4B85-A3B3-25E7C1189B63}" dt="2022-06-07T10:46:53.874" v="0" actId="165"/>
-          <ac:spMkLst>
-            <pc:docMk/>
-            <pc:sldMk cId="3799277682" sldId="257"/>
-            <ac:spMk id="204" creationId="{CDA2E1F3-6E5C-466F-8830-EB44DDC8CEBD}"/>
-          </ac:spMkLst>
-        </pc:spChg>
-        <pc:spChg chg="mod topLvl">
-          <ac:chgData name="Fatima Pillosu" userId="a6295d4dc9e22643" providerId="LiveId" clId="{4D741DE7-9BEB-4B85-A3B3-25E7C1189B63}" dt="2022-06-07T10:46:53.874" v="0" actId="165"/>
-          <ac:spMkLst>
-            <pc:docMk/>
-            <pc:sldMk cId="3799277682" sldId="257"/>
-            <ac:spMk id="205" creationId="{B91C911D-78B0-4CB8-BC0E-9582F95A773B}"/>
-          </ac:spMkLst>
-        </pc:spChg>
-        <pc:spChg chg="mod topLvl">
-          <ac:chgData name="Fatima Pillosu" userId="a6295d4dc9e22643" providerId="LiveId" clId="{4D741DE7-9BEB-4B85-A3B3-25E7C1189B63}" dt="2022-06-07T10:46:53.874" v="0" actId="165"/>
-          <ac:spMkLst>
-            <pc:docMk/>
-            <pc:sldMk cId="3799277682" sldId="257"/>
-            <ac:spMk id="206" creationId="{06B5B641-3648-4EE6-B60D-1641E16BA69E}"/>
-          </ac:spMkLst>
-        </pc:spChg>
-        <pc:spChg chg="mod topLvl">
-          <ac:chgData name="Fatima Pillosu" userId="a6295d4dc9e22643" providerId="LiveId" clId="{4D741DE7-9BEB-4B85-A3B3-25E7C1189B63}" dt="2022-06-07T10:46:53.874" v="0" actId="165"/>
-          <ac:spMkLst>
-            <pc:docMk/>
-            <pc:sldMk cId="3799277682" sldId="257"/>
-            <ac:spMk id="207" creationId="{0C7EE2B8-6492-4229-8AF1-2C8A637C4736}"/>
-          </ac:spMkLst>
-        </pc:spChg>
-        <pc:spChg chg="mod topLvl">
-          <ac:chgData name="Fatima Pillosu" userId="a6295d4dc9e22643" providerId="LiveId" clId="{4D741DE7-9BEB-4B85-A3B3-25E7C1189B63}" dt="2022-06-07T10:46:53.874" v="0" actId="165"/>
-          <ac:spMkLst>
-            <pc:docMk/>
-            <pc:sldMk cId="3799277682" sldId="257"/>
-            <ac:spMk id="208" creationId="{69E9C4FF-1BD0-4A18-8A99-B9BDBEF379FE}"/>
-          </ac:spMkLst>
-        </pc:spChg>
-        <pc:spChg chg="mod topLvl">
-          <ac:chgData name="Fatima Pillosu" userId="a6295d4dc9e22643" providerId="LiveId" clId="{4D741DE7-9BEB-4B85-A3B3-25E7C1189B63}" dt="2022-06-07T10:46:53.874" v="0" actId="165"/>
-          <ac:spMkLst>
-            <pc:docMk/>
-            <pc:sldMk cId="3799277682" sldId="257"/>
-            <ac:spMk id="209" creationId="{8019F4E5-D25D-4A18-B72A-CC23EBF8391A}"/>
-          </ac:spMkLst>
-        </pc:spChg>
-        <pc:spChg chg="mod topLvl">
-          <ac:chgData name="Fatima Pillosu" userId="a6295d4dc9e22643" providerId="LiveId" clId="{4D741DE7-9BEB-4B85-A3B3-25E7C1189B63}" dt="2022-06-07T10:46:53.874" v="0" actId="165"/>
-          <ac:spMkLst>
-            <pc:docMk/>
-            <pc:sldMk cId="3799277682" sldId="257"/>
-            <ac:spMk id="210" creationId="{9D258644-3F29-4A69-B938-4B094E3A0E4C}"/>
-          </ac:spMkLst>
-        </pc:spChg>
-        <pc:spChg chg="mod topLvl">
-          <ac:chgData name="Fatima Pillosu" userId="a6295d4dc9e22643" providerId="LiveId" clId="{4D741DE7-9BEB-4B85-A3B3-25E7C1189B63}" dt="2022-06-07T10:46:53.874" v="0" actId="165"/>
-          <ac:spMkLst>
-            <pc:docMk/>
-            <pc:sldMk cId="3799277682" sldId="257"/>
-            <ac:spMk id="211" creationId="{304FCF33-E449-4E41-BE44-C341DC61F5AC}"/>
-          </ac:spMkLst>
-        </pc:spChg>
-        <pc:spChg chg="mod topLvl">
-          <ac:chgData name="Fatima Pillosu" userId="a6295d4dc9e22643" providerId="LiveId" clId="{4D741DE7-9BEB-4B85-A3B3-25E7C1189B63}" dt="2022-06-07T10:46:53.874" v="0" actId="165"/>
-          <ac:spMkLst>
-            <pc:docMk/>
-            <pc:sldMk cId="3799277682" sldId="257"/>
-            <ac:spMk id="212" creationId="{8A828F02-C7F0-40C9-A558-5B22C5580A78}"/>
-          </ac:spMkLst>
-        </pc:spChg>
-        <pc:spChg chg="mod topLvl">
-          <ac:chgData name="Fatima Pillosu" userId="a6295d4dc9e22643" providerId="LiveId" clId="{4D741DE7-9BEB-4B85-A3B3-25E7C1189B63}" dt="2022-06-07T10:46:53.874" v="0" actId="165"/>
-          <ac:spMkLst>
-            <pc:docMk/>
-            <pc:sldMk cId="3799277682" sldId="257"/>
-            <ac:spMk id="213" creationId="{1657D5C5-96C7-4413-8DC8-25116FCCF52C}"/>
-          </ac:spMkLst>
-        </pc:spChg>
-        <pc:spChg chg="mod topLvl">
-          <ac:chgData name="Fatima Pillosu" userId="a6295d4dc9e22643" providerId="LiveId" clId="{4D741DE7-9BEB-4B85-A3B3-25E7C1189B63}" dt="2022-06-07T10:46:53.874" v="0" actId="165"/>
-          <ac:spMkLst>
-            <pc:docMk/>
-            <pc:sldMk cId="3799277682" sldId="257"/>
-            <ac:spMk id="214" creationId="{4FDCB11B-5181-4C4A-AD3B-BABC6C0DBB04}"/>
-          </ac:spMkLst>
-        </pc:spChg>
-        <pc:spChg chg="mod topLvl">
-          <ac:chgData name="Fatima Pillosu" userId="a6295d4dc9e22643" providerId="LiveId" clId="{4D741DE7-9BEB-4B85-A3B3-25E7C1189B63}" dt="2022-06-07T10:46:53.874" v="0" actId="165"/>
-          <ac:spMkLst>
-            <pc:docMk/>
-            <pc:sldMk cId="3799277682" sldId="257"/>
-            <ac:spMk id="215" creationId="{43CCB5C4-5A20-495D-96F0-B57215A7AA21}"/>
-          </ac:spMkLst>
-        </pc:spChg>
-        <pc:spChg chg="mod topLvl">
-          <ac:chgData name="Fatima Pillosu" userId="a6295d4dc9e22643" providerId="LiveId" clId="{4D741DE7-9BEB-4B85-A3B3-25E7C1189B63}" dt="2022-06-07T10:46:53.874" v="0" actId="165"/>
-          <ac:spMkLst>
-            <pc:docMk/>
-            <pc:sldMk cId="3799277682" sldId="257"/>
-            <ac:spMk id="216" creationId="{626F3178-8FE6-4D24-B3DF-8CD2FDE1FA43}"/>
-          </ac:spMkLst>
-        </pc:spChg>
-        <pc:spChg chg="mod topLvl">
-          <ac:chgData name="Fatima Pillosu" userId="a6295d4dc9e22643" providerId="LiveId" clId="{4D741DE7-9BEB-4B85-A3B3-25E7C1189B63}" dt="2022-06-07T10:46:53.874" v="0" actId="165"/>
-          <ac:spMkLst>
-            <pc:docMk/>
-            <pc:sldMk cId="3799277682" sldId="257"/>
-            <ac:spMk id="217" creationId="{E7A7B55A-342A-49E5-BC78-851EEDEDD0BC}"/>
-          </ac:spMkLst>
-        </pc:spChg>
-        <pc:spChg chg="mod topLvl">
-          <ac:chgData name="Fatima Pillosu" userId="a6295d4dc9e22643" providerId="LiveId" clId="{4D741DE7-9BEB-4B85-A3B3-25E7C1189B63}" dt="2022-06-07T10:46:53.874" v="0" actId="165"/>
-          <ac:spMkLst>
-            <pc:docMk/>
-            <pc:sldMk cId="3799277682" sldId="257"/>
-            <ac:spMk id="218" creationId="{EB701E82-7422-442B-AB98-CB1DC6B3014E}"/>
-          </ac:spMkLst>
-        </pc:spChg>
-        <pc:spChg chg="mod topLvl">
-          <ac:chgData name="Fatima Pillosu" userId="a6295d4dc9e22643" providerId="LiveId" clId="{4D741DE7-9BEB-4B85-A3B3-25E7C1189B63}" dt="2022-06-07T10:47:28.268" v="4" actId="255"/>
-          <ac:spMkLst>
-            <pc:docMk/>
-            <pc:sldMk cId="3799277682" sldId="257"/>
-            <ac:spMk id="219" creationId="{1BDE16C1-EA00-4492-8274-0E8E1431C785}"/>
-          </ac:spMkLst>
-        </pc:spChg>
-        <pc:spChg chg="mod topLvl">
-          <ac:chgData name="Fatima Pillosu" userId="a6295d4dc9e22643" providerId="LiveId" clId="{4D741DE7-9BEB-4B85-A3B3-25E7C1189B63}" dt="2022-06-07T10:46:53.874" v="0" actId="165"/>
-          <ac:spMkLst>
-            <pc:docMk/>
-            <pc:sldMk cId="3799277682" sldId="257"/>
-            <ac:spMk id="220" creationId="{20316B05-E1B0-45E8-9CED-EBA7E50D97C5}"/>
-          </ac:spMkLst>
-        </pc:spChg>
-        <pc:spChg chg="mod">
-          <ac:chgData name="Fatima Pillosu" userId="a6295d4dc9e22643" providerId="LiveId" clId="{4D741DE7-9BEB-4B85-A3B3-25E7C1189B63}" dt="2022-06-07T10:46:53.874" v="0" actId="165"/>
-          <ac:spMkLst>
-            <pc:docMk/>
-            <pc:sldMk cId="3799277682" sldId="257"/>
-            <ac:spMk id="222" creationId="{FA5D4ADE-19D1-415A-BFF4-7F32E0A30F76}"/>
-          </ac:spMkLst>
-        </pc:spChg>
-        <pc:spChg chg="mod">
-          <ac:chgData name="Fatima Pillosu" userId="a6295d4dc9e22643" providerId="LiveId" clId="{4D741DE7-9BEB-4B85-A3B3-25E7C1189B63}" dt="2022-06-07T10:46:53.874" v="0" actId="165"/>
-          <ac:spMkLst>
-            <pc:docMk/>
-            <pc:sldMk cId="3799277682" sldId="257"/>
-            <ac:spMk id="223" creationId="{D3F44C70-0A1D-4151-B5A4-F93331386FEF}"/>
-          </ac:spMkLst>
-        </pc:spChg>
-        <pc:spChg chg="mod">
-          <ac:chgData name="Fatima Pillosu" userId="a6295d4dc9e22643" providerId="LiveId" clId="{4D741DE7-9BEB-4B85-A3B3-25E7C1189B63}" dt="2022-06-07T10:46:53.874" v="0" actId="165"/>
-          <ac:spMkLst>
-            <pc:docMk/>
-            <pc:sldMk cId="3799277682" sldId="257"/>
-            <ac:spMk id="224" creationId="{57302CF9-2020-43E9-BFA8-0AFC9FA1BA15}"/>
-          </ac:spMkLst>
-        </pc:spChg>
-        <pc:spChg chg="mod">
-          <ac:chgData name="Fatima Pillosu" userId="a6295d4dc9e22643" providerId="LiveId" clId="{4D741DE7-9BEB-4B85-A3B3-25E7C1189B63}" dt="2022-06-07T10:46:53.874" v="0" actId="165"/>
-          <ac:spMkLst>
-            <pc:docMk/>
-            <pc:sldMk cId="3799277682" sldId="257"/>
-            <ac:spMk id="225" creationId="{6887CF0C-BB5F-4719-B5AE-8A5F753733CD}"/>
-          </ac:spMkLst>
-        </pc:spChg>
-        <pc:spChg chg="mod">
-          <ac:chgData name="Fatima Pillosu" userId="a6295d4dc9e22643" providerId="LiveId" clId="{4D741DE7-9BEB-4B85-A3B3-25E7C1189B63}" dt="2022-06-07T10:46:53.874" v="0" actId="165"/>
-          <ac:spMkLst>
-            <pc:docMk/>
-            <pc:sldMk cId="3799277682" sldId="257"/>
-            <ac:spMk id="226" creationId="{CFFC4630-967F-4104-89A9-F630FDB76B6E}"/>
-          </ac:spMkLst>
-        </pc:spChg>
-        <pc:spChg chg="mod">
-          <ac:chgData name="Fatima Pillosu" userId="a6295d4dc9e22643" providerId="LiveId" clId="{4D741DE7-9BEB-4B85-A3B3-25E7C1189B63}" dt="2022-06-07T10:46:53.874" v="0" actId="165"/>
-          <ac:spMkLst>
-            <pc:docMk/>
-            <pc:sldMk cId="3799277682" sldId="257"/>
-            <ac:spMk id="227" creationId="{0295C434-527B-4353-8CDB-6D8CE6363E97}"/>
-          </ac:spMkLst>
-        </pc:spChg>
-        <pc:spChg chg="mod">
-          <ac:chgData name="Fatima Pillosu" userId="a6295d4dc9e22643" providerId="LiveId" clId="{4D741DE7-9BEB-4B85-A3B3-25E7C1189B63}" dt="2022-06-07T10:46:53.874" v="0" actId="165"/>
-          <ac:spMkLst>
-            <pc:docMk/>
-            <pc:sldMk cId="3799277682" sldId="257"/>
-            <ac:spMk id="228" creationId="{5349082E-00FB-48AF-A445-2B81D51E7764}"/>
-          </ac:spMkLst>
-        </pc:spChg>
-        <pc:spChg chg="mod">
-          <ac:chgData name="Fatima Pillosu" userId="a6295d4dc9e22643" providerId="LiveId" clId="{4D741DE7-9BEB-4B85-A3B3-25E7C1189B63}" dt="2022-06-07T10:46:53.874" v="0" actId="165"/>
-          <ac:spMkLst>
-            <pc:docMk/>
-            <pc:sldMk cId="3799277682" sldId="257"/>
-            <ac:spMk id="229" creationId="{296C9E54-D41F-4866-B943-6C27979931F3}"/>
-          </ac:spMkLst>
-        </pc:spChg>
-        <pc:spChg chg="mod">
-          <ac:chgData name="Fatima Pillosu" userId="a6295d4dc9e22643" providerId="LiveId" clId="{4D741DE7-9BEB-4B85-A3B3-25E7C1189B63}" dt="2022-06-07T10:46:53.874" v="0" actId="165"/>
-          <ac:spMkLst>
-            <pc:docMk/>
-            <pc:sldMk cId="3799277682" sldId="257"/>
-            <ac:spMk id="230" creationId="{5C5F7E5C-40D0-4404-AF79-EA2FE5BF9D29}"/>
-          </ac:spMkLst>
-        </pc:spChg>
-        <pc:spChg chg="mod">
-          <ac:chgData name="Fatima Pillosu" userId="a6295d4dc9e22643" providerId="LiveId" clId="{4D741DE7-9BEB-4B85-A3B3-25E7C1189B63}" dt="2022-06-07T10:46:53.874" v="0" actId="165"/>
-          <ac:spMkLst>
-            <pc:docMk/>
-            <pc:sldMk cId="3799277682" sldId="257"/>
-            <ac:spMk id="231" creationId="{63EC534E-F923-4622-9FF7-0E86BB901474}"/>
-          </ac:spMkLst>
-        </pc:spChg>
-        <pc:spChg chg="mod">
-          <ac:chgData name="Fatima Pillosu" userId="a6295d4dc9e22643" providerId="LiveId" clId="{4D741DE7-9BEB-4B85-A3B3-25E7C1189B63}" dt="2022-06-07T10:46:53.874" v="0" actId="165"/>
-          <ac:spMkLst>
-            <pc:docMk/>
-            <pc:sldMk cId="3799277682" sldId="257"/>
-            <ac:spMk id="232" creationId="{9E313F42-5E49-469A-A948-7A0F0CF048E0}"/>
-          </ac:spMkLst>
-        </pc:spChg>
-        <pc:spChg chg="mod">
-          <ac:chgData name="Fatima Pillosu" userId="a6295d4dc9e22643" providerId="LiveId" clId="{4D741DE7-9BEB-4B85-A3B3-25E7C1189B63}" dt="2022-06-07T10:46:53.874" v="0" actId="165"/>
-          <ac:spMkLst>
-            <pc:docMk/>
-            <pc:sldMk cId="3799277682" sldId="257"/>
-            <ac:spMk id="233" creationId="{74AD475F-7786-49F6-9E62-AE6CE8B5626E}"/>
-          </ac:spMkLst>
-        </pc:spChg>
-        <pc:spChg chg="mod">
-          <ac:chgData name="Fatima Pillosu" userId="a6295d4dc9e22643" providerId="LiveId" clId="{4D741DE7-9BEB-4B85-A3B3-25E7C1189B63}" dt="2022-06-07T10:46:53.874" v="0" actId="165"/>
-          <ac:spMkLst>
-            <pc:docMk/>
-            <pc:sldMk cId="3799277682" sldId="257"/>
-            <ac:spMk id="234" creationId="{1627617A-600F-4F7A-BAB6-B7CDB86FF983}"/>
-          </ac:spMkLst>
-        </pc:spChg>
-        <pc:spChg chg="mod">
-          <ac:chgData name="Fatima Pillosu" userId="a6295d4dc9e22643" providerId="LiveId" clId="{4D741DE7-9BEB-4B85-A3B3-25E7C1189B63}" dt="2022-06-07T10:46:53.874" v="0" actId="165"/>
-          <ac:spMkLst>
-            <pc:docMk/>
-            <pc:sldMk cId="3799277682" sldId="257"/>
-            <ac:spMk id="235" creationId="{C5A772C7-BD7B-4F33-A8C5-7AFD50CFBEED}"/>
-          </ac:spMkLst>
-        </pc:spChg>
-        <pc:spChg chg="mod">
-          <ac:chgData name="Fatima Pillosu" userId="a6295d4dc9e22643" providerId="LiveId" clId="{4D741DE7-9BEB-4B85-A3B3-25E7C1189B63}" dt="2022-06-07T10:46:53.874" v="0" actId="165"/>
-          <ac:spMkLst>
-            <pc:docMk/>
-            <pc:sldMk cId="3799277682" sldId="257"/>
-            <ac:spMk id="236" creationId="{2753D96C-C548-4F6B-9FEF-E3671AD7DF4D}"/>
-          </ac:spMkLst>
-        </pc:spChg>
-        <pc:spChg chg="mod">
-          <ac:chgData name="Fatima Pillosu" userId="a6295d4dc9e22643" providerId="LiveId" clId="{4D741DE7-9BEB-4B85-A3B3-25E7C1189B63}" dt="2022-06-07T10:46:53.874" v="0" actId="165"/>
-          <ac:spMkLst>
-            <pc:docMk/>
-            <pc:sldMk cId="3799277682" sldId="257"/>
-            <ac:spMk id="237" creationId="{351D3152-4B07-403F-AB18-15453C394568}"/>
-          </ac:spMkLst>
-        </pc:spChg>
-        <pc:spChg chg="mod">
-          <ac:chgData name="Fatima Pillosu" userId="a6295d4dc9e22643" providerId="LiveId" clId="{4D741DE7-9BEB-4B85-A3B3-25E7C1189B63}" dt="2022-06-07T10:46:53.874" v="0" actId="165"/>
-          <ac:spMkLst>
-            <pc:docMk/>
-            <pc:sldMk cId="3799277682" sldId="257"/>
-            <ac:spMk id="238" creationId="{E513ECF2-B1B0-4717-88AD-F47013290A09}"/>
-          </ac:spMkLst>
-        </pc:spChg>
-        <pc:spChg chg="mod">
-          <ac:chgData name="Fatima Pillosu" userId="a6295d4dc9e22643" providerId="LiveId" clId="{4D741DE7-9BEB-4B85-A3B3-25E7C1189B63}" dt="2022-06-07T10:46:53.874" v="0" actId="165"/>
-          <ac:spMkLst>
-            <pc:docMk/>
-            <pc:sldMk cId="3799277682" sldId="257"/>
-            <ac:spMk id="239" creationId="{3F1FE446-17CF-46EE-8429-1A5638B6F722}"/>
-          </ac:spMkLst>
-        </pc:spChg>
-        <pc:spChg chg="mod">
-          <ac:chgData name="Fatima Pillosu" userId="a6295d4dc9e22643" providerId="LiveId" clId="{4D741DE7-9BEB-4B85-A3B3-25E7C1189B63}" dt="2022-06-07T10:46:53.874" v="0" actId="165"/>
-          <ac:spMkLst>
-            <pc:docMk/>
-            <pc:sldMk cId="3799277682" sldId="257"/>
-            <ac:spMk id="240" creationId="{566D3A46-294E-4EE1-B817-42801BD3AF22}"/>
-          </ac:spMkLst>
-        </pc:spChg>
-        <pc:spChg chg="mod">
-          <ac:chgData name="Fatima Pillosu" userId="a6295d4dc9e22643" providerId="LiveId" clId="{4D741DE7-9BEB-4B85-A3B3-25E7C1189B63}" dt="2022-06-07T10:46:53.874" v="0" actId="165"/>
-          <ac:spMkLst>
-            <pc:docMk/>
-            <pc:sldMk cId="3799277682" sldId="257"/>
-            <ac:spMk id="241" creationId="{8F63F9D6-66A3-4A36-9C6F-7971C5E18357}"/>
-          </ac:spMkLst>
-        </pc:spChg>
-        <pc:spChg chg="mod">
-          <ac:chgData name="Fatima Pillosu" userId="a6295d4dc9e22643" providerId="LiveId" clId="{4D741DE7-9BEB-4B85-A3B3-25E7C1189B63}" dt="2022-06-07T10:46:53.874" v="0" actId="165"/>
-          <ac:spMkLst>
-            <pc:docMk/>
-            <pc:sldMk cId="3799277682" sldId="257"/>
-            <ac:spMk id="242" creationId="{201251B4-7C06-42E4-A62E-253B03FE3984}"/>
-          </ac:spMkLst>
-        </pc:spChg>
-        <pc:spChg chg="mod">
-          <ac:chgData name="Fatima Pillosu" userId="a6295d4dc9e22643" providerId="LiveId" clId="{4D741DE7-9BEB-4B85-A3B3-25E7C1189B63}" dt="2022-06-07T10:46:53.874" v="0" actId="165"/>
-          <ac:spMkLst>
-            <pc:docMk/>
-            <pc:sldMk cId="3799277682" sldId="257"/>
-            <ac:spMk id="243" creationId="{E802D561-41B4-471D-85A5-933FE50FC47E}"/>
-          </ac:spMkLst>
-        </pc:spChg>
-        <pc:spChg chg="mod">
-          <ac:chgData name="Fatima Pillosu" userId="a6295d4dc9e22643" providerId="LiveId" clId="{4D741DE7-9BEB-4B85-A3B3-25E7C1189B63}" dt="2022-06-07T10:46:53.874" v="0" actId="165"/>
-          <ac:spMkLst>
-            <pc:docMk/>
-            <pc:sldMk cId="3799277682" sldId="257"/>
-            <ac:spMk id="244" creationId="{07C784B3-AB3E-473A-9FB9-E21961807D25}"/>
-          </ac:spMkLst>
-        </pc:spChg>
-        <pc:spChg chg="mod">
-          <ac:chgData name="Fatima Pillosu" userId="a6295d4dc9e22643" providerId="LiveId" clId="{4D741DE7-9BEB-4B85-A3B3-25E7C1189B63}" dt="2022-06-07T10:46:53.874" v="0" actId="165"/>
-          <ac:spMkLst>
-            <pc:docMk/>
-            <pc:sldMk cId="3799277682" sldId="257"/>
-            <ac:spMk id="245" creationId="{824D9C1F-D9EE-4DF1-AF60-10129CC8BAF2}"/>
-          </ac:spMkLst>
-        </pc:spChg>
-        <pc:spChg chg="mod">
-          <ac:chgData name="Fatima Pillosu" userId="a6295d4dc9e22643" providerId="LiveId" clId="{4D741DE7-9BEB-4B85-A3B3-25E7C1189B63}" dt="2022-06-07T10:46:53.874" v="0" actId="165"/>
-          <ac:spMkLst>
-            <pc:docMk/>
-            <pc:sldMk cId="3799277682" sldId="257"/>
-            <ac:spMk id="246" creationId="{E480BB1F-BA13-461B-A8C7-13AFC5B59CD8}"/>
-          </ac:spMkLst>
-        </pc:spChg>
-        <pc:spChg chg="mod">
-          <ac:chgData name="Fatima Pillosu" userId="a6295d4dc9e22643" providerId="LiveId" clId="{4D741DE7-9BEB-4B85-A3B3-25E7C1189B63}" dt="2022-06-07T10:46:53.874" v="0" actId="165"/>
-          <ac:spMkLst>
-            <pc:docMk/>
-            <pc:sldMk cId="3799277682" sldId="257"/>
-            <ac:spMk id="247" creationId="{287DA8F9-ABA4-4286-8036-64D53844F9F3}"/>
-          </ac:spMkLst>
-        </pc:spChg>
-        <pc:spChg chg="mod">
-          <ac:chgData name="Fatima Pillosu" userId="a6295d4dc9e22643" providerId="LiveId" clId="{4D741DE7-9BEB-4B85-A3B3-25E7C1189B63}" dt="2022-06-07T10:46:53.874" v="0" actId="165"/>
-          <ac:spMkLst>
-            <pc:docMk/>
-            <pc:sldMk cId="3799277682" sldId="257"/>
-            <ac:spMk id="248" creationId="{0D48C767-FDAF-467B-8268-F4A8966041C4}"/>
-          </ac:spMkLst>
-        </pc:spChg>
-        <pc:spChg chg="mod">
-          <ac:chgData name="Fatima Pillosu" userId="a6295d4dc9e22643" providerId="LiveId" clId="{4D741DE7-9BEB-4B85-A3B3-25E7C1189B63}" dt="2022-06-07T10:46:53.874" v="0" actId="165"/>
-          <ac:spMkLst>
-            <pc:docMk/>
-            <pc:sldMk cId="3799277682" sldId="257"/>
-            <ac:spMk id="249" creationId="{882D3E31-1579-48DB-9AC8-1C207822207C}"/>
-          </ac:spMkLst>
-        </pc:spChg>
-        <pc:spChg chg="mod">
-          <ac:chgData name="Fatima Pillosu" userId="a6295d4dc9e22643" providerId="LiveId" clId="{4D741DE7-9BEB-4B85-A3B3-25E7C1189B63}" dt="2022-06-07T10:46:53.874" v="0" actId="165"/>
-          <ac:spMkLst>
-            <pc:docMk/>
-            <pc:sldMk cId="3799277682" sldId="257"/>
-            <ac:spMk id="250" creationId="{AA53A63A-4527-4F93-835F-59103D082DD9}"/>
-          </ac:spMkLst>
-        </pc:spChg>
-        <pc:spChg chg="mod">
-          <ac:chgData name="Fatima Pillosu" userId="a6295d4dc9e22643" providerId="LiveId" clId="{4D741DE7-9BEB-4B85-A3B3-25E7C1189B63}" dt="2022-06-07T10:46:53.874" v="0" actId="165"/>
-          <ac:spMkLst>
-            <pc:docMk/>
-            <pc:sldMk cId="3799277682" sldId="257"/>
-            <ac:spMk id="251" creationId="{3E3616AF-3D42-45D3-9FF5-566A874A0276}"/>
-          </ac:spMkLst>
-        </pc:spChg>
-        <pc:spChg chg="mod">
-          <ac:chgData name="Fatima Pillosu" userId="a6295d4dc9e22643" providerId="LiveId" clId="{4D741DE7-9BEB-4B85-A3B3-25E7C1189B63}" dt="2022-06-07T10:46:53.874" v="0" actId="165"/>
-          <ac:spMkLst>
-            <pc:docMk/>
-            <pc:sldMk cId="3799277682" sldId="257"/>
-            <ac:spMk id="252" creationId="{51DAC668-8AB1-4901-A419-D6ACE3879328}"/>
-          </ac:spMkLst>
-        </pc:spChg>
-        <pc:spChg chg="mod">
-          <ac:chgData name="Fatima Pillosu" userId="a6295d4dc9e22643" providerId="LiveId" clId="{4D741DE7-9BEB-4B85-A3B3-25E7C1189B63}" dt="2022-06-07T10:47:28.268" v="4" actId="255"/>
-          <ac:spMkLst>
-            <pc:docMk/>
-            <pc:sldMk cId="3799277682" sldId="257"/>
-            <ac:spMk id="263" creationId="{493B59B2-74D3-4983-B76D-83766755FB45}"/>
-          </ac:spMkLst>
-        </pc:spChg>
-        <pc:spChg chg="mod">
-          <ac:chgData name="Fatima Pillosu" userId="a6295d4dc9e22643" providerId="LiveId" clId="{4D741DE7-9BEB-4B85-A3B3-25E7C1189B63}" dt="2022-06-07T10:47:28.268" v="4" actId="255"/>
-          <ac:spMkLst>
-            <pc:docMk/>
-            <pc:sldMk cId="3799277682" sldId="257"/>
-            <ac:spMk id="264" creationId="{2AA2DE8F-4B17-4C50-AD57-3C1A3825150C}"/>
-          </ac:spMkLst>
-        </pc:spChg>
-        <pc:grpChg chg="del">
-          <ac:chgData name="Fatima Pillosu" userId="a6295d4dc9e22643" providerId="LiveId" clId="{4D741DE7-9BEB-4B85-A3B3-25E7C1189B63}" dt="2022-06-07T10:46:53.874" v="0" actId="165"/>
-          <ac:grpSpMkLst>
-            <pc:docMk/>
-            <pc:sldMk cId="3799277682" sldId="257"/>
-            <ac:grpSpMk id="194" creationId="{A391E7FA-8E14-461A-B0D7-1737D535B1C5}"/>
-          </ac:grpSpMkLst>
-        </pc:grpChg>
-        <pc:grpChg chg="mod topLvl">
-          <ac:chgData name="Fatima Pillosu" userId="a6295d4dc9e22643" providerId="LiveId" clId="{4D741DE7-9BEB-4B85-A3B3-25E7C1189B63}" dt="2022-06-07T10:46:53.874" v="0" actId="165"/>
-          <ac:grpSpMkLst>
-            <pc:docMk/>
-            <pc:sldMk cId="3799277682" sldId="257"/>
-            <ac:grpSpMk id="195" creationId="{38C30CC2-162F-43F1-AAE7-B0E722025136}"/>
-          </ac:grpSpMkLst>
-        </pc:grpChg>
-        <pc:picChg chg="mod topLvl">
-          <ac:chgData name="Fatima Pillosu" userId="a6295d4dc9e22643" providerId="LiveId" clId="{4D741DE7-9BEB-4B85-A3B3-25E7C1189B63}" dt="2022-06-07T10:46:53.874" v="0" actId="165"/>
-          <ac:picMkLst>
-            <pc:docMk/>
-            <pc:sldMk cId="3799277682" sldId="257"/>
-            <ac:picMk id="196" creationId="{B58C8CEE-863D-4AF5-944A-06815392DD64}"/>
-          </ac:picMkLst>
-        </pc:picChg>
       </pc:sldChg>
     </pc:docChg>
   </pc:docChgLst>
@@ -3268,7 +4196,6 @@
               <a:rPr lang="en-US"/>
               <a:t>Click to edit Master title style</a:t>
             </a:r>
-            <a:endParaRPr lang="en-US" dirty="0"/>
           </a:p>
         </p:txBody>
       </p:sp>
@@ -3333,7 +4260,6 @@
               <a:rPr lang="en-US"/>
               <a:t>Click to edit Master subtitle style</a:t>
             </a:r>
-            <a:endParaRPr lang="en-US" dirty="0"/>
           </a:p>
         </p:txBody>
       </p:sp>
@@ -3354,7 +4280,7 @@
           <a:p>
             <a:fld id="{26A39A61-950A-4477-905B-88756D808483}" type="datetimeFigureOut">
               <a:rPr lang="en-GB" smtClean="0"/>
-              <a:t>13/06/2023</a:t>
+              <a:t>10/10/2023</a:t>
             </a:fld>
             <a:endParaRPr lang="en-GB"/>
           </a:p>
@@ -3396,7 +4322,7 @@
           <a:p>
             <a:fld id="{A95C78C9-2F07-4F40-BCA4-B284C4058E5B}" type="slidenum">
               <a:rPr lang="en-GB" smtClean="0"/>
-              <a:t>‹N›</a:t>
+              <a:t>‹#›</a:t>
             </a:fld>
             <a:endParaRPr lang="en-GB"/>
           </a:p>
@@ -3451,7 +4377,6 @@
               <a:rPr lang="en-US"/>
               <a:t>Click to edit Master title style</a:t>
             </a:r>
-            <a:endParaRPr lang="en-US" dirty="0"/>
           </a:p>
         </p:txBody>
       </p:sp>
@@ -3503,7 +4428,6 @@
               <a:rPr lang="en-US"/>
               <a:t>Fifth level</a:t>
             </a:r>
-            <a:endParaRPr lang="en-US" dirty="0"/>
           </a:p>
         </p:txBody>
       </p:sp>
@@ -3524,7 +4448,7 @@
           <a:p>
             <a:fld id="{26A39A61-950A-4477-905B-88756D808483}" type="datetimeFigureOut">
               <a:rPr lang="en-GB" smtClean="0"/>
-              <a:t>13/06/2023</a:t>
+              <a:t>10/10/2023</a:t>
             </a:fld>
             <a:endParaRPr lang="en-GB"/>
           </a:p>
@@ -3566,7 +4490,7 @@
           <a:p>
             <a:fld id="{A95C78C9-2F07-4F40-BCA4-B284C4058E5B}" type="slidenum">
               <a:rPr lang="en-GB" smtClean="0"/>
-              <a:t>‹N›</a:t>
+              <a:t>‹#›</a:t>
             </a:fld>
             <a:endParaRPr lang="en-GB"/>
           </a:p>
@@ -3626,7 +4550,6 @@
               <a:rPr lang="en-US"/>
               <a:t>Click to edit Master title style</a:t>
             </a:r>
-            <a:endParaRPr lang="en-US" dirty="0"/>
           </a:p>
         </p:txBody>
       </p:sp>
@@ -3683,7 +4606,6 @@
               <a:rPr lang="en-US"/>
               <a:t>Fifth level</a:t>
             </a:r>
-            <a:endParaRPr lang="en-US" dirty="0"/>
           </a:p>
         </p:txBody>
       </p:sp>
@@ -3704,7 +4626,7 @@
           <a:p>
             <a:fld id="{26A39A61-950A-4477-905B-88756D808483}" type="datetimeFigureOut">
               <a:rPr lang="en-GB" smtClean="0"/>
-              <a:t>13/06/2023</a:t>
+              <a:t>10/10/2023</a:t>
             </a:fld>
             <a:endParaRPr lang="en-GB"/>
           </a:p>
@@ -3746,7 +4668,7 @@
           <a:p>
             <a:fld id="{A95C78C9-2F07-4F40-BCA4-B284C4058E5B}" type="slidenum">
               <a:rPr lang="en-GB" smtClean="0"/>
-              <a:t>‹N›</a:t>
+              <a:t>‹#›</a:t>
             </a:fld>
             <a:endParaRPr lang="en-GB"/>
           </a:p>
@@ -3801,7 +4723,6 @@
               <a:rPr lang="en-US"/>
               <a:t>Click to edit Master title style</a:t>
             </a:r>
-            <a:endParaRPr lang="en-US" dirty="0"/>
           </a:p>
         </p:txBody>
       </p:sp>
@@ -3853,7 +4774,6 @@
               <a:rPr lang="en-US"/>
               <a:t>Fifth level</a:t>
             </a:r>
-            <a:endParaRPr lang="en-US" dirty="0"/>
           </a:p>
         </p:txBody>
       </p:sp>
@@ -3874,7 +4794,7 @@
           <a:p>
             <a:fld id="{26A39A61-950A-4477-905B-88756D808483}" type="datetimeFigureOut">
               <a:rPr lang="en-GB" smtClean="0"/>
-              <a:t>13/06/2023</a:t>
+              <a:t>10/10/2023</a:t>
             </a:fld>
             <a:endParaRPr lang="en-GB"/>
           </a:p>
@@ -3916,7 +4836,7 @@
           <a:p>
             <a:fld id="{A95C78C9-2F07-4F40-BCA4-B284C4058E5B}" type="slidenum">
               <a:rPr lang="en-GB" smtClean="0"/>
-              <a:t>‹N›</a:t>
+              <a:t>‹#›</a:t>
             </a:fld>
             <a:endParaRPr lang="en-GB"/>
           </a:p>
@@ -3980,7 +4900,6 @@
               <a:rPr lang="en-US"/>
               <a:t>Click to edit Master title style</a:t>
             </a:r>
-            <a:endParaRPr lang="en-US" dirty="0"/>
           </a:p>
         </p:txBody>
       </p:sp>
@@ -4118,7 +5037,7 @@
           <a:p>
             <a:fld id="{26A39A61-950A-4477-905B-88756D808483}" type="datetimeFigureOut">
               <a:rPr lang="en-GB" smtClean="0"/>
-              <a:t>13/06/2023</a:t>
+              <a:t>10/10/2023</a:t>
             </a:fld>
             <a:endParaRPr lang="en-GB"/>
           </a:p>
@@ -4160,7 +5079,7 @@
           <a:p>
             <a:fld id="{A95C78C9-2F07-4F40-BCA4-B284C4058E5B}" type="slidenum">
               <a:rPr lang="en-GB" smtClean="0"/>
-              <a:t>‹N›</a:t>
+              <a:t>‹#›</a:t>
             </a:fld>
             <a:endParaRPr lang="en-GB"/>
           </a:p>
@@ -4215,7 +5134,6 @@
               <a:rPr lang="en-US"/>
               <a:t>Click to edit Master title style</a:t>
             </a:r>
-            <a:endParaRPr lang="en-US" dirty="0"/>
           </a:p>
         </p:txBody>
       </p:sp>
@@ -4272,7 +5190,6 @@
               <a:rPr lang="en-US"/>
               <a:t>Fifth level</a:t>
             </a:r>
-            <a:endParaRPr lang="en-US" dirty="0"/>
           </a:p>
         </p:txBody>
       </p:sp>
@@ -4329,7 +5246,6 @@
               <a:rPr lang="en-US"/>
               <a:t>Fifth level</a:t>
             </a:r>
-            <a:endParaRPr lang="en-US" dirty="0"/>
           </a:p>
         </p:txBody>
       </p:sp>
@@ -4350,7 +5266,7 @@
           <a:p>
             <a:fld id="{26A39A61-950A-4477-905B-88756D808483}" type="datetimeFigureOut">
               <a:rPr lang="en-GB" smtClean="0"/>
-              <a:t>13/06/2023</a:t>
+              <a:t>10/10/2023</a:t>
             </a:fld>
             <a:endParaRPr lang="en-GB"/>
           </a:p>
@@ -4392,7 +5308,7 @@
           <a:p>
             <a:fld id="{A95C78C9-2F07-4F40-BCA4-B284C4058E5B}" type="slidenum">
               <a:rPr lang="en-GB" smtClean="0"/>
-              <a:t>‹N›</a:t>
+              <a:t>‹#›</a:t>
             </a:fld>
             <a:endParaRPr lang="en-GB"/>
           </a:p>
@@ -4452,7 +5368,6 @@
               <a:rPr lang="en-US"/>
               <a:t>Click to edit Master title style</a:t>
             </a:r>
-            <a:endParaRPr lang="en-US" dirty="0"/>
           </a:p>
         </p:txBody>
       </p:sp>
@@ -4574,7 +5489,6 @@
               <a:rPr lang="en-US"/>
               <a:t>Fifth level</a:t>
             </a:r>
-            <a:endParaRPr lang="en-US" dirty="0"/>
           </a:p>
         </p:txBody>
       </p:sp>
@@ -4696,7 +5610,6 @@
               <a:rPr lang="en-US"/>
               <a:t>Fifth level</a:t>
             </a:r>
-            <a:endParaRPr lang="en-US" dirty="0"/>
           </a:p>
         </p:txBody>
       </p:sp>
@@ -4717,7 +5630,7 @@
           <a:p>
             <a:fld id="{26A39A61-950A-4477-905B-88756D808483}" type="datetimeFigureOut">
               <a:rPr lang="en-GB" smtClean="0"/>
-              <a:t>13/06/2023</a:t>
+              <a:t>10/10/2023</a:t>
             </a:fld>
             <a:endParaRPr lang="en-GB"/>
           </a:p>
@@ -4759,7 +5672,7 @@
           <a:p>
             <a:fld id="{A95C78C9-2F07-4F40-BCA4-B284C4058E5B}" type="slidenum">
               <a:rPr lang="en-GB" smtClean="0"/>
-              <a:t>‹N›</a:t>
+              <a:t>‹#›</a:t>
             </a:fld>
             <a:endParaRPr lang="en-GB"/>
           </a:p>
@@ -4814,7 +5727,6 @@
               <a:rPr lang="en-US"/>
               <a:t>Click to edit Master title style</a:t>
             </a:r>
-            <a:endParaRPr lang="en-US" dirty="0"/>
           </a:p>
         </p:txBody>
       </p:sp>
@@ -4835,7 +5747,7 @@
           <a:p>
             <a:fld id="{26A39A61-950A-4477-905B-88756D808483}" type="datetimeFigureOut">
               <a:rPr lang="en-GB" smtClean="0"/>
-              <a:t>13/06/2023</a:t>
+              <a:t>10/10/2023</a:t>
             </a:fld>
             <a:endParaRPr lang="en-GB"/>
           </a:p>
@@ -4877,7 +5789,7 @@
           <a:p>
             <a:fld id="{A95C78C9-2F07-4F40-BCA4-B284C4058E5B}" type="slidenum">
               <a:rPr lang="en-GB" smtClean="0"/>
-              <a:t>‹N›</a:t>
+              <a:t>‹#›</a:t>
             </a:fld>
             <a:endParaRPr lang="en-GB"/>
           </a:p>
@@ -4930,7 +5842,7 @@
           <a:p>
             <a:fld id="{26A39A61-950A-4477-905B-88756D808483}" type="datetimeFigureOut">
               <a:rPr lang="en-GB" smtClean="0"/>
-              <a:t>13/06/2023</a:t>
+              <a:t>10/10/2023</a:t>
             </a:fld>
             <a:endParaRPr lang="en-GB"/>
           </a:p>
@@ -4972,7 +5884,7 @@
           <a:p>
             <a:fld id="{A95C78C9-2F07-4F40-BCA4-B284C4058E5B}" type="slidenum">
               <a:rPr lang="en-GB" smtClean="0"/>
-              <a:t>‹N›</a:t>
+              <a:t>‹#›</a:t>
             </a:fld>
             <a:endParaRPr lang="en-GB"/>
           </a:p>
@@ -5036,7 +5948,6 @@
               <a:rPr lang="en-US"/>
               <a:t>Click to edit Master title style</a:t>
             </a:r>
-            <a:endParaRPr lang="en-US" dirty="0"/>
           </a:p>
         </p:txBody>
       </p:sp>
@@ -5121,7 +6032,6 @@
               <a:rPr lang="en-US"/>
               <a:t>Fifth level</a:t>
             </a:r>
-            <a:endParaRPr lang="en-US" dirty="0"/>
           </a:p>
         </p:txBody>
       </p:sp>
@@ -5207,7 +6117,7 @@
           <a:p>
             <a:fld id="{26A39A61-950A-4477-905B-88756D808483}" type="datetimeFigureOut">
               <a:rPr lang="en-GB" smtClean="0"/>
-              <a:t>13/06/2023</a:t>
+              <a:t>10/10/2023</a:t>
             </a:fld>
             <a:endParaRPr lang="en-GB"/>
           </a:p>
@@ -5249,7 +6159,7 @@
           <a:p>
             <a:fld id="{A95C78C9-2F07-4F40-BCA4-B284C4058E5B}" type="slidenum">
               <a:rPr lang="en-GB" smtClean="0"/>
-              <a:t>‹N›</a:t>
+              <a:t>‹#›</a:t>
             </a:fld>
             <a:endParaRPr lang="en-GB"/>
           </a:p>
@@ -5313,7 +6223,6 @@
               <a:rPr lang="en-US"/>
               <a:t>Click to edit Master title style</a:t>
             </a:r>
-            <a:endParaRPr lang="en-US" dirty="0"/>
           </a:p>
         </p:txBody>
       </p:sp>
@@ -5378,7 +6287,6 @@
               <a:rPr lang="en-US"/>
               <a:t>Click icon to add picture</a:t>
             </a:r>
-            <a:endParaRPr lang="en-US" dirty="0"/>
           </a:p>
         </p:txBody>
       </p:sp>
@@ -5464,7 +6372,7 @@
           <a:p>
             <a:fld id="{26A39A61-950A-4477-905B-88756D808483}" type="datetimeFigureOut">
               <a:rPr lang="en-GB" smtClean="0"/>
-              <a:t>13/06/2023</a:t>
+              <a:t>10/10/2023</a:t>
             </a:fld>
             <a:endParaRPr lang="en-GB"/>
           </a:p>
@@ -5506,7 +6414,7 @@
           <a:p>
             <a:fld id="{A95C78C9-2F07-4F40-BCA4-B284C4058E5B}" type="slidenum">
               <a:rPr lang="en-GB" smtClean="0"/>
-              <a:t>‹N›</a:t>
+              <a:t>‹#›</a:t>
             </a:fld>
             <a:endParaRPr lang="en-GB"/>
           </a:p>
@@ -5576,7 +6484,6 @@
               <a:rPr lang="en-US"/>
               <a:t>Click to edit Master title style</a:t>
             </a:r>
-            <a:endParaRPr lang="en-US" dirty="0"/>
           </a:p>
         </p:txBody>
       </p:sp>
@@ -5638,7 +6545,6 @@
               <a:rPr lang="en-US"/>
               <a:t>Fifth level</a:t>
             </a:r>
-            <a:endParaRPr lang="en-US" dirty="0"/>
           </a:p>
         </p:txBody>
       </p:sp>
@@ -5677,7 +6583,7 @@
           <a:p>
             <a:fld id="{26A39A61-950A-4477-905B-88756D808483}" type="datetimeFigureOut">
               <a:rPr lang="en-GB" smtClean="0"/>
-              <a:t>13/06/2023</a:t>
+              <a:t>10/10/2023</a:t>
             </a:fld>
             <a:endParaRPr lang="en-GB"/>
           </a:p>
@@ -5755,7 +6661,7 @@
           <a:p>
             <a:fld id="{A95C78C9-2F07-4F40-BCA4-B284C4058E5B}" type="slidenum">
               <a:rPr lang="en-GB" smtClean="0"/>
-              <a:t>‹N›</a:t>
+              <a:t>‹#›</a:t>
             </a:fld>
             <a:endParaRPr lang="en-GB"/>
           </a:p>
@@ -6082,6 +6988,41 @@
           <a:chExt cx="0" cy="0"/>
         </a:xfrm>
       </p:grpSpPr>
+      <p:pic>
+        <p:nvPicPr>
+          <p:cNvPr id="4" name="Immagine 3" descr="Immagine che contiene diagramma, mappa, testo&#10;&#10;Descrizione generata automaticamente">
+            <a:extLst>
+              <a:ext uri="{FF2B5EF4-FFF2-40B4-BE49-F238E27FC236}">
+                <a16:creationId xmlns:a16="http://schemas.microsoft.com/office/drawing/2014/main" id="{BE7CAF54-156F-2910-BA40-C80C0EB1577E}"/>
+              </a:ext>
+            </a:extLst>
+          </p:cNvPr>
+          <p:cNvPicPr>
+            <a:picLocks noChangeAspect="1"/>
+          </p:cNvPicPr>
+          <p:nvPr/>
+        </p:nvPicPr>
+        <p:blipFill rotWithShape="1">
+          <a:blip r:embed="rId2">
+            <a:extLst>
+              <a:ext uri="{28A0092B-C50C-407E-A947-70E740481C1C}">
+                <a14:useLocalDpi xmlns:a14="http://schemas.microsoft.com/office/drawing/2010/main" val="0"/>
+              </a:ext>
+            </a:extLst>
+          </a:blip>
+          <a:srcRect l="3644" t="16431" r="38978" b="1593"/>
+          <a:stretch/>
+        </p:blipFill>
+        <p:spPr>
+          <a:xfrm>
+            <a:off x="17390" y="5027165"/>
+            <a:ext cx="2419872" cy="2446031"/>
+          </a:xfrm>
+          <a:prstGeom prst="rect">
+            <a:avLst/>
+          </a:prstGeom>
+        </p:spPr>
+      </p:pic>
       <p:grpSp>
         <p:nvGrpSpPr>
           <p:cNvPr id="146" name="Group 145">
@@ -6137,7 +7078,7 @@
               <p:nvPr/>
             </p:nvPicPr>
             <p:blipFill rotWithShape="1">
-              <a:blip r:embed="rId2">
+              <a:blip r:embed="rId3">
                 <a:extLst>
                   <a:ext uri="{28A0092B-C50C-407E-A947-70E740481C1C}">
                     <a14:useLocalDpi xmlns:a14="http://schemas.microsoft.com/office/drawing/2010/main" val="0"/>
@@ -6177,13 +7118,13 @@
               <p:nvPr/>
             </p:nvPicPr>
             <p:blipFill rotWithShape="1">
-              <a:blip r:embed="rId3">
+              <a:blip r:embed="rId4">
                 <a:extLst>
                   <a:ext uri="{28A0092B-C50C-407E-A947-70E740481C1C}">
                     <a14:useLocalDpi xmlns:a14="http://schemas.microsoft.com/office/drawing/2010/main" val="0"/>
                   </a:ext>
                   <a:ext uri="{96DAC541-7B7A-43D3-8B79-37D633B846F1}">
-                    <asvg:svgBlip xmlns:asvg="http://schemas.microsoft.com/office/drawing/2016/SVG/main" r:embed="rId4"/>
+                    <asvg:svgBlip xmlns:asvg="http://schemas.microsoft.com/office/drawing/2016/SVG/main" r:embed="rId5"/>
                   </a:ext>
                 </a:extLst>
               </a:blip>
@@ -6351,7 +7292,7 @@
           <a:lstStyle/>
           <a:p>
             <a:r>
-              <a:rPr lang="en-GB" sz="2000" dirty="0"/>
+              <a:rPr lang="en-GB" sz="2000"/>
               <a:t>Peru</a:t>
             </a:r>
           </a:p>
@@ -6386,7 +7327,7 @@
           <a:lstStyle/>
           <a:p>
             <a:r>
-              <a:rPr lang="en-GB" sz="2000" dirty="0"/>
+              <a:rPr lang="en-GB" sz="2000"/>
               <a:t>Colombia</a:t>
             </a:r>
           </a:p>
@@ -6420,13 +7361,13 @@
           </a:bodyPr>
           <a:lstStyle/>
           <a:p>
-            <a:endParaRPr lang="es-ES" sz="1000" dirty="0"/>
-          </a:p>
-          <a:p>
-            <a:endParaRPr lang="es-ES" sz="1000" dirty="0"/>
-          </a:p>
-          <a:p>
-            <a:endParaRPr lang="en-GB" sz="1000" dirty="0"/>
+            <a:endParaRPr lang="es-ES" sz="1000"/>
+          </a:p>
+          <a:p>
+            <a:endParaRPr lang="es-ES" sz="1000"/>
+          </a:p>
+          <a:p>
+            <a:endParaRPr lang="en-GB" sz="1000"/>
           </a:p>
         </p:txBody>
       </p:sp>
@@ -6450,10 +7391,15 @@
           <a:prstGeom prst="rect">
             <a:avLst/>
           </a:prstGeom>
-          <a:noFill/>
+          <a:solidFill>
+            <a:schemeClr val="bg1"/>
+          </a:solidFill>
           <a:ln w="3175">
             <a:solidFill>
-              <a:schemeClr val="tx1"/>
+              <a:schemeClr val="tx1">
+                <a:lumMod val="75000"/>
+                <a:lumOff val="25000"/>
+              </a:schemeClr>
             </a:solidFill>
           </a:ln>
         </p:spPr>
@@ -6465,10 +7411,24 @@
           <a:p>
             <a:pPr algn="ctr"/>
             <a:r>
-              <a:rPr lang="es-ES" sz="800" dirty="0"/>
+              <a:rPr lang="es-ES" sz="800">
+                <a:solidFill>
+                  <a:schemeClr val="tx1">
+                    <a:lumMod val="75000"/>
+                    <a:lumOff val="25000"/>
+                  </a:schemeClr>
+                </a:solidFill>
+              </a:rPr>
               <a:t>a</a:t>
             </a:r>
-            <a:endParaRPr lang="en-GB" sz="800" dirty="0"/>
+            <a:endParaRPr lang="en-GB" sz="800">
+              <a:solidFill>
+                <a:schemeClr val="tx1">
+                  <a:lumMod val="75000"/>
+                  <a:lumOff val="25000"/>
+                </a:schemeClr>
+              </a:solidFill>
+            </a:endParaRPr>
           </a:p>
         </p:txBody>
       </p:sp>
@@ -6502,7 +7462,7 @@
           <a:p>
             <a:pPr algn="ctr"/>
             <a:r>
-              <a:rPr lang="en-GB" sz="2000" dirty="0"/>
+              <a:rPr lang="en-GB" sz="2000"/>
               <a:t>Pacific Ocean</a:t>
             </a:r>
           </a:p>
@@ -6538,14 +7498,14 @@
           <a:p>
             <a:pPr algn="ctr"/>
             <a:r>
-              <a:rPr lang="es-ES" sz="2400" b="1" dirty="0">
+              <a:rPr lang="es-ES" sz="2400" b="1">
                 <a:solidFill>
                   <a:srgbClr val="FFFF00"/>
                 </a:solidFill>
               </a:rPr>
               <a:t>La Costa</a:t>
             </a:r>
-            <a:endParaRPr lang="en-GB" sz="2400" b="1" dirty="0">
+            <a:endParaRPr lang="en-GB" sz="2400" b="1">
               <a:solidFill>
                 <a:srgbClr val="FFFF00"/>
               </a:solidFill>
@@ -6582,14 +7542,14 @@
           <a:lstStyle/>
           <a:p>
             <a:r>
-              <a:rPr lang="es-ES" sz="2400" b="1" dirty="0">
+              <a:rPr lang="es-ES" sz="2400" b="1">
                 <a:solidFill>
                   <a:srgbClr val="FFFF00"/>
                 </a:solidFill>
               </a:rPr>
               <a:t>La Sierra</a:t>
             </a:r>
-            <a:endParaRPr lang="en-GB" sz="2400" b="1" dirty="0">
+            <a:endParaRPr lang="en-GB" sz="2400" b="1">
               <a:solidFill>
                 <a:srgbClr val="FFFF00"/>
               </a:solidFill>
@@ -6626,14 +7586,14 @@
           <a:lstStyle/>
           <a:p>
             <a:r>
-              <a:rPr lang="es-ES" sz="2400" b="1" dirty="0">
+              <a:rPr lang="es-ES" sz="2400" b="1">
                 <a:solidFill>
                   <a:srgbClr val="FFFF00"/>
                 </a:solidFill>
               </a:rPr>
               <a:t>El Oriente</a:t>
             </a:r>
-            <a:endParaRPr lang="en-GB" sz="2400" b="1" dirty="0">
+            <a:endParaRPr lang="en-GB" sz="2400" b="1">
               <a:solidFill>
                 <a:srgbClr val="FFFF00"/>
               </a:solidFill>
@@ -6754,10 +7714,10 @@
             <a:lstStyle/>
             <a:p>
               <a:r>
-                <a:rPr lang="it-IT" sz="1000" dirty="0"/>
+                <a:rPr lang="it-IT" sz="1000"/>
                 <a:t>7000</a:t>
               </a:r>
-              <a:endParaRPr lang="en-GB" sz="1000" dirty="0"/>
+              <a:endParaRPr lang="en-GB" sz="1000"/>
             </a:p>
           </p:txBody>
         </p:sp>
@@ -6851,10 +7811,10 @@
             <a:lstStyle/>
             <a:p>
               <a:r>
-                <a:rPr lang="it-IT" sz="1000" dirty="0"/>
+                <a:rPr lang="it-IT" sz="1000"/>
                 <a:t>5000</a:t>
               </a:r>
-              <a:endParaRPr lang="en-GB" sz="1000" dirty="0"/>
+              <a:endParaRPr lang="en-GB" sz="1000"/>
             </a:p>
           </p:txBody>
         </p:sp>
@@ -6948,10 +7908,10 @@
             <a:lstStyle/>
             <a:p>
               <a:r>
-                <a:rPr lang="it-IT" sz="1000" dirty="0"/>
+                <a:rPr lang="it-IT" sz="1000"/>
                 <a:t>3000</a:t>
               </a:r>
-              <a:endParaRPr lang="en-GB" sz="1000" dirty="0"/>
+              <a:endParaRPr lang="en-GB" sz="1000"/>
             </a:p>
           </p:txBody>
         </p:sp>
@@ -7045,10 +8005,10 @@
             <a:lstStyle/>
             <a:p>
               <a:r>
-                <a:rPr lang="it-IT" sz="1000" dirty="0"/>
+                <a:rPr lang="it-IT" sz="1000"/>
                 <a:t>2000</a:t>
               </a:r>
-              <a:endParaRPr lang="en-GB" sz="1000" dirty="0"/>
+              <a:endParaRPr lang="en-GB" sz="1000"/>
             </a:p>
           </p:txBody>
         </p:sp>
@@ -7145,10 +8105,10 @@
             <a:lstStyle/>
             <a:p>
               <a:r>
-                <a:rPr lang="it-IT" sz="1000" dirty="0"/>
+                <a:rPr lang="it-IT" sz="1000"/>
                 <a:t>1000</a:t>
               </a:r>
-              <a:endParaRPr lang="en-GB" sz="1000" dirty="0"/>
+              <a:endParaRPr lang="en-GB" sz="1000"/>
             </a:p>
           </p:txBody>
         </p:sp>
@@ -7182,10 +8142,10 @@
             <a:p>
               <a:pPr algn="ctr"/>
               <a:r>
-                <a:rPr lang="it-IT" sz="1000" dirty="0"/>
+                <a:rPr lang="it-IT" sz="1000"/>
                 <a:t>m a.s.l.</a:t>
               </a:r>
-              <a:endParaRPr lang="en-GB" sz="1000" dirty="0"/>
+              <a:endParaRPr lang="en-GB" sz="1000"/>
             </a:p>
           </p:txBody>
         </p:sp>
@@ -7218,10 +8178,10 @@
             <a:lstStyle/>
             <a:p>
               <a:r>
-                <a:rPr lang="it-IT" sz="1000" dirty="0"/>
+                <a:rPr lang="it-IT" sz="1000"/>
                 <a:t>0</a:t>
               </a:r>
-              <a:endParaRPr lang="en-GB" sz="1000" dirty="0"/>
+              <a:endParaRPr lang="en-GB" sz="1000"/>
             </a:p>
           </p:txBody>
         </p:sp>
@@ -7341,7 +8301,14 @@
             <a:lstStyle/>
             <a:p>
               <a:pPr algn="ctr"/>
-              <a:endParaRPr lang="en-GB"/>
+              <a:endParaRPr lang="en-GB">
+                <a:solidFill>
+                  <a:schemeClr val="tx1">
+                    <a:lumMod val="75000"/>
+                    <a:lumOff val="25000"/>
+                  </a:schemeClr>
+                </a:solidFill>
+              </a:endParaRPr>
             </a:p>
           </p:txBody>
         </p:sp>
@@ -7396,7 +8363,14 @@
             <a:lstStyle/>
             <a:p>
               <a:pPr algn="ctr"/>
-              <a:endParaRPr lang="en-GB"/>
+              <a:endParaRPr lang="en-GB">
+                <a:solidFill>
+                  <a:schemeClr val="tx1">
+                    <a:lumMod val="75000"/>
+                    <a:lumOff val="25000"/>
+                  </a:schemeClr>
+                </a:solidFill>
+              </a:endParaRPr>
             </a:p>
           </p:txBody>
         </p:sp>
@@ -7451,7 +8425,14 @@
             <a:lstStyle/>
             <a:p>
               <a:pPr algn="ctr"/>
-              <a:endParaRPr lang="en-GB"/>
+              <a:endParaRPr lang="en-GB">
+                <a:solidFill>
+                  <a:schemeClr val="tx1">
+                    <a:lumMod val="75000"/>
+                    <a:lumOff val="25000"/>
+                  </a:schemeClr>
+                </a:solidFill>
+              </a:endParaRPr>
             </a:p>
           </p:txBody>
         </p:sp>
@@ -7506,7 +8487,14 @@
             <a:lstStyle/>
             <a:p>
               <a:pPr algn="ctr"/>
-              <a:endParaRPr lang="en-GB"/>
+              <a:endParaRPr lang="en-GB">
+                <a:solidFill>
+                  <a:schemeClr val="tx1">
+                    <a:lumMod val="75000"/>
+                    <a:lumOff val="25000"/>
+                  </a:schemeClr>
+                </a:solidFill>
+              </a:endParaRPr>
             </a:p>
           </p:txBody>
         </p:sp>
@@ -7539,14 +8527,35 @@
             <a:lstStyle/>
             <a:p>
               <a:r>
-                <a:rPr lang="en-GB" sz="1000" dirty="0"/>
+                <a:rPr lang="en-GB" sz="1000">
+                  <a:solidFill>
+                    <a:schemeClr val="tx1">
+                      <a:lumMod val="75000"/>
+                      <a:lumOff val="25000"/>
+                    </a:schemeClr>
+                  </a:solidFill>
+                </a:rPr>
                 <a:t>0 </a:t>
               </a:r>
               <a:r>
-                <a:rPr lang="it-IT" sz="1000" dirty="0"/>
+                <a:rPr lang="it-IT" sz="1000">
+                  <a:solidFill>
+                    <a:schemeClr val="tx1">
+                      <a:lumMod val="75000"/>
+                      <a:lumOff val="25000"/>
+                    </a:schemeClr>
+                  </a:solidFill>
+                </a:rPr>
                 <a:t>- 5</a:t>
               </a:r>
-              <a:endParaRPr lang="en-GB" sz="1000" dirty="0"/>
+              <a:endParaRPr lang="en-GB" sz="1000">
+                <a:solidFill>
+                  <a:schemeClr val="tx1">
+                    <a:lumMod val="75000"/>
+                    <a:lumOff val="25000"/>
+                  </a:schemeClr>
+                </a:solidFill>
+              </a:endParaRPr>
             </a:p>
           </p:txBody>
         </p:sp>
@@ -7579,10 +8588,24 @@
             <a:lstStyle/>
             <a:p>
               <a:r>
-                <a:rPr lang="it-IT" sz="1000" dirty="0"/>
+                <a:rPr lang="it-IT" sz="1000">
+                  <a:solidFill>
+                    <a:schemeClr val="tx1">
+                      <a:lumMod val="75000"/>
+                      <a:lumOff val="25000"/>
+                    </a:schemeClr>
+                  </a:solidFill>
+                </a:rPr>
                 <a:t>5 - 10</a:t>
               </a:r>
-              <a:endParaRPr lang="en-GB" sz="1000" dirty="0"/>
+              <a:endParaRPr lang="en-GB" sz="1000">
+                <a:solidFill>
+                  <a:schemeClr val="tx1">
+                    <a:lumMod val="75000"/>
+                    <a:lumOff val="25000"/>
+                  </a:schemeClr>
+                </a:solidFill>
+              </a:endParaRPr>
             </a:p>
           </p:txBody>
         </p:sp>
@@ -7615,7 +8638,14 @@
             <a:lstStyle/>
             <a:p>
               <a:r>
-                <a:rPr lang="it-IT" sz="1000" dirty="0"/>
+                <a:rPr lang="it-IT" sz="1000">
+                  <a:solidFill>
+                    <a:schemeClr val="tx1">
+                      <a:lumMod val="75000"/>
+                      <a:lumOff val="25000"/>
+                    </a:schemeClr>
+                  </a:solidFill>
+                </a:rPr>
                 <a:t>10 - 15</a:t>
               </a:r>
             </a:p>
@@ -7650,7 +8680,14 @@
             <a:lstStyle/>
             <a:p>
               <a:r>
-                <a:rPr lang="it-IT" sz="1000" dirty="0"/>
+                <a:rPr lang="it-IT" sz="1000">
+                  <a:solidFill>
+                    <a:schemeClr val="tx1">
+                      <a:lumMod val="75000"/>
+                      <a:lumOff val="25000"/>
+                    </a:schemeClr>
+                  </a:solidFill>
+                </a:rPr>
                 <a:t>15 - 20</a:t>
               </a:r>
             </a:p>
@@ -7685,7 +8722,14 @@
             <a:lstStyle/>
             <a:p>
               <a:r>
-                <a:rPr lang="it-IT" sz="1000" dirty="0"/>
+                <a:rPr lang="it-IT" sz="1000">
+                  <a:solidFill>
+                    <a:schemeClr val="tx1">
+                      <a:lumMod val="75000"/>
+                      <a:lumOff val="25000"/>
+                    </a:schemeClr>
+                  </a:solidFill>
+                </a:rPr>
                 <a:t>20 - 30</a:t>
               </a:r>
             </a:p>
@@ -7720,7 +8764,14 @@
             <a:lstStyle/>
             <a:p>
               <a:r>
-                <a:rPr lang="it-IT" sz="1000" dirty="0"/>
+                <a:rPr lang="it-IT" sz="1000">
+                  <a:solidFill>
+                    <a:schemeClr val="tx1">
+                      <a:lumMod val="75000"/>
+                      <a:lumOff val="25000"/>
+                    </a:schemeClr>
+                  </a:solidFill>
+                </a:rPr>
                 <a:t>30 - 40</a:t>
               </a:r>
             </a:p>
@@ -7755,7 +8806,14 @@
             <a:lstStyle/>
             <a:p>
               <a:r>
-                <a:rPr lang="it-IT" sz="1000" dirty="0"/>
+                <a:rPr lang="it-IT" sz="1000">
+                  <a:solidFill>
+                    <a:schemeClr val="tx1">
+                      <a:lumMod val="75000"/>
+                      <a:lumOff val="25000"/>
+                    </a:schemeClr>
+                  </a:solidFill>
+                </a:rPr>
                 <a:t>40 - 50</a:t>
               </a:r>
             </a:p>
@@ -7790,7 +8848,14 @@
             <a:lstStyle/>
             <a:p>
               <a:r>
-                <a:rPr lang="it-IT" sz="1000" dirty="0"/>
+                <a:rPr lang="it-IT" sz="1000">
+                  <a:solidFill>
+                    <a:schemeClr val="tx1">
+                      <a:lumMod val="75000"/>
+                      <a:lumOff val="25000"/>
+                    </a:schemeClr>
+                  </a:solidFill>
+                </a:rPr>
                 <a:t>50 - 60</a:t>
               </a:r>
             </a:p>
@@ -7825,7 +8890,14 @@
             <a:lstStyle/>
             <a:p>
               <a:r>
-                <a:rPr lang="it-IT" sz="1000" dirty="0"/>
+                <a:rPr lang="it-IT" sz="1000">
+                  <a:solidFill>
+                    <a:schemeClr val="tx1">
+                      <a:lumMod val="75000"/>
+                      <a:lumOff val="25000"/>
+                    </a:schemeClr>
+                  </a:solidFill>
+                </a:rPr>
                 <a:t>60 - 70</a:t>
               </a:r>
             </a:p>
@@ -7860,7 +8932,14 @@
             <a:lstStyle/>
             <a:p>
               <a:r>
-                <a:rPr lang="it-IT" sz="1000" dirty="0"/>
+                <a:rPr lang="it-IT" sz="1000">
+                  <a:solidFill>
+                    <a:schemeClr val="tx1">
+                      <a:lumMod val="75000"/>
+                      <a:lumOff val="25000"/>
+                    </a:schemeClr>
+                  </a:solidFill>
+                </a:rPr>
                 <a:t>70 - 80</a:t>
               </a:r>
             </a:p>
@@ -7895,7 +8974,14 @@
             <a:lstStyle/>
             <a:p>
               <a:r>
-                <a:rPr lang="it-IT" sz="1000" dirty="0"/>
+                <a:rPr lang="it-IT" sz="1000">
+                  <a:solidFill>
+                    <a:schemeClr val="tx1">
+                      <a:lumMod val="75000"/>
+                      <a:lumOff val="25000"/>
+                    </a:schemeClr>
+                  </a:solidFill>
+                </a:rPr>
                 <a:t>80 - 90</a:t>
               </a:r>
             </a:p>
@@ -7930,7 +9016,14 @@
             <a:lstStyle/>
             <a:p>
               <a:r>
-                <a:rPr lang="it-IT" sz="1000" dirty="0"/>
+                <a:rPr lang="it-IT" sz="1000">
+                  <a:solidFill>
+                    <a:schemeClr val="tx1">
+                      <a:lumMod val="75000"/>
+                      <a:lumOff val="25000"/>
+                    </a:schemeClr>
+                  </a:solidFill>
+                </a:rPr>
                 <a:t>90 - 100</a:t>
               </a:r>
             </a:p>
@@ -7965,7 +9058,14 @@
             <a:lstStyle/>
             <a:p>
               <a:r>
-                <a:rPr lang="it-IT" sz="1000" dirty="0"/>
+                <a:rPr lang="it-IT" sz="1000">
+                  <a:solidFill>
+                    <a:schemeClr val="tx1">
+                      <a:lumMod val="75000"/>
+                      <a:lumOff val="25000"/>
+                    </a:schemeClr>
+                  </a:solidFill>
+                </a:rPr>
                 <a:t>100 - 200</a:t>
               </a:r>
             </a:p>
@@ -8000,7 +9100,14 @@
             <a:lstStyle/>
             <a:p>
               <a:r>
-                <a:rPr lang="it-IT" sz="1000" dirty="0"/>
+                <a:rPr lang="it-IT" sz="1000">
+                  <a:solidFill>
+                    <a:schemeClr val="tx1">
+                      <a:lumMod val="75000"/>
+                      <a:lumOff val="25000"/>
+                    </a:schemeClr>
+                  </a:solidFill>
+                </a:rPr>
                 <a:t>200 - 300</a:t>
               </a:r>
             </a:p>
@@ -8035,7 +9142,14 @@
             <a:lstStyle/>
             <a:p>
               <a:r>
-                <a:rPr lang="it-IT" sz="1000" dirty="0"/>
+                <a:rPr lang="it-IT" sz="1000">
+                  <a:solidFill>
+                    <a:schemeClr val="tx1">
+                      <a:lumMod val="75000"/>
+                      <a:lumOff val="25000"/>
+                    </a:schemeClr>
+                  </a:solidFill>
+                </a:rPr>
                 <a:t>300 - 400</a:t>
               </a:r>
             </a:p>
@@ -8089,7 +9203,14 @@
             <a:lstStyle/>
             <a:p>
               <a:pPr algn="ctr"/>
-              <a:endParaRPr lang="en-GB" dirty="0"/>
+              <a:endParaRPr lang="en-GB">
+                <a:solidFill>
+                  <a:schemeClr val="tx1">
+                    <a:lumMod val="75000"/>
+                    <a:lumOff val="25000"/>
+                  </a:schemeClr>
+                </a:solidFill>
+              </a:endParaRPr>
             </a:p>
           </p:txBody>
         </p:sp>
@@ -8141,7 +9262,14 @@
             <a:lstStyle/>
             <a:p>
               <a:pPr algn="ctr"/>
-              <a:endParaRPr lang="en-GB"/>
+              <a:endParaRPr lang="en-GB">
+                <a:solidFill>
+                  <a:schemeClr val="tx1">
+                    <a:lumMod val="75000"/>
+                    <a:lumOff val="25000"/>
+                  </a:schemeClr>
+                </a:solidFill>
+              </a:endParaRPr>
             </a:p>
           </p:txBody>
         </p:sp>
@@ -8193,7 +9321,14 @@
             <a:lstStyle/>
             <a:p>
               <a:pPr algn="ctr"/>
-              <a:endParaRPr lang="en-GB"/>
+              <a:endParaRPr lang="en-GB">
+                <a:solidFill>
+                  <a:schemeClr val="tx1">
+                    <a:lumMod val="75000"/>
+                    <a:lumOff val="25000"/>
+                  </a:schemeClr>
+                </a:solidFill>
+              </a:endParaRPr>
             </a:p>
           </p:txBody>
         </p:sp>
@@ -8245,7 +9380,14 @@
             <a:lstStyle/>
             <a:p>
               <a:pPr algn="ctr"/>
-              <a:endParaRPr lang="en-GB"/>
+              <a:endParaRPr lang="en-GB">
+                <a:solidFill>
+                  <a:schemeClr val="tx1">
+                    <a:lumMod val="75000"/>
+                    <a:lumOff val="25000"/>
+                  </a:schemeClr>
+                </a:solidFill>
+              </a:endParaRPr>
             </a:p>
           </p:txBody>
         </p:sp>
@@ -8297,7 +9439,14 @@
             <a:lstStyle/>
             <a:p>
               <a:pPr algn="ctr"/>
-              <a:endParaRPr lang="en-GB"/>
+              <a:endParaRPr lang="en-GB">
+                <a:solidFill>
+                  <a:schemeClr val="tx1">
+                    <a:lumMod val="75000"/>
+                    <a:lumOff val="25000"/>
+                  </a:schemeClr>
+                </a:solidFill>
+              </a:endParaRPr>
             </a:p>
           </p:txBody>
         </p:sp>
@@ -8349,7 +9498,14 @@
             <a:lstStyle/>
             <a:p>
               <a:pPr algn="ctr"/>
-              <a:endParaRPr lang="en-GB"/>
+              <a:endParaRPr lang="en-GB">
+                <a:solidFill>
+                  <a:schemeClr val="tx1">
+                    <a:lumMod val="75000"/>
+                    <a:lumOff val="25000"/>
+                  </a:schemeClr>
+                </a:solidFill>
+              </a:endParaRPr>
             </a:p>
           </p:txBody>
         </p:sp>
@@ -8401,7 +9557,14 @@
             <a:lstStyle/>
             <a:p>
               <a:pPr algn="ctr"/>
-              <a:endParaRPr lang="en-GB"/>
+              <a:endParaRPr lang="en-GB">
+                <a:solidFill>
+                  <a:schemeClr val="tx1">
+                    <a:lumMod val="75000"/>
+                    <a:lumOff val="25000"/>
+                  </a:schemeClr>
+                </a:solidFill>
+              </a:endParaRPr>
             </a:p>
           </p:txBody>
         </p:sp>
@@ -8453,7 +9616,14 @@
             <a:lstStyle/>
             <a:p>
               <a:pPr algn="ctr"/>
-              <a:endParaRPr lang="en-GB"/>
+              <a:endParaRPr lang="en-GB">
+                <a:solidFill>
+                  <a:schemeClr val="tx1">
+                    <a:lumMod val="75000"/>
+                    <a:lumOff val="25000"/>
+                  </a:schemeClr>
+                </a:solidFill>
+              </a:endParaRPr>
             </a:p>
           </p:txBody>
         </p:sp>
@@ -8505,7 +9675,14 @@
             <a:lstStyle/>
             <a:p>
               <a:pPr algn="ctr"/>
-              <a:endParaRPr lang="en-GB"/>
+              <a:endParaRPr lang="en-GB">
+                <a:solidFill>
+                  <a:schemeClr val="tx1">
+                    <a:lumMod val="75000"/>
+                    <a:lumOff val="25000"/>
+                  </a:schemeClr>
+                </a:solidFill>
+              </a:endParaRPr>
             </a:p>
           </p:txBody>
         </p:sp>
@@ -8557,7 +9734,14 @@
             <a:lstStyle/>
             <a:p>
               <a:pPr algn="ctr"/>
-              <a:endParaRPr lang="en-GB"/>
+              <a:endParaRPr lang="en-GB">
+                <a:solidFill>
+                  <a:schemeClr val="tx1">
+                    <a:lumMod val="75000"/>
+                    <a:lumOff val="25000"/>
+                  </a:schemeClr>
+                </a:solidFill>
+              </a:endParaRPr>
             </a:p>
           </p:txBody>
         </p:sp>
@@ -8609,7 +9793,14 @@
             <a:lstStyle/>
             <a:p>
               <a:pPr algn="ctr"/>
-              <a:endParaRPr lang="en-GB"/>
+              <a:endParaRPr lang="en-GB">
+                <a:solidFill>
+                  <a:schemeClr val="tx1">
+                    <a:lumMod val="75000"/>
+                    <a:lumOff val="25000"/>
+                  </a:schemeClr>
+                </a:solidFill>
+              </a:endParaRPr>
             </a:p>
           </p:txBody>
         </p:sp>
@@ -8643,15 +9834,36 @@
             <a:p>
               <a:pPr algn="ctr"/>
               <a:r>
-                <a:rPr lang="it-IT" sz="1000" dirty="0"/>
+                <a:rPr lang="it-IT" sz="1000">
+                  <a:solidFill>
+                    <a:schemeClr val="tx1">
+                      <a:lumMod val="75000"/>
+                      <a:lumOff val="25000"/>
+                    </a:schemeClr>
+                  </a:solidFill>
+                </a:rPr>
                 <a:t>[</a:t>
               </a:r>
               <a:r>
-                <a:rPr lang="en-GB" sz="1000" dirty="0"/>
+                <a:rPr lang="en-GB" sz="1000">
+                  <a:solidFill>
+                    <a:schemeClr val="tx1">
+                      <a:lumMod val="75000"/>
+                      <a:lumOff val="25000"/>
+                    </a:schemeClr>
+                  </a:solidFill>
+                </a:rPr>
                 <a:t>people</a:t>
               </a:r>
               <a:r>
-                <a:rPr lang="it-IT" sz="1000" dirty="0"/>
+                <a:rPr lang="it-IT" sz="1000">
+                  <a:solidFill>
+                    <a:schemeClr val="tx1">
+                      <a:lumMod val="75000"/>
+                      <a:lumOff val="25000"/>
+                    </a:schemeClr>
+                  </a:solidFill>
+                </a:rPr>
                 <a:t>/km2]</a:t>
               </a:r>
             </a:p>
@@ -8673,7 +9885,7 @@
           <p:nvPr/>
         </p:nvPicPr>
         <p:blipFill>
-          <a:blip r:embed="rId5">
+          <a:blip r:embed="rId6">
             <a:extLst>
               <a:ext uri="{28A0092B-C50C-407E-A947-70E740481C1C}">
                 <a14:useLocalDpi xmlns:a14="http://schemas.microsoft.com/office/drawing/2010/main" val="0"/>
@@ -8694,7 +9906,10 @@
           </a:prstGeom>
           <a:ln>
             <a:solidFill>
-              <a:schemeClr val="tx1"/>
+              <a:schemeClr val="tx1">
+                <a:lumMod val="75000"/>
+                <a:lumOff val="25000"/>
+              </a:schemeClr>
             </a:solidFill>
           </a:ln>
         </p:spPr>
@@ -8728,7 +9943,7 @@
           <a:lstStyle/>
           <a:p>
             <a:r>
-              <a:rPr lang="it-IT" sz="800" dirty="0">
+              <a:rPr lang="it-IT" sz="800">
                 <a:solidFill>
                   <a:schemeClr val="bg1"/>
                 </a:solidFill>
@@ -8767,7 +9982,7 @@
           <a:lstStyle/>
           <a:p>
             <a:r>
-              <a:rPr lang="it-IT" sz="800" dirty="0">
+              <a:rPr lang="it-IT" sz="800">
                 <a:solidFill>
                   <a:schemeClr val="bg1"/>
                 </a:solidFill>
@@ -8806,7 +10021,7 @@
           <a:lstStyle/>
           <a:p>
             <a:r>
-              <a:rPr lang="it-IT" sz="800" dirty="0">
+              <a:rPr lang="it-IT" sz="800">
                 <a:solidFill>
                   <a:schemeClr val="bg1"/>
                 </a:solidFill>
@@ -8845,7 +10060,7 @@
           <a:lstStyle/>
           <a:p>
             <a:r>
-              <a:rPr lang="it-IT" sz="800" dirty="0">
+              <a:rPr lang="it-IT" sz="800">
                 <a:solidFill>
                   <a:schemeClr val="bg1"/>
                 </a:solidFill>
@@ -8884,7 +10099,7 @@
           <a:lstStyle/>
           <a:p>
             <a:r>
-              <a:rPr lang="it-IT" sz="800" dirty="0">
+              <a:rPr lang="it-IT" sz="800">
                 <a:solidFill>
                   <a:schemeClr val="bg1"/>
                 </a:solidFill>
@@ -8923,7 +10138,7 @@
           <a:lstStyle/>
           <a:p>
             <a:r>
-              <a:rPr lang="it-IT" sz="800" dirty="0">
+              <a:rPr lang="it-IT" sz="800">
                 <a:solidFill>
                   <a:schemeClr val="bg1"/>
                 </a:solidFill>
@@ -8962,7 +10177,7 @@
           <a:lstStyle/>
           <a:p>
             <a:r>
-              <a:rPr lang="it-IT" sz="800" dirty="0">
+              <a:rPr lang="it-IT" sz="800">
                 <a:solidFill>
                   <a:schemeClr val="bg1"/>
                 </a:solidFill>
@@ -9001,7 +10216,7 @@
           <a:lstStyle/>
           <a:p>
             <a:r>
-              <a:rPr lang="it-IT" sz="800" dirty="0">
+              <a:rPr lang="it-IT" sz="800">
                 <a:solidFill>
                   <a:schemeClr val="bg1"/>
                 </a:solidFill>
@@ -9040,7 +10255,7 @@
           <a:lstStyle/>
           <a:p>
             <a:r>
-              <a:rPr lang="it-IT" sz="800" dirty="0">
+              <a:rPr lang="it-IT" sz="800">
                 <a:solidFill>
                   <a:schemeClr val="bg1"/>
                 </a:solidFill>
@@ -9079,7 +10294,7 @@
           <a:lstStyle/>
           <a:p>
             <a:r>
-              <a:rPr lang="it-IT" sz="800" dirty="0">
+              <a:rPr lang="it-IT" sz="800">
                 <a:solidFill>
                   <a:schemeClr val="bg1"/>
                 </a:solidFill>
@@ -9118,7 +10333,7 @@
           <a:lstStyle/>
           <a:p>
             <a:r>
-              <a:rPr lang="it-IT" sz="800" dirty="0">
+              <a:rPr lang="it-IT" sz="800">
                 <a:solidFill>
                   <a:schemeClr val="bg1"/>
                 </a:solidFill>
@@ -9157,7 +10372,7 @@
           <a:lstStyle/>
           <a:p>
             <a:r>
-              <a:rPr lang="it-IT" sz="800" dirty="0">
+              <a:rPr lang="it-IT" sz="800">
                 <a:solidFill>
                   <a:schemeClr val="bg1"/>
                 </a:solidFill>
@@ -9196,7 +10411,7 @@
           <a:lstStyle/>
           <a:p>
             <a:r>
-              <a:rPr lang="it-IT" sz="800" dirty="0">
+              <a:rPr lang="it-IT" sz="800">
                 <a:solidFill>
                   <a:schemeClr val="bg1"/>
                 </a:solidFill>
@@ -9235,7 +10450,7 @@
           <a:lstStyle/>
           <a:p>
             <a:r>
-              <a:rPr lang="it-IT" sz="800" dirty="0">
+              <a:rPr lang="it-IT" sz="800">
                 <a:solidFill>
                   <a:schemeClr val="bg1"/>
                 </a:solidFill>
@@ -9274,7 +10489,7 @@
           <a:lstStyle/>
           <a:p>
             <a:r>
-              <a:rPr lang="it-IT" sz="800" dirty="0">
+              <a:rPr lang="it-IT" sz="800">
                 <a:solidFill>
                   <a:schemeClr val="bg1"/>
                 </a:solidFill>
@@ -9313,7 +10528,7 @@
           <a:lstStyle/>
           <a:p>
             <a:r>
-              <a:rPr lang="it-IT" sz="800" dirty="0">
+              <a:rPr lang="it-IT" sz="800">
                 <a:solidFill>
                   <a:schemeClr val="bg1"/>
                 </a:solidFill>
@@ -9352,7 +10567,14 @@
           <a:lstStyle/>
           <a:p>
             <a:r>
-              <a:rPr lang="it-IT" sz="800" dirty="0"/>
+              <a:rPr lang="it-IT" sz="800">
+                <a:solidFill>
+                  <a:schemeClr val="tx1">
+                    <a:lumMod val="75000"/>
+                    <a:lumOff val="25000"/>
+                  </a:schemeClr>
+                </a:solidFill>
+              </a:rPr>
               <a:t>19</a:t>
             </a:r>
           </a:p>
@@ -9387,7 +10609,14 @@
           <a:lstStyle/>
           <a:p>
             <a:r>
-              <a:rPr lang="it-IT" sz="800" dirty="0"/>
+              <a:rPr lang="it-IT" sz="800">
+                <a:solidFill>
+                  <a:schemeClr val="tx1">
+                    <a:lumMod val="75000"/>
+                    <a:lumOff val="25000"/>
+                  </a:schemeClr>
+                </a:solidFill>
+              </a:rPr>
               <a:t>12</a:t>
             </a:r>
           </a:p>
@@ -9422,7 +10651,14 @@
           <a:lstStyle/>
           <a:p>
             <a:r>
-              <a:rPr lang="it-IT" sz="800" dirty="0"/>
+              <a:rPr lang="it-IT" sz="800">
+                <a:solidFill>
+                  <a:schemeClr val="tx1">
+                    <a:lumMod val="75000"/>
+                    <a:lumOff val="25000"/>
+                  </a:schemeClr>
+                </a:solidFill>
+              </a:rPr>
               <a:t>20</a:t>
             </a:r>
           </a:p>
@@ -9457,7 +10693,14 @@
           <a:lstStyle/>
           <a:p>
             <a:r>
-              <a:rPr lang="it-IT" sz="800" dirty="0"/>
+              <a:rPr lang="it-IT" sz="800">
+                <a:solidFill>
+                  <a:schemeClr val="tx1">
+                    <a:lumMod val="75000"/>
+                    <a:lumOff val="25000"/>
+                  </a:schemeClr>
+                </a:solidFill>
+              </a:rPr>
               <a:t>21</a:t>
             </a:r>
           </a:p>
@@ -9492,7 +10735,14 @@
           <a:lstStyle/>
           <a:p>
             <a:r>
-              <a:rPr lang="it-IT" sz="800" dirty="0"/>
+              <a:rPr lang="it-IT" sz="800">
+                <a:solidFill>
+                  <a:schemeClr val="tx1">
+                    <a:lumMod val="75000"/>
+                    <a:lumOff val="25000"/>
+                  </a:schemeClr>
+                </a:solidFill>
+              </a:rPr>
               <a:t>22</a:t>
             </a:r>
           </a:p>
@@ -9527,7 +10777,14 @@
           <a:lstStyle/>
           <a:p>
             <a:r>
-              <a:rPr lang="it-IT" sz="800" dirty="0"/>
+              <a:rPr lang="it-IT" sz="800">
+                <a:solidFill>
+                  <a:schemeClr val="tx1">
+                    <a:lumMod val="75000"/>
+                    <a:lumOff val="25000"/>
+                  </a:schemeClr>
+                </a:solidFill>
+              </a:rPr>
               <a:t>23</a:t>
             </a:r>
           </a:p>
@@ -9556,7 +10813,10 @@
           <a:noFill/>
           <a:ln w="3175">
             <a:solidFill>
-              <a:schemeClr val="tx1"/>
+              <a:schemeClr val="tx1">
+                <a:lumMod val="75000"/>
+                <a:lumOff val="25000"/>
+              </a:schemeClr>
             </a:solidFill>
           </a:ln>
         </p:spPr>
@@ -9568,7 +10828,14 @@
           <a:p>
             <a:pPr algn="ctr"/>
             <a:r>
-              <a:rPr lang="en-GB" sz="800" dirty="0"/>
+              <a:rPr lang="en-GB" sz="800">
+                <a:solidFill>
+                  <a:schemeClr val="tx1">
+                    <a:lumMod val="75000"/>
+                    <a:lumOff val="25000"/>
+                  </a:schemeClr>
+                </a:solidFill>
+              </a:rPr>
               <a:t>c</a:t>
             </a:r>
           </a:p>
@@ -9603,7 +10870,7 @@
           <a:lstStyle/>
           <a:p>
             <a:r>
-              <a:rPr lang="it-IT" sz="800" dirty="0">
+              <a:rPr lang="it-IT" sz="800">
                 <a:solidFill>
                   <a:schemeClr val="bg1"/>
                 </a:solidFill>
@@ -9613,50 +10880,12 @@
           </a:p>
         </p:txBody>
       </p:sp>
-      <p:pic>
-        <p:nvPicPr>
-          <p:cNvPr id="253" name="Graphic 252">
+      <p:sp>
+        <p:nvSpPr>
+          <p:cNvPr id="255" name="Rectangle 254">
             <a:extLst>
               <a:ext uri="{FF2B5EF4-FFF2-40B4-BE49-F238E27FC236}">
-                <a16:creationId xmlns:a16="http://schemas.microsoft.com/office/drawing/2014/main" id="{4A6FFADE-81E6-42E3-AA6A-FB88CC682A2F}"/>
-              </a:ext>
-            </a:extLst>
-          </p:cNvPr>
-          <p:cNvPicPr>
-            <a:picLocks noChangeAspect="1"/>
-          </p:cNvPicPr>
-          <p:nvPr/>
-        </p:nvPicPr>
-        <p:blipFill rotWithShape="1">
-          <a:blip r:embed="rId6">
-            <a:extLst>
-              <a:ext uri="{28A0092B-C50C-407E-A947-70E740481C1C}">
-                <a14:useLocalDpi xmlns:a14="http://schemas.microsoft.com/office/drawing/2010/main" val="0"/>
-              </a:ext>
-              <a:ext uri="{96DAC541-7B7A-43D3-8B79-37D633B846F1}">
-                <asvg:svgBlip xmlns:asvg="http://schemas.microsoft.com/office/drawing/2016/SVG/main" r:embed="rId7"/>
-              </a:ext>
-            </a:extLst>
-          </a:blip>
-          <a:srcRect l="7609" t="20189" r="43721" b="5361"/>
-          <a:stretch/>
-        </p:blipFill>
-        <p:spPr>
-          <a:xfrm>
-            <a:off x="44962" y="4929441"/>
-            <a:ext cx="2384840" cy="2590815"/>
-          </a:xfrm>
-          <a:prstGeom prst="rect">
-            <a:avLst/>
-          </a:prstGeom>
-        </p:spPr>
-      </p:pic>
-      <p:sp>
-        <p:nvSpPr>
-          <p:cNvPr id="254" name="Rectangle 253">
-            <a:extLst>
-              <a:ext uri="{FF2B5EF4-FFF2-40B4-BE49-F238E27FC236}">
-                <a16:creationId xmlns:a16="http://schemas.microsoft.com/office/drawing/2014/main" id="{55F1A8B4-2FFC-4EC5-8E86-A92337636DDB}"/>
+                <a16:creationId xmlns:a16="http://schemas.microsoft.com/office/drawing/2014/main" id="{5B3915DA-9864-43D5-9E89-13167C4BDB07}"/>
               </a:ext>
             </a:extLst>
           </p:cNvPr>
@@ -9665,16 +10894,21 @@
         </p:nvSpPr>
         <p:spPr>
           <a:xfrm>
-            <a:off x="44962" y="4929441"/>
-            <a:ext cx="2384840" cy="2583616"/>
+            <a:off x="1279943" y="6747414"/>
+            <a:ext cx="323044" cy="112158"/>
           </a:xfrm>
           <a:prstGeom prst="rect">
             <a:avLst/>
           </a:prstGeom>
-          <a:noFill/>
-          <a:ln>
+          <a:solidFill>
+            <a:srgbClr val="EEDA05"/>
+          </a:solidFill>
+          <a:ln w="3175">
             <a:solidFill>
-              <a:schemeClr val="tx1"/>
+              <a:schemeClr val="tx1">
+                <a:lumMod val="65000"/>
+                <a:lumOff val="35000"/>
+              </a:schemeClr>
             </a:solidFill>
           </a:ln>
         </p:spPr>
@@ -9699,379 +10933,372 @@
           <a:lstStyle/>
           <a:p>
             <a:pPr algn="ctr"/>
-            <a:endParaRPr lang="en-GB"/>
+            <a:endParaRPr lang="en-GB" sz="800">
+              <a:solidFill>
+                <a:schemeClr val="tx1">
+                  <a:lumMod val="75000"/>
+                  <a:lumOff val="25000"/>
+                </a:schemeClr>
+              </a:solidFill>
+            </a:endParaRPr>
           </a:p>
         </p:txBody>
       </p:sp>
-      <p:grpSp>
-        <p:nvGrpSpPr>
-          <p:cNvPr id="5" name="Group 4">
+      <p:sp>
+        <p:nvSpPr>
+          <p:cNvPr id="256" name="TextBox 255">
             <a:extLst>
               <a:ext uri="{FF2B5EF4-FFF2-40B4-BE49-F238E27FC236}">
-                <a16:creationId xmlns:a16="http://schemas.microsoft.com/office/drawing/2014/main" id="{0B5D89D7-C1AC-4DCC-A88E-74D3324BBBC6}"/>
+                <a16:creationId xmlns:a16="http://schemas.microsoft.com/office/drawing/2014/main" id="{943E7C85-E293-47E7-9652-2436B4446425}"/>
               </a:ext>
             </a:extLst>
           </p:cNvPr>
-          <p:cNvGrpSpPr/>
+          <p:cNvSpPr txBox="1"/>
           <p:nvPr/>
-        </p:nvGrpSpPr>
-        <p:grpSpPr>
+        </p:nvSpPr>
+        <p:spPr>
           <a:xfrm>
-            <a:off x="1179701" y="6789678"/>
-            <a:ext cx="1424647" cy="698270"/>
-            <a:chOff x="1243557" y="6710125"/>
-            <a:chExt cx="1424647" cy="698270"/>
+            <a:off x="1560575" y="6699700"/>
+            <a:ext cx="838200" cy="215444"/>
           </a:xfrm>
-        </p:grpSpPr>
-        <p:sp>
-          <p:nvSpPr>
-            <p:cNvPr id="255" name="Rectangle 254">
-              <a:extLst>
-                <a:ext uri="{FF2B5EF4-FFF2-40B4-BE49-F238E27FC236}">
-                  <a16:creationId xmlns:a16="http://schemas.microsoft.com/office/drawing/2014/main" id="{5B3915DA-9864-43D5-9E89-13167C4BDB07}"/>
-                </a:ext>
-              </a:extLst>
-            </p:cNvPr>
-            <p:cNvSpPr/>
-            <p:nvPr/>
-          </p:nvSpPr>
-          <p:spPr>
-            <a:xfrm>
-              <a:off x="1463139" y="6757839"/>
-              <a:ext cx="323044" cy="112158"/>
-            </a:xfrm>
-            <a:prstGeom prst="rect">
-              <a:avLst/>
-            </a:prstGeom>
+          <a:prstGeom prst="rect">
+            <a:avLst/>
+          </a:prstGeom>
+          <a:noFill/>
+        </p:spPr>
+        <p:txBody>
+          <a:bodyPr wrap="square" rtlCol="0">
+            <a:spAutoFit/>
+          </a:bodyPr>
+          <a:lstStyle/>
+          <a:p>
+            <a:r>
+              <a:rPr lang="en-GB" sz="800">
+                <a:solidFill>
+                  <a:schemeClr val="tx1">
+                    <a:lumMod val="75000"/>
+                    <a:lumOff val="25000"/>
+                  </a:schemeClr>
+                </a:solidFill>
+              </a:rPr>
+              <a:t>“La Costa”</a:t>
+            </a:r>
+          </a:p>
+        </p:txBody>
+      </p:sp>
+      <p:sp>
+        <p:nvSpPr>
+          <p:cNvPr id="257" name="Rectangle 256">
+            <a:extLst>
+              <a:ext uri="{FF2B5EF4-FFF2-40B4-BE49-F238E27FC236}">
+                <a16:creationId xmlns:a16="http://schemas.microsoft.com/office/drawing/2014/main" id="{E5DA8EDD-7F14-452C-AAAB-A582F9A4BA46}"/>
+              </a:ext>
+            </a:extLst>
+          </p:cNvPr>
+          <p:cNvSpPr/>
+          <p:nvPr/>
+        </p:nvSpPr>
+        <p:spPr>
+          <a:xfrm>
+            <a:off x="1279943" y="6899813"/>
+            <a:ext cx="323044" cy="112158"/>
+          </a:xfrm>
+          <a:prstGeom prst="rect">
+            <a:avLst/>
+          </a:prstGeom>
+          <a:solidFill>
+            <a:srgbClr val="C29A6C"/>
+          </a:solidFill>
+          <a:ln w="3175">
             <a:solidFill>
-              <a:srgbClr val="EBC800"/>
+              <a:schemeClr val="tx1">
+                <a:lumMod val="65000"/>
+                <a:lumOff val="35000"/>
+              </a:schemeClr>
             </a:solidFill>
-            <a:ln>
-              <a:noFill/>
-            </a:ln>
-          </p:spPr>
-          <p:style>
-            <a:lnRef idx="2">
-              <a:schemeClr val="accent1">
-                <a:shade val="50000"/>
+          </a:ln>
+        </p:spPr>
+        <p:style>
+          <a:lnRef idx="2">
+            <a:schemeClr val="accent1">
+              <a:shade val="50000"/>
+            </a:schemeClr>
+          </a:lnRef>
+          <a:fillRef idx="1">
+            <a:schemeClr val="accent1"/>
+          </a:fillRef>
+          <a:effectRef idx="0">
+            <a:schemeClr val="accent1"/>
+          </a:effectRef>
+          <a:fontRef idx="minor">
+            <a:schemeClr val="lt1"/>
+          </a:fontRef>
+        </p:style>
+        <p:txBody>
+          <a:bodyPr rtlCol="0" anchor="ctr"/>
+          <a:lstStyle/>
+          <a:p>
+            <a:pPr algn="ctr"/>
+            <a:endParaRPr lang="en-GB" sz="800">
+              <a:solidFill>
+                <a:schemeClr val="tx1">
+                  <a:lumMod val="75000"/>
+                  <a:lumOff val="25000"/>
+                </a:schemeClr>
+              </a:solidFill>
+            </a:endParaRPr>
+          </a:p>
+        </p:txBody>
+      </p:sp>
+      <p:sp>
+        <p:nvSpPr>
+          <p:cNvPr id="258" name="TextBox 257">
+            <a:extLst>
+              <a:ext uri="{FF2B5EF4-FFF2-40B4-BE49-F238E27FC236}">
+                <a16:creationId xmlns:a16="http://schemas.microsoft.com/office/drawing/2014/main" id="{4F62748E-CA20-45F0-80CC-608584C97DE9}"/>
+              </a:ext>
+            </a:extLst>
+          </p:cNvPr>
+          <p:cNvSpPr txBox="1"/>
+          <p:nvPr/>
+        </p:nvSpPr>
+        <p:spPr>
+          <a:xfrm>
+            <a:off x="1560575" y="6852100"/>
+            <a:ext cx="838200" cy="215444"/>
+          </a:xfrm>
+          <a:prstGeom prst="rect">
+            <a:avLst/>
+          </a:prstGeom>
+          <a:noFill/>
+        </p:spPr>
+        <p:txBody>
+          <a:bodyPr wrap="square" rtlCol="0">
+            <a:spAutoFit/>
+          </a:bodyPr>
+          <a:lstStyle/>
+          <a:p>
+            <a:r>
+              <a:rPr lang="en-GB" sz="800">
+                <a:solidFill>
+                  <a:schemeClr val="tx1">
+                    <a:lumMod val="75000"/>
+                    <a:lumOff val="25000"/>
+                  </a:schemeClr>
+                </a:solidFill>
+              </a:rPr>
+              <a:t>“La Sierra”</a:t>
+            </a:r>
+          </a:p>
+        </p:txBody>
+      </p:sp>
+      <p:sp>
+        <p:nvSpPr>
+          <p:cNvPr id="259" name="Rectangle 258">
+            <a:extLst>
+              <a:ext uri="{FF2B5EF4-FFF2-40B4-BE49-F238E27FC236}">
+                <a16:creationId xmlns:a16="http://schemas.microsoft.com/office/drawing/2014/main" id="{C007C6FB-F246-4CB7-89C8-80D9288CD40C}"/>
+              </a:ext>
+            </a:extLst>
+          </p:cNvPr>
+          <p:cNvSpPr/>
+          <p:nvPr/>
+        </p:nvSpPr>
+        <p:spPr>
+          <a:xfrm>
+            <a:off x="1279943" y="7052213"/>
+            <a:ext cx="323044" cy="112158"/>
+          </a:xfrm>
+          <a:prstGeom prst="rect">
+            <a:avLst/>
+          </a:prstGeom>
+          <a:solidFill>
+            <a:srgbClr val="ACFF00"/>
+          </a:solidFill>
+          <a:ln w="3175">
+            <a:solidFill>
+              <a:schemeClr val="tx1">
+                <a:lumMod val="65000"/>
+                <a:lumOff val="35000"/>
               </a:schemeClr>
-            </a:lnRef>
-            <a:fillRef idx="1">
-              <a:schemeClr val="accent1"/>
-            </a:fillRef>
-            <a:effectRef idx="0">
-              <a:schemeClr val="accent1"/>
-            </a:effectRef>
-            <a:fontRef idx="minor">
-              <a:schemeClr val="lt1"/>
-            </a:fontRef>
-          </p:style>
-          <p:txBody>
-            <a:bodyPr rtlCol="0" anchor="ctr"/>
-            <a:lstStyle/>
-            <a:p>
-              <a:pPr algn="ctr"/>
-              <a:endParaRPr lang="en-GB" sz="800"/>
-            </a:p>
-          </p:txBody>
-        </p:sp>
-        <p:sp>
-          <p:nvSpPr>
-            <p:cNvPr id="256" name="TextBox 255">
-              <a:extLst>
-                <a:ext uri="{FF2B5EF4-FFF2-40B4-BE49-F238E27FC236}">
-                  <a16:creationId xmlns:a16="http://schemas.microsoft.com/office/drawing/2014/main" id="{943E7C85-E293-47E7-9652-2436B4446425}"/>
-                </a:ext>
-              </a:extLst>
-            </p:cNvPr>
-            <p:cNvSpPr txBox="1"/>
-            <p:nvPr/>
-          </p:nvSpPr>
-          <p:spPr>
-            <a:xfrm>
-              <a:off x="1743771" y="6710125"/>
-              <a:ext cx="838200" cy="215444"/>
-            </a:xfrm>
-            <a:prstGeom prst="rect">
-              <a:avLst/>
-            </a:prstGeom>
+            </a:solidFill>
+          </a:ln>
+        </p:spPr>
+        <p:style>
+          <a:lnRef idx="2">
+            <a:schemeClr val="accent1">
+              <a:shade val="50000"/>
+            </a:schemeClr>
+          </a:lnRef>
+          <a:fillRef idx="1">
+            <a:schemeClr val="accent1"/>
+          </a:fillRef>
+          <a:effectRef idx="0">
+            <a:schemeClr val="accent1"/>
+          </a:effectRef>
+          <a:fontRef idx="minor">
+            <a:schemeClr val="lt1"/>
+          </a:fontRef>
+        </p:style>
+        <p:txBody>
+          <a:bodyPr rtlCol="0" anchor="ctr"/>
+          <a:lstStyle/>
+          <a:p>
+            <a:pPr algn="ctr"/>
+            <a:endParaRPr lang="en-GB" sz="800">
+              <a:solidFill>
+                <a:schemeClr val="tx1">
+                  <a:lumMod val="75000"/>
+                  <a:lumOff val="25000"/>
+                </a:schemeClr>
+              </a:solidFill>
+            </a:endParaRPr>
+          </a:p>
+        </p:txBody>
+      </p:sp>
+      <p:sp>
+        <p:nvSpPr>
+          <p:cNvPr id="260" name="TextBox 259">
+            <a:extLst>
+              <a:ext uri="{FF2B5EF4-FFF2-40B4-BE49-F238E27FC236}">
+                <a16:creationId xmlns:a16="http://schemas.microsoft.com/office/drawing/2014/main" id="{D634407E-293A-4646-9917-CFF41C327A3F}"/>
+              </a:ext>
+            </a:extLst>
+          </p:cNvPr>
+          <p:cNvSpPr txBox="1"/>
+          <p:nvPr/>
+        </p:nvSpPr>
+        <p:spPr>
+          <a:xfrm>
+            <a:off x="1560575" y="7004499"/>
+            <a:ext cx="838200" cy="215444"/>
+          </a:xfrm>
+          <a:prstGeom prst="rect">
+            <a:avLst/>
+          </a:prstGeom>
+          <a:noFill/>
+        </p:spPr>
+        <p:txBody>
+          <a:bodyPr wrap="square" rtlCol="0">
+            <a:spAutoFit/>
+          </a:bodyPr>
+          <a:lstStyle/>
+          <a:p>
+            <a:r>
+              <a:rPr lang="en-GB" sz="800">
+                <a:solidFill>
+                  <a:schemeClr val="tx1">
+                    <a:lumMod val="75000"/>
+                    <a:lumOff val="25000"/>
+                  </a:schemeClr>
+                </a:solidFill>
+              </a:rPr>
+              <a:t>“El Oriente”</a:t>
+            </a:r>
+          </a:p>
+        </p:txBody>
+      </p:sp>
+      <p:sp>
+        <p:nvSpPr>
+          <p:cNvPr id="261" name="Oval 260">
+            <a:extLst>
+              <a:ext uri="{FF2B5EF4-FFF2-40B4-BE49-F238E27FC236}">
+                <a16:creationId xmlns:a16="http://schemas.microsoft.com/office/drawing/2014/main" id="{47277D59-BEEF-4B9D-BB51-8D157E40DA74}"/>
+              </a:ext>
+            </a:extLst>
+          </p:cNvPr>
+          <p:cNvSpPr/>
+          <p:nvPr/>
+        </p:nvSpPr>
+        <p:spPr>
+          <a:xfrm>
+            <a:off x="1060361" y="7262172"/>
+            <a:ext cx="54000" cy="54000"/>
+          </a:xfrm>
+          <a:prstGeom prst="ellipse">
+            <a:avLst/>
+          </a:prstGeom>
+          <a:solidFill>
+            <a:schemeClr val="tx1"/>
+          </a:solidFill>
+          <a:ln>
             <a:noFill/>
-          </p:spPr>
-          <p:txBody>
-            <a:bodyPr wrap="square" rtlCol="0">
-              <a:spAutoFit/>
-            </a:bodyPr>
-            <a:lstStyle/>
-            <a:p>
-              <a:r>
-                <a:rPr lang="en-GB" sz="800" dirty="0"/>
-                <a:t>“La Costa”</a:t>
-              </a:r>
-            </a:p>
-          </p:txBody>
-        </p:sp>
-        <p:sp>
-          <p:nvSpPr>
-            <p:cNvPr id="257" name="Rectangle 256">
-              <a:extLst>
-                <a:ext uri="{FF2B5EF4-FFF2-40B4-BE49-F238E27FC236}">
-                  <a16:creationId xmlns:a16="http://schemas.microsoft.com/office/drawing/2014/main" id="{E5DA8EDD-7F14-452C-AAAB-A582F9A4BA46}"/>
-                </a:ext>
-              </a:extLst>
-            </p:cNvPr>
-            <p:cNvSpPr/>
-            <p:nvPr/>
-          </p:nvSpPr>
-          <p:spPr>
-            <a:xfrm>
-              <a:off x="1463139" y="6910238"/>
-              <a:ext cx="323044" cy="112158"/>
-            </a:xfrm>
-            <a:prstGeom prst="rect">
-              <a:avLst/>
-            </a:prstGeom>
-            <a:solidFill>
-              <a:srgbClr val="815400"/>
-            </a:solidFill>
-            <a:ln>
-              <a:noFill/>
-            </a:ln>
-          </p:spPr>
-          <p:style>
-            <a:lnRef idx="2">
-              <a:schemeClr val="accent1">
-                <a:shade val="50000"/>
-              </a:schemeClr>
-            </a:lnRef>
-            <a:fillRef idx="1">
-              <a:schemeClr val="accent1"/>
-            </a:fillRef>
-            <a:effectRef idx="0">
-              <a:schemeClr val="accent1"/>
-            </a:effectRef>
-            <a:fontRef idx="minor">
-              <a:schemeClr val="lt1"/>
-            </a:fontRef>
-          </p:style>
-          <p:txBody>
-            <a:bodyPr rtlCol="0" anchor="ctr"/>
-            <a:lstStyle/>
-            <a:p>
-              <a:pPr algn="ctr"/>
-              <a:endParaRPr lang="en-GB" sz="800"/>
-            </a:p>
-          </p:txBody>
-        </p:sp>
-        <p:sp>
-          <p:nvSpPr>
-            <p:cNvPr id="258" name="TextBox 257">
-              <a:extLst>
-                <a:ext uri="{FF2B5EF4-FFF2-40B4-BE49-F238E27FC236}">
-                  <a16:creationId xmlns:a16="http://schemas.microsoft.com/office/drawing/2014/main" id="{4F62748E-CA20-45F0-80CC-608584C97DE9}"/>
-                </a:ext>
-              </a:extLst>
-            </p:cNvPr>
-            <p:cNvSpPr txBox="1"/>
-            <p:nvPr/>
-          </p:nvSpPr>
-          <p:spPr>
-            <a:xfrm>
-              <a:off x="1743771" y="6862525"/>
-              <a:ext cx="838200" cy="215444"/>
-            </a:xfrm>
-            <a:prstGeom prst="rect">
-              <a:avLst/>
-            </a:prstGeom>
-            <a:noFill/>
-          </p:spPr>
-          <p:txBody>
-            <a:bodyPr wrap="square" rtlCol="0">
-              <a:spAutoFit/>
-            </a:bodyPr>
-            <a:lstStyle/>
-            <a:p>
-              <a:r>
-                <a:rPr lang="en-GB" sz="800" dirty="0"/>
-                <a:t>“La Sierra”</a:t>
-              </a:r>
-            </a:p>
-          </p:txBody>
-        </p:sp>
-        <p:sp>
-          <p:nvSpPr>
-            <p:cNvPr id="259" name="Rectangle 258">
-              <a:extLst>
-                <a:ext uri="{FF2B5EF4-FFF2-40B4-BE49-F238E27FC236}">
-                  <a16:creationId xmlns:a16="http://schemas.microsoft.com/office/drawing/2014/main" id="{C007C6FB-F246-4CB7-89C8-80D9288CD40C}"/>
-                </a:ext>
-              </a:extLst>
-            </p:cNvPr>
-            <p:cNvSpPr/>
-            <p:nvPr/>
-          </p:nvSpPr>
-          <p:spPr>
-            <a:xfrm>
-              <a:off x="1463139" y="7062638"/>
-              <a:ext cx="323044" cy="112158"/>
-            </a:xfrm>
-            <a:prstGeom prst="rect">
-              <a:avLst/>
-            </a:prstGeom>
-            <a:solidFill>
-              <a:srgbClr val="008B2F"/>
-            </a:solidFill>
-            <a:ln>
-              <a:noFill/>
-            </a:ln>
-          </p:spPr>
-          <p:style>
-            <a:lnRef idx="2">
-              <a:schemeClr val="accent1">
-                <a:shade val="50000"/>
-              </a:schemeClr>
-            </a:lnRef>
-            <a:fillRef idx="1">
-              <a:schemeClr val="accent1"/>
-            </a:fillRef>
-            <a:effectRef idx="0">
-              <a:schemeClr val="accent1"/>
-            </a:effectRef>
-            <a:fontRef idx="minor">
-              <a:schemeClr val="lt1"/>
-            </a:fontRef>
-          </p:style>
-          <p:txBody>
-            <a:bodyPr rtlCol="0" anchor="ctr"/>
-            <a:lstStyle/>
-            <a:p>
-              <a:pPr algn="ctr"/>
-              <a:endParaRPr lang="en-GB" sz="800"/>
-            </a:p>
-          </p:txBody>
-        </p:sp>
-        <p:sp>
-          <p:nvSpPr>
-            <p:cNvPr id="260" name="TextBox 259">
-              <a:extLst>
-                <a:ext uri="{FF2B5EF4-FFF2-40B4-BE49-F238E27FC236}">
-                  <a16:creationId xmlns:a16="http://schemas.microsoft.com/office/drawing/2014/main" id="{D634407E-293A-4646-9917-CFF41C327A3F}"/>
-                </a:ext>
-              </a:extLst>
-            </p:cNvPr>
-            <p:cNvSpPr txBox="1"/>
-            <p:nvPr/>
-          </p:nvSpPr>
-          <p:spPr>
-            <a:xfrm>
-              <a:off x="1743771" y="7014924"/>
-              <a:ext cx="838200" cy="215444"/>
-            </a:xfrm>
-            <a:prstGeom prst="rect">
-              <a:avLst/>
-            </a:prstGeom>
-            <a:noFill/>
-          </p:spPr>
-          <p:txBody>
-            <a:bodyPr wrap="square" rtlCol="0">
-              <a:spAutoFit/>
-            </a:bodyPr>
-            <a:lstStyle/>
-            <a:p>
-              <a:r>
-                <a:rPr lang="en-GB" sz="800" dirty="0"/>
-                <a:t>“El Oriente”</a:t>
-              </a:r>
-            </a:p>
-          </p:txBody>
-        </p:sp>
-        <p:sp>
-          <p:nvSpPr>
-            <p:cNvPr id="261" name="Oval 260">
-              <a:extLst>
-                <a:ext uri="{FF2B5EF4-FFF2-40B4-BE49-F238E27FC236}">
-                  <a16:creationId xmlns:a16="http://schemas.microsoft.com/office/drawing/2014/main" id="{47277D59-BEEF-4B9D-BB51-8D157E40DA74}"/>
-                </a:ext>
-              </a:extLst>
-            </p:cNvPr>
-            <p:cNvSpPr/>
-            <p:nvPr/>
-          </p:nvSpPr>
-          <p:spPr>
-            <a:xfrm>
-              <a:off x="1243557" y="7272597"/>
-              <a:ext cx="54000" cy="54000"/>
-            </a:xfrm>
-            <a:prstGeom prst="ellipse">
-              <a:avLst/>
-            </a:prstGeom>
-            <a:solidFill>
-              <a:schemeClr val="tx1"/>
-            </a:solidFill>
-            <a:ln>
-              <a:noFill/>
-            </a:ln>
-          </p:spPr>
-          <p:style>
-            <a:lnRef idx="2">
-              <a:schemeClr val="accent1">
-                <a:shade val="50000"/>
-              </a:schemeClr>
-            </a:lnRef>
-            <a:fillRef idx="1">
-              <a:schemeClr val="accent1"/>
-            </a:fillRef>
-            <a:effectRef idx="0">
-              <a:schemeClr val="accent1"/>
-            </a:effectRef>
-            <a:fontRef idx="minor">
-              <a:schemeClr val="lt1"/>
-            </a:fontRef>
-          </p:style>
-          <p:txBody>
-            <a:bodyPr rtlCol="0" anchor="ctr"/>
-            <a:lstStyle/>
-            <a:p>
-              <a:pPr algn="ctr"/>
-              <a:endParaRPr lang="en-GB" sz="800"/>
-            </a:p>
-          </p:txBody>
-        </p:sp>
-        <p:sp>
-          <p:nvSpPr>
-            <p:cNvPr id="262" name="TextBox 261">
-              <a:extLst>
-                <a:ext uri="{FF2B5EF4-FFF2-40B4-BE49-F238E27FC236}">
-                  <a16:creationId xmlns:a16="http://schemas.microsoft.com/office/drawing/2014/main" id="{F11A098F-0D97-4A6C-B342-4361B142D6B6}"/>
-                </a:ext>
-              </a:extLst>
-            </p:cNvPr>
-            <p:cNvSpPr txBox="1"/>
-            <p:nvPr/>
-          </p:nvSpPr>
-          <p:spPr>
-            <a:xfrm>
-              <a:off x="1263138" y="7192951"/>
-              <a:ext cx="1405066" cy="215444"/>
-            </a:xfrm>
-            <a:prstGeom prst="rect">
-              <a:avLst/>
-            </a:prstGeom>
-            <a:noFill/>
-          </p:spPr>
-          <p:txBody>
-            <a:bodyPr wrap="square" rtlCol="0">
-              <a:spAutoFit/>
-            </a:bodyPr>
-            <a:lstStyle/>
-            <a:p>
-              <a:r>
-                <a:rPr lang="en-GB" sz="800" dirty="0"/>
-                <a:t>ENS &amp; ecPoint grid-boxes</a:t>
-              </a:r>
-            </a:p>
-          </p:txBody>
-        </p:sp>
-      </p:grpSp>
+          </a:ln>
+        </p:spPr>
+        <p:style>
+          <a:lnRef idx="2">
+            <a:schemeClr val="accent1">
+              <a:shade val="50000"/>
+            </a:schemeClr>
+          </a:lnRef>
+          <a:fillRef idx="1">
+            <a:schemeClr val="accent1"/>
+          </a:fillRef>
+          <a:effectRef idx="0">
+            <a:schemeClr val="accent1"/>
+          </a:effectRef>
+          <a:fontRef idx="minor">
+            <a:schemeClr val="lt1"/>
+          </a:fontRef>
+        </p:style>
+        <p:txBody>
+          <a:bodyPr rtlCol="0" anchor="ctr"/>
+          <a:lstStyle/>
+          <a:p>
+            <a:pPr algn="ctr"/>
+            <a:endParaRPr lang="en-GB" sz="800">
+              <a:solidFill>
+                <a:schemeClr val="tx1">
+                  <a:lumMod val="75000"/>
+                  <a:lumOff val="25000"/>
+                </a:schemeClr>
+              </a:solidFill>
+            </a:endParaRPr>
+          </a:p>
+        </p:txBody>
+      </p:sp>
+      <p:sp>
+        <p:nvSpPr>
+          <p:cNvPr id="262" name="TextBox 261">
+            <a:extLst>
+              <a:ext uri="{FF2B5EF4-FFF2-40B4-BE49-F238E27FC236}">
+                <a16:creationId xmlns:a16="http://schemas.microsoft.com/office/drawing/2014/main" id="{F11A098F-0D97-4A6C-B342-4361B142D6B6}"/>
+              </a:ext>
+            </a:extLst>
+          </p:cNvPr>
+          <p:cNvSpPr txBox="1"/>
+          <p:nvPr/>
+        </p:nvSpPr>
+        <p:spPr>
+          <a:xfrm>
+            <a:off x="1079942" y="7182526"/>
+            <a:ext cx="1405066" cy="215444"/>
+          </a:xfrm>
+          <a:prstGeom prst="rect">
+            <a:avLst/>
+          </a:prstGeom>
+          <a:noFill/>
+        </p:spPr>
+        <p:txBody>
+          <a:bodyPr wrap="square" rtlCol="0">
+            <a:spAutoFit/>
+          </a:bodyPr>
+          <a:lstStyle/>
+          <a:p>
+            <a:r>
+              <a:rPr lang="en-GB" sz="800">
+                <a:solidFill>
+                  <a:schemeClr val="tx1">
+                    <a:lumMod val="75000"/>
+                    <a:lumOff val="25000"/>
+                  </a:schemeClr>
+                </a:solidFill>
+              </a:rPr>
+              <a:t>ENS &amp; ecPoint grid-boxes</a:t>
+            </a:r>
+          </a:p>
+        </p:txBody>
+      </p:sp>
       <p:sp>
         <p:nvSpPr>
           <p:cNvPr id="263" name="TextBox 262">
@@ -10086,16 +11313,21 @@
         </p:nvSpPr>
         <p:spPr>
           <a:xfrm>
-            <a:off x="121360" y="5032149"/>
+            <a:off x="238093" y="5203914"/>
             <a:ext cx="216000" cy="215444"/>
           </a:xfrm>
           <a:prstGeom prst="rect">
             <a:avLst/>
           </a:prstGeom>
-          <a:noFill/>
+          <a:solidFill>
+            <a:schemeClr val="bg1"/>
+          </a:solidFill>
           <a:ln w="3175">
             <a:solidFill>
-              <a:schemeClr val="tx1"/>
+              <a:schemeClr val="tx1">
+                <a:lumMod val="75000"/>
+                <a:lumOff val="25000"/>
+              </a:schemeClr>
             </a:solidFill>
           </a:ln>
         </p:spPr>
@@ -10107,7 +11339,14 @@
           <a:p>
             <a:pPr algn="ctr"/>
             <a:r>
-              <a:rPr lang="en-GB" sz="800" dirty="0"/>
+              <a:rPr lang="en-GB" sz="800">
+                <a:solidFill>
+                  <a:schemeClr val="tx1">
+                    <a:lumMod val="75000"/>
+                    <a:lumOff val="25000"/>
+                  </a:schemeClr>
+                </a:solidFill>
+              </a:rPr>
               <a:t>b</a:t>
             </a:r>
           </a:p>
@@ -10148,13 +11387,13 @@
             <p:nvPr/>
           </p:nvPicPr>
           <p:blipFill rotWithShape="1">
-            <a:blip r:embed="rId8">
+            <a:blip r:embed="rId7">
               <a:extLst>
                 <a:ext uri="{28A0092B-C50C-407E-A947-70E740481C1C}">
                   <a14:useLocalDpi xmlns:a14="http://schemas.microsoft.com/office/drawing/2010/main" val="0"/>
                 </a:ext>
                 <a:ext uri="{96DAC541-7B7A-43D3-8B79-37D633B846F1}">
-                  <asvg:svgBlip xmlns:asvg="http://schemas.microsoft.com/office/drawing/2016/SVG/main" r:embed="rId9"/>
+                  <asvg:svgBlip xmlns:asvg="http://schemas.microsoft.com/office/drawing/2016/SVG/main" r:embed="rId8"/>
                 </a:ext>
               </a:extLst>
             </a:blip>
@@ -10382,7 +11621,7 @@
             <a:p>
               <a:pPr algn="r"/>
               <a:r>
-                <a:rPr lang="en-GB" sz="800" dirty="0"/>
+                <a:rPr lang="en-GB" sz="800"/>
                 <a:t>- 80 ° </a:t>
               </a:r>
             </a:p>
@@ -10418,7 +11657,7 @@
             <a:p>
               <a:pPr algn="r"/>
               <a:r>
-                <a:rPr lang="en-GB" sz="800" dirty="0"/>
+                <a:rPr lang="en-GB" sz="800"/>
                 <a:t>- 60 °</a:t>
               </a:r>
             </a:p>
@@ -10454,7 +11693,7 @@
             <a:p>
               <a:pPr algn="r"/>
               <a:r>
-                <a:rPr lang="en-GB" sz="800" dirty="0"/>
+                <a:rPr lang="en-GB" sz="800"/>
                 <a:t>- 40 °    </a:t>
               </a:r>
             </a:p>
@@ -10489,7 +11728,7 @@
             <a:lstStyle/>
             <a:p>
               <a:r>
-                <a:rPr lang="en-GB" sz="800" dirty="0"/>
+                <a:rPr lang="en-GB" sz="800"/>
                 <a:t>Pacific Ocean</a:t>
               </a:r>
             </a:p>
@@ -10524,7 +11763,7 @@
             <a:lstStyle/>
             <a:p>
               <a:r>
-                <a:rPr lang="en-GB" sz="800" dirty="0"/>
+                <a:rPr lang="en-GB" sz="800"/>
                 <a:t>Atlantic Ocean</a:t>
               </a:r>
             </a:p>
@@ -10560,7 +11799,7 @@
             <a:p>
               <a:pPr algn="ctr"/>
               <a:r>
-                <a:rPr lang="en-GB" sz="800" dirty="0"/>
+                <a:rPr lang="en-GB" sz="800"/>
                 <a:t>Galápagos Islands</a:t>
               </a:r>
             </a:p>
@@ -10815,7 +12054,7 @@
             <a:lstStyle/>
             <a:p>
               <a:r>
-                <a:rPr lang="en-GB" sz="800" dirty="0"/>
+                <a:rPr lang="en-GB" sz="800"/>
                 <a:t>- 20 °</a:t>
               </a:r>
             </a:p>
@@ -10850,7 +12089,7 @@
             <a:lstStyle/>
             <a:p>
               <a:r>
-                <a:rPr lang="en-GB" sz="800" dirty="0"/>
+                <a:rPr lang="en-GB" sz="800"/>
                 <a:t>0 °</a:t>
               </a:r>
             </a:p>
@@ -10885,7 +12124,7 @@
             <a:lstStyle/>
             <a:p>
               <a:r>
-                <a:rPr lang="en-GB" sz="800" dirty="0"/>
+                <a:rPr lang="en-GB" sz="800"/>
                 <a:t>- 40 °</a:t>
               </a:r>
             </a:p>
@@ -11044,7 +12283,7 @@
             <a:p>
               <a:pPr algn="r"/>
               <a:r>
-                <a:rPr lang="en-GB" sz="800" dirty="0"/>
+                <a:rPr lang="en-GB" sz="800"/>
                 <a:t>- 20 °</a:t>
               </a:r>
             </a:p>
@@ -11080,7 +12319,7 @@
             <a:p>
               <a:pPr algn="r"/>
               <a:r>
-                <a:rPr lang="en-GB" sz="800" dirty="0"/>
+                <a:rPr lang="en-GB" sz="800"/>
                 <a:t>0 °</a:t>
               </a:r>
             </a:p>
@@ -11116,7 +12355,7 @@
             <a:p>
               <a:pPr algn="r"/>
               <a:r>
-                <a:rPr lang="en-GB" sz="800" dirty="0"/>
+                <a:rPr lang="en-GB" sz="800"/>
                 <a:t>- 40 °</a:t>
               </a:r>
             </a:p>
@@ -11281,7 +12520,7 @@
             <a:p>
               <a:pPr algn="r"/>
               <a:r>
-                <a:rPr lang="en-GB" sz="800" dirty="0"/>
+                <a:rPr lang="en-GB" sz="800"/>
                 <a:t>- 80 ° </a:t>
               </a:r>
             </a:p>
@@ -11317,7 +12556,7 @@
             <a:p>
               <a:pPr algn="r"/>
               <a:r>
-                <a:rPr lang="en-GB" sz="800" dirty="0"/>
+                <a:rPr lang="en-GB" sz="800"/>
                 <a:t>- 60 °</a:t>
               </a:r>
             </a:p>
@@ -11353,7 +12592,7 @@
             <a:p>
               <a:pPr algn="r"/>
               <a:r>
-                <a:rPr lang="en-GB" sz="800" dirty="0"/>
+                <a:rPr lang="en-GB" sz="800"/>
                 <a:t>- 40 °    </a:t>
               </a:r>
             </a:p>
@@ -11389,152 +12628,334 @@
           <a:lstStyle/>
           <a:p>
             <a:r>
-              <a:rPr lang="en-GB" sz="1000" dirty="0"/>
+              <a:rPr lang="en-GB" sz="1000">
+                <a:solidFill>
+                  <a:schemeClr val="tx1">
+                    <a:lumMod val="75000"/>
+                    <a:lumOff val="25000"/>
+                  </a:schemeClr>
+                </a:solidFill>
+              </a:rPr>
               <a:t>Ecuador’s political regions</a:t>
             </a:r>
           </a:p>
           <a:p>
-            <a:endParaRPr lang="en-GB" sz="800" b="1" u="sng" dirty="0"/>
+            <a:endParaRPr lang="en-GB" sz="800" b="1" u="sng">
+              <a:solidFill>
+                <a:schemeClr val="tx1">
+                  <a:lumMod val="75000"/>
+                  <a:lumOff val="25000"/>
+                </a:schemeClr>
+              </a:solidFill>
+            </a:endParaRPr>
           </a:p>
           <a:p>
             <a:r>
-              <a:rPr lang="en-GB" sz="1000" dirty="0"/>
+              <a:rPr lang="en-GB" sz="1000">
+                <a:solidFill>
+                  <a:schemeClr val="tx1">
+                    <a:lumMod val="75000"/>
+                    <a:lumOff val="25000"/>
+                  </a:schemeClr>
+                </a:solidFill>
+              </a:rPr>
               <a:t>1) Esmeraldas</a:t>
             </a:r>
           </a:p>
           <a:p>
             <a:r>
-              <a:rPr lang="en-GB" sz="1000" dirty="0"/>
+              <a:rPr lang="en-GB" sz="1000">
+                <a:solidFill>
+                  <a:schemeClr val="tx1">
+                    <a:lumMod val="75000"/>
+                    <a:lumOff val="25000"/>
+                  </a:schemeClr>
+                </a:solidFill>
+              </a:rPr>
               <a:t>2) Mana</a:t>
             </a:r>
             <a:r>
-              <a:rPr lang="es-ES" sz="1000" dirty="0"/>
+              <a:rPr lang="es-ES" sz="1000">
+                <a:solidFill>
+                  <a:schemeClr val="tx1">
+                    <a:lumMod val="75000"/>
+                    <a:lumOff val="25000"/>
+                  </a:schemeClr>
+                </a:solidFill>
+              </a:rPr>
               <a:t>bí</a:t>
             </a:r>
           </a:p>
           <a:p>
             <a:r>
-              <a:rPr lang="es-ES" sz="1000" dirty="0"/>
+              <a:rPr lang="es-ES" sz="1000">
+                <a:solidFill>
+                  <a:schemeClr val="tx1">
+                    <a:lumMod val="75000"/>
+                    <a:lumOff val="25000"/>
+                  </a:schemeClr>
+                </a:solidFill>
+              </a:rPr>
               <a:t>3) Santa Elena</a:t>
             </a:r>
           </a:p>
           <a:p>
             <a:r>
-              <a:rPr lang="es-ES" sz="1000" dirty="0"/>
+              <a:rPr lang="es-ES" sz="1000">
+                <a:solidFill>
+                  <a:schemeClr val="tx1">
+                    <a:lumMod val="75000"/>
+                    <a:lumOff val="25000"/>
+                  </a:schemeClr>
+                </a:solidFill>
+              </a:rPr>
               <a:t>4) Carchi</a:t>
             </a:r>
           </a:p>
           <a:p>
             <a:r>
-              <a:rPr lang="es-ES" sz="1000" dirty="0"/>
+              <a:rPr lang="es-ES" sz="1000">
+                <a:solidFill>
+                  <a:schemeClr val="tx1">
+                    <a:lumMod val="75000"/>
+                    <a:lumOff val="25000"/>
+                  </a:schemeClr>
+                </a:solidFill>
+              </a:rPr>
               <a:t>5) Imbabura</a:t>
             </a:r>
           </a:p>
           <a:p>
             <a:r>
-              <a:rPr lang="es-ES" sz="1000" dirty="0"/>
+              <a:rPr lang="es-ES" sz="1000">
+                <a:solidFill>
+                  <a:schemeClr val="tx1">
+                    <a:lumMod val="75000"/>
+                    <a:lumOff val="25000"/>
+                  </a:schemeClr>
+                </a:solidFill>
+              </a:rPr>
               <a:t>6) Pichincha</a:t>
             </a:r>
           </a:p>
           <a:p>
             <a:r>
-              <a:rPr lang="es-ES" sz="1000" dirty="0"/>
+              <a:rPr lang="es-ES" sz="1000">
+                <a:solidFill>
+                  <a:schemeClr val="tx1">
+                    <a:lumMod val="75000"/>
+                    <a:lumOff val="25000"/>
+                  </a:schemeClr>
+                </a:solidFill>
+              </a:rPr>
               <a:t>7) Santo Domingo de los Tsáchilas</a:t>
             </a:r>
           </a:p>
           <a:p>
             <a:r>
-              <a:rPr lang="es-ES" sz="1000" dirty="0"/>
+              <a:rPr lang="es-ES" sz="1000">
+                <a:solidFill>
+                  <a:schemeClr val="tx1">
+                    <a:lumMod val="75000"/>
+                    <a:lumOff val="25000"/>
+                  </a:schemeClr>
+                </a:solidFill>
+              </a:rPr>
               <a:t>8) Cotopaxi</a:t>
             </a:r>
           </a:p>
           <a:p>
             <a:r>
-              <a:rPr lang="es-ES" sz="1000" dirty="0"/>
+              <a:rPr lang="es-ES" sz="1000">
+                <a:solidFill>
+                  <a:schemeClr val="tx1">
+                    <a:lumMod val="75000"/>
+                    <a:lumOff val="25000"/>
+                  </a:schemeClr>
+                </a:solidFill>
+              </a:rPr>
               <a:t>9) Los Ríos</a:t>
             </a:r>
           </a:p>
           <a:p>
             <a:r>
-              <a:rPr lang="es-ES" sz="1000" dirty="0"/>
+              <a:rPr lang="es-ES" sz="1000">
+                <a:solidFill>
+                  <a:schemeClr val="tx1">
+                    <a:lumMod val="75000"/>
+                    <a:lumOff val="25000"/>
+                  </a:schemeClr>
+                </a:solidFill>
+              </a:rPr>
               <a:t>10) Bolívar</a:t>
             </a:r>
           </a:p>
           <a:p>
             <a:r>
-              <a:rPr lang="es-ES" sz="1000" dirty="0"/>
+              <a:rPr lang="es-ES" sz="1000">
+                <a:solidFill>
+                  <a:schemeClr val="tx1">
+                    <a:lumMod val="75000"/>
+                    <a:lumOff val="25000"/>
+                  </a:schemeClr>
+                </a:solidFill>
+              </a:rPr>
               <a:t>11) Guayas</a:t>
             </a:r>
           </a:p>
           <a:p>
             <a:r>
-              <a:rPr lang="es-ES" sz="1000" dirty="0"/>
+              <a:rPr lang="es-ES" sz="1000">
+                <a:solidFill>
+                  <a:schemeClr val="tx1">
+                    <a:lumMod val="75000"/>
+                    <a:lumOff val="25000"/>
+                  </a:schemeClr>
+                </a:solidFill>
+              </a:rPr>
               <a:t>12) Napo</a:t>
             </a:r>
           </a:p>
           <a:p>
             <a:r>
-              <a:rPr lang="es-ES" sz="1000" dirty="0"/>
+              <a:rPr lang="es-ES" sz="1000">
+                <a:solidFill>
+                  <a:schemeClr val="tx1">
+                    <a:lumMod val="75000"/>
+                    <a:lumOff val="25000"/>
+                  </a:schemeClr>
+                </a:solidFill>
+              </a:rPr>
               <a:t>13) Tungurahua</a:t>
             </a:r>
           </a:p>
           <a:p>
             <a:r>
-              <a:rPr lang="es-ES" sz="1000" dirty="0"/>
+              <a:rPr lang="es-ES" sz="1000">
+                <a:solidFill>
+                  <a:schemeClr val="tx1">
+                    <a:lumMod val="75000"/>
+                    <a:lumOff val="25000"/>
+                  </a:schemeClr>
+                </a:solidFill>
+              </a:rPr>
               <a:t>14) Chimborazo</a:t>
             </a:r>
           </a:p>
           <a:p>
             <a:r>
-              <a:rPr lang="es-ES" sz="1000" dirty="0"/>
+              <a:rPr lang="es-ES" sz="1000">
+                <a:solidFill>
+                  <a:schemeClr val="tx1">
+                    <a:lumMod val="75000"/>
+                    <a:lumOff val="25000"/>
+                  </a:schemeClr>
+                </a:solidFill>
+              </a:rPr>
               <a:t>15) Cañar</a:t>
             </a:r>
           </a:p>
           <a:p>
             <a:r>
-              <a:rPr lang="es-ES" sz="1000" dirty="0"/>
+              <a:rPr lang="es-ES" sz="1000">
+                <a:solidFill>
+                  <a:schemeClr val="tx1">
+                    <a:lumMod val="75000"/>
+                    <a:lumOff val="25000"/>
+                  </a:schemeClr>
+                </a:solidFill>
+              </a:rPr>
               <a:t>16) Azuay</a:t>
             </a:r>
           </a:p>
           <a:p>
             <a:r>
-              <a:rPr lang="es-ES" sz="1000" dirty="0"/>
+              <a:rPr lang="es-ES" sz="1000">
+                <a:solidFill>
+                  <a:schemeClr val="tx1">
+                    <a:lumMod val="75000"/>
+                    <a:lumOff val="25000"/>
+                  </a:schemeClr>
+                </a:solidFill>
+              </a:rPr>
               <a:t>17) El Oro</a:t>
             </a:r>
           </a:p>
           <a:p>
             <a:r>
-              <a:rPr lang="es-ES" sz="1000" dirty="0"/>
+              <a:rPr lang="es-ES" sz="1000">
+                <a:solidFill>
+                  <a:schemeClr val="tx1">
+                    <a:lumMod val="75000"/>
+                    <a:lumOff val="25000"/>
+                  </a:schemeClr>
+                </a:solidFill>
+              </a:rPr>
               <a:t>18) Loja</a:t>
             </a:r>
           </a:p>
           <a:p>
             <a:r>
-              <a:rPr lang="es-ES" sz="1000" dirty="0"/>
+              <a:rPr lang="es-ES" sz="1000">
+                <a:solidFill>
+                  <a:schemeClr val="tx1">
+                    <a:lumMod val="75000"/>
+                    <a:lumOff val="25000"/>
+                  </a:schemeClr>
+                </a:solidFill>
+              </a:rPr>
               <a:t>18) Sucumbiós</a:t>
             </a:r>
           </a:p>
           <a:p>
             <a:r>
-              <a:rPr lang="es-ES" sz="1000" dirty="0"/>
+              <a:rPr lang="es-ES" sz="1000">
+                <a:solidFill>
+                  <a:schemeClr val="tx1">
+                    <a:lumMod val="75000"/>
+                    <a:lumOff val="25000"/>
+                  </a:schemeClr>
+                </a:solidFill>
+              </a:rPr>
               <a:t>20) Orellana</a:t>
             </a:r>
           </a:p>
           <a:p>
             <a:r>
-              <a:rPr lang="es-ES" sz="1000" dirty="0"/>
+              <a:rPr lang="es-ES" sz="1000">
+                <a:solidFill>
+                  <a:schemeClr val="tx1">
+                    <a:lumMod val="75000"/>
+                    <a:lumOff val="25000"/>
+                  </a:schemeClr>
+                </a:solidFill>
+              </a:rPr>
               <a:t>21) Pastaza</a:t>
             </a:r>
           </a:p>
           <a:p>
             <a:r>
-              <a:rPr lang="es-ES" sz="1000" dirty="0"/>
+              <a:rPr lang="es-ES" sz="1000">
+                <a:solidFill>
+                  <a:schemeClr val="tx1">
+                    <a:lumMod val="75000"/>
+                    <a:lumOff val="25000"/>
+                  </a:schemeClr>
+                </a:solidFill>
+              </a:rPr>
               <a:t>22) Morona Santiago</a:t>
             </a:r>
           </a:p>
           <a:p>
             <a:r>
-              <a:rPr lang="es-ES" sz="1000" dirty="0"/>
+              <a:rPr lang="es-ES" sz="1000">
+                <a:solidFill>
+                  <a:schemeClr val="tx1">
+                    <a:lumMod val="75000"/>
+                    <a:lumOff val="25000"/>
+                  </a:schemeClr>
+                </a:solidFill>
+              </a:rPr>
               <a:t>23) Zamora Chinchipe</a:t>
             </a:r>
           </a:p>
@@ -11570,7 +12991,14 @@
           <a:p>
             <a:pPr algn="ctr"/>
             <a:r>
-              <a:rPr lang="en-GB" sz="800" dirty="0"/>
+              <a:rPr lang="en-GB" sz="800">
+                <a:solidFill>
+                  <a:schemeClr val="tx1">
+                    <a:lumMod val="75000"/>
+                    <a:lumOff val="25000"/>
+                  </a:schemeClr>
+                </a:solidFill>
+              </a:rPr>
               <a:t>Population density &amp; Ecuador’s political regions</a:t>
             </a:r>
           </a:p>
@@ -11605,14 +13033,14 @@
           <a:lstStyle/>
           <a:p>
             <a:r>
-              <a:rPr lang="it-IT" sz="800" dirty="0">
+              <a:rPr lang="it-IT" sz="800">
                 <a:solidFill>
                   <a:schemeClr val="bg1"/>
                 </a:solidFill>
               </a:rPr>
               <a:t>Quito</a:t>
             </a:r>
-            <a:endParaRPr lang="en-GB" sz="800" dirty="0">
+            <a:endParaRPr lang="en-GB" sz="800">
               <a:solidFill>
                 <a:schemeClr val="bg1"/>
               </a:solidFill>
@@ -11668,7 +13096,11 @@
           <a:lstStyle/>
           <a:p>
             <a:pPr algn="ctr"/>
-            <a:endParaRPr lang="en-GB"/>
+            <a:endParaRPr lang="en-GB">
+              <a:solidFill>
+                <a:schemeClr val="bg1"/>
+              </a:solidFill>
+            </a:endParaRPr>
           </a:p>
         </p:txBody>
       </p:sp>
@@ -11720,7 +13152,11 @@
           <a:lstStyle/>
           <a:p>
             <a:pPr algn="ctr"/>
-            <a:endParaRPr lang="en-GB"/>
+            <a:endParaRPr lang="en-GB">
+              <a:solidFill>
+                <a:schemeClr val="bg1"/>
+              </a:solidFill>
+            </a:endParaRPr>
           </a:p>
         </p:txBody>
       </p:sp>
@@ -11753,14 +13189,14 @@
           <a:lstStyle/>
           <a:p>
             <a:r>
-              <a:rPr lang="it-IT" sz="800" dirty="0">
+              <a:rPr lang="it-IT" sz="800">
                 <a:solidFill>
                   <a:schemeClr val="bg1"/>
                 </a:solidFill>
               </a:rPr>
               <a:t>Guayaquil</a:t>
             </a:r>
-            <a:endParaRPr lang="en-GB" sz="800" dirty="0">
+            <a:endParaRPr lang="en-GB" sz="800">
               <a:solidFill>
                 <a:schemeClr val="bg1"/>
               </a:solidFill>
